--- a/并发不等于并行/并发不等于并行.pptx
+++ b/并发不等于并行/并发不等于并行.pptx
@@ -172,7 +172,7 @@
   </p:defaultTextStyle>
   <p:extLst>
     <p:ext uri="{EFAFB233-063F-42B5-8137-9DF3F51BA10A}">
-      <p15:sldGuideLst xmlns:p15="http://schemas.microsoft.com/office/powerpoint/2012/main">
+      <p15:sldGuideLst xmlns="" xmlns:p15="http://schemas.microsoft.com/office/powerpoint/2012/main">
         <p15:guide id="1" orient="horz" pos="2160">
           <p15:clr>
             <a:srgbClr val="A4A3A4"/>
@@ -271,7 +271,7 @@
           <a:p>
             <a:fld id="{DA96316B-B2B6-45B9-9520-72FBFFB20CBA}" type="datetimeFigureOut">
               <a:rPr lang="zh-CN" altLang="en-US" smtClean="0"/>
-              <a:t>2014/1/24</a:t>
+              <a:t>2014/12/27</a:t>
             </a:fld>
             <a:endParaRPr lang="zh-CN" altLang="en-US"/>
           </a:p>
@@ -583,193 +583,53 @@
           <a:bodyPr/>
           <a:lstStyle/>
           <a:p>
-            <a:pPr marL="0" marR="0" indent="0" algn="l" defTabSz="914400" rtl="0" eaLnBrk="1" fontAlgn="auto" latinLnBrk="0" hangingPunct="1">
-              <a:lnSpc>
-                <a:spcPct val="100000"/>
-              </a:lnSpc>
-              <a:spcBef>
-                <a:spcPts val="0"/>
-              </a:spcBef>
-              <a:spcAft>
-                <a:spcPts val="0"/>
-              </a:spcAft>
-              <a:buClrTx/>
-              <a:buSzTx/>
-              <a:buFontTx/>
-              <a:buNone/>
-              <a:tabLst/>
-              <a:defRPr/>
-            </a:pPr>
-            <a:r>
-              <a:rPr lang="zh-CN" altLang="en-US" b="0" i="0" u="none" baseline="0" dirty="0" smtClean="0">
-                <a:hlinkClick r:id="rId3"/>
-              </a:rPr>
+            <a:r>
+              <a:rPr lang="zh-CN" altLang="en-US" dirty="0" smtClean="0"/>
               <a:t>为什么要讲这个主题？ 返璞归真 是技术、太极、做人、做事的不变真理。</a:t>
             </a:r>
           </a:p>
           <a:p>
-            <a:pPr marL="0" marR="0" indent="0" algn="l" defTabSz="914400" rtl="0" eaLnBrk="1" fontAlgn="auto" latinLnBrk="0" hangingPunct="1">
-              <a:lnSpc>
-                <a:spcPct val="100000"/>
-              </a:lnSpc>
-              <a:spcBef>
-                <a:spcPts val="0"/>
-              </a:spcBef>
-              <a:spcAft>
-                <a:spcPts val="0"/>
-              </a:spcAft>
-              <a:buClrTx/>
-              <a:buSzTx/>
-              <a:buFontTx/>
-              <a:buNone/>
-              <a:tabLst/>
-              <a:defRPr/>
-            </a:pPr>
-            <a:endParaRPr lang="zh-CN" altLang="en-US" b="0" i="0" u="none" baseline="0" dirty="0" smtClean="0">
-              <a:hlinkClick r:id="rId3"/>
-            </a:endParaRPr>
-          </a:p>
-          <a:p>
-            <a:pPr marL="0" marR="0" indent="0" algn="l" defTabSz="914400" rtl="0" eaLnBrk="1" fontAlgn="auto" latinLnBrk="0" hangingPunct="1">
-              <a:lnSpc>
-                <a:spcPct val="100000"/>
-              </a:lnSpc>
-              <a:spcBef>
-                <a:spcPts val="0"/>
-              </a:spcBef>
-              <a:spcAft>
-                <a:spcPts val="0"/>
-              </a:spcAft>
-              <a:buClrTx/>
-              <a:buSzTx/>
-              <a:buFontTx/>
-              <a:buNone/>
-              <a:tabLst/>
-              <a:defRPr/>
-            </a:pPr>
-            <a:endParaRPr lang="zh-CN" altLang="en-US" b="0" i="0" u="none" baseline="0" dirty="0" smtClean="0">
-              <a:hlinkClick r:id="rId3"/>
-            </a:endParaRPr>
-          </a:p>
-          <a:p>
-            <a:pPr marL="0" marR="0" indent="0" algn="l" defTabSz="914400" rtl="0" eaLnBrk="1" fontAlgn="auto" latinLnBrk="0" hangingPunct="1">
-              <a:lnSpc>
-                <a:spcPct val="100000"/>
-              </a:lnSpc>
-              <a:spcBef>
-                <a:spcPts val="0"/>
-              </a:spcBef>
-              <a:spcAft>
-                <a:spcPts val="0"/>
-              </a:spcAft>
-              <a:buClrTx/>
-              <a:buSzTx/>
-              <a:buFontTx/>
-              <a:buNone/>
-              <a:tabLst/>
-              <a:defRPr/>
-            </a:pPr>
-            <a:r>
-              <a:rPr lang="zh-CN" altLang="en-US" b="0" i="0" u="none" baseline="0" dirty="0" smtClean="0">
-                <a:hlinkClick r:id="rId3"/>
-              </a:rPr>
-              <a:t>参考资料：</a:t>
-            </a:r>
-            <a:r>
-              <a:rPr lang="en-US" altLang="zh-CN" b="0" i="0" u="none" baseline="0" dirty="0" smtClean="0">
-                <a:hlinkClick r:id="rId3"/>
-              </a:rPr>
-              <a:t/>
-            </a:r>
-            <a:br>
-              <a:rPr lang="en-US" altLang="zh-CN" b="0" i="0" u="none" baseline="0" dirty="0" smtClean="0">
-                <a:hlinkClick r:id="rId3"/>
-              </a:rPr>
-            </a:br>
-            <a:endParaRPr lang="en-US" altLang="zh-CN" b="0" i="0" u="none" baseline="0" dirty="0" smtClean="0">
-              <a:hlinkClick r:id="rId3"/>
-            </a:endParaRPr>
-          </a:p>
-          <a:p>
-            <a:pPr marL="0" marR="0" indent="0" algn="l" defTabSz="914400" rtl="0" eaLnBrk="1" fontAlgn="auto" latinLnBrk="0" hangingPunct="1">
-              <a:lnSpc>
-                <a:spcPct val="100000"/>
-              </a:lnSpc>
-              <a:spcBef>
-                <a:spcPts val="0"/>
-              </a:spcBef>
-              <a:spcAft>
-                <a:spcPts val="0"/>
-              </a:spcAft>
-              <a:buClrTx/>
-              <a:buSzTx/>
-              <a:buFontTx/>
-              <a:buNone/>
-              <a:tabLst/>
-              <a:defRPr/>
-            </a:pPr>
-            <a:r>
-              <a:rPr lang="en-US" altLang="zh-CN" dirty="0" smtClean="0">
-                <a:hlinkClick r:id="rId3"/>
-              </a:rPr>
-              <a:t>http://concur.rspace.googlecode.com/hg/talk/concur.html#title-slide</a:t>
-            </a:r>
             <a:r>
               <a:rPr lang="en-US" altLang="zh-CN" dirty="0" smtClean="0"/>
-              <a:t>  </a:t>
+              <a:t>Go</a:t>
+            </a:r>
+            <a:r>
+              <a:rPr lang="zh-CN" altLang="en-US" dirty="0" smtClean="0"/>
+              <a:t>语言提供的是并发功能，不是并行功能。</a:t>
+            </a:r>
+          </a:p>
+          <a:p>
+            <a:endParaRPr lang="zh-CN" altLang="en-US" dirty="0" smtClean="0"/>
+          </a:p>
+          <a:p>
+            <a:r>
+              <a:rPr lang="zh-CN" altLang="en-US" dirty="0" smtClean="0"/>
+              <a:t>参考资料</a:t>
+            </a:r>
+            <a:r>
+              <a:rPr lang="en-US" altLang="zh-CN" dirty="0" smtClean="0"/>
+              <a:t>:</a:t>
+            </a:r>
+          </a:p>
+          <a:p>
+            <a:r>
+              <a:rPr lang="en-US" altLang="zh-CN" dirty="0" smtClean="0"/>
+              <a:t>http://concur.rspace.googlecode.com/hg/talk/concur.html#title-slide  </a:t>
             </a:r>
             <a:r>
               <a:rPr lang="zh-CN" altLang="en-US" dirty="0" smtClean="0"/>
               <a:t>英文原文</a:t>
             </a:r>
-            <a:r>
-              <a:rPr lang="en-US" altLang="zh-CN" dirty="0" smtClean="0">
-                <a:hlinkClick r:id="rId4"/>
-              </a:rPr>
-              <a:t/>
-            </a:r>
-            <a:br>
-              <a:rPr lang="en-US" altLang="zh-CN" dirty="0" smtClean="0">
-                <a:hlinkClick r:id="rId4"/>
-              </a:rPr>
-            </a:br>
-            <a:r>
-              <a:rPr lang="en-US" altLang="zh-CN" dirty="0" smtClean="0">
-                <a:hlinkClick r:id="rId4"/>
-              </a:rPr>
-              <a:t>http://www.aqee.net/docs/Concurrency-is-not-Parallelism/#landing-slide</a:t>
-            </a:r>
+          </a:p>
+          <a:p>
             <a:r>
               <a:rPr lang="en-US" altLang="zh-CN" dirty="0" smtClean="0"/>
-              <a:t>  </a:t>
+              <a:t>http://www.aqee.net/docs/Concurrency-is-not-Parallelism/#landing-slide  </a:t>
             </a:r>
             <a:r>
               <a:rPr lang="zh-CN" altLang="en-US" dirty="0" smtClean="0"/>
               <a:t>中文版</a:t>
             </a:r>
-            <a:endParaRPr lang="en-US" altLang="zh-CN" dirty="0" smtClean="0"/>
-          </a:p>
-          <a:p>
-            <a:pPr marL="0" marR="0" indent="0" algn="l" defTabSz="914400" rtl="0" eaLnBrk="1" fontAlgn="auto" latinLnBrk="0" hangingPunct="1">
-              <a:lnSpc>
-                <a:spcPct val="100000"/>
-              </a:lnSpc>
-              <a:spcBef>
-                <a:spcPts val="0"/>
-              </a:spcBef>
-              <a:spcAft>
-                <a:spcPts val="0"/>
-              </a:spcAft>
-              <a:buClrTx/>
-              <a:buSzTx/>
-              <a:buFontTx/>
-              <a:buNone/>
-              <a:tabLst/>
-              <a:defRPr/>
-            </a:pPr>
-            <a:endParaRPr lang="en-US" altLang="zh-CN" dirty="0" smtClean="0"/>
-          </a:p>
-          <a:p>
             <a:endParaRPr lang="zh-CN" altLang="en-US" dirty="0"/>
           </a:p>
         </p:txBody>
@@ -854,10 +714,6 @@
           <a:bodyPr/>
           <a:lstStyle/>
           <a:p>
-            <a:r>
-              <a:rPr lang="zh-CN" altLang="en-US" dirty="0" smtClean="0"/>
-              <a:t>提问环节，对并发和并行区别搞明白了么？</a:t>
-            </a:r>
             <a:endParaRPr lang="zh-CN" altLang="en-US" dirty="0"/>
           </a:p>
         </p:txBody>
@@ -879,7 +735,7 @@
           <a:p>
             <a:fld id="{6A9BE142-2C03-4C6B-9003-2CFDE146FDF8}" type="slidenum">
               <a:rPr lang="zh-CN" altLang="en-US" smtClean="0"/>
-              <a:t>15</a:t>
+              <a:t>11</a:t>
             </a:fld>
             <a:endParaRPr lang="zh-CN" altLang="en-US"/>
           </a:p>
@@ -888,7 +744,7 @@
     </p:spTree>
     <p:extLst>
       <p:ext uri="{BB962C8B-B14F-4D97-AF65-F5344CB8AC3E}">
-        <p14:creationId xmlns:p14="http://schemas.microsoft.com/office/powerpoint/2010/main" val="1677571654"/>
+        <p14:creationId xmlns:p14="http://schemas.microsoft.com/office/powerpoint/2010/main" val="3816285979"/>
       </p:ext>
     </p:extLst>
   </p:cSld>
@@ -943,16 +799,32 @@
           <a:lstStyle/>
           <a:p>
             <a:r>
+              <a:rPr lang="en-US" altLang="zh-CN" dirty="0" smtClean="0">
+                <a:hlinkClick r:id="rId3"/>
+              </a:rPr>
+              <a:t>http://www.aqee.net/defining-concurrency-and-parallelism/</a:t>
+            </a:r>
+            <a:r>
+              <a:rPr lang="en-US" altLang="zh-CN" dirty="0" smtClean="0"/>
+              <a:t> </a:t>
+            </a:r>
+          </a:p>
+          <a:p>
+            <a:endParaRPr lang="en-US" altLang="zh-CN" dirty="0" smtClean="0"/>
+          </a:p>
+          <a:p>
+            <a:r>
               <a:rPr lang="zh-CN" altLang="en-US" dirty="0" smtClean="0"/>
-              <a:t>服务器变成了多核，我们的速度就快了么？</a:t>
-            </a:r>
-            <a:r>
-              <a:rPr lang="zh-CN" altLang="en-US" baseline="0" dirty="0" smtClean="0"/>
-              <a:t> 没有，还需要程序支持。</a:t>
-            </a:r>
-            <a:endParaRPr lang="en-US" altLang="zh-CN" baseline="0" dirty="0" smtClean="0"/>
-          </a:p>
-          <a:p>
+              <a:t>并行，比如同时监控 </a:t>
+            </a:r>
+            <a:r>
+              <a:rPr lang="en-US" altLang="zh-CN" dirty="0" smtClean="0"/>
+              <a:t>1</a:t>
+            </a:r>
+            <a:r>
+              <a:rPr lang="zh-CN" altLang="en-US" dirty="0" smtClean="0"/>
+              <a:t>万台服务器的状况。</a:t>
+            </a:r>
             <a:endParaRPr lang="zh-CN" altLang="en-US" dirty="0"/>
           </a:p>
         </p:txBody>
@@ -974,7 +846,7 @@
           <a:p>
             <a:fld id="{6A9BE142-2C03-4C6B-9003-2CFDE146FDF8}" type="slidenum">
               <a:rPr lang="zh-CN" altLang="en-US" smtClean="0"/>
-              <a:t>17</a:t>
+              <a:t>12</a:t>
             </a:fld>
             <a:endParaRPr lang="zh-CN" altLang="en-US"/>
           </a:p>
@@ -983,7 +855,7 @@
     </p:spTree>
     <p:extLst>
       <p:ext uri="{BB962C8B-B14F-4D97-AF65-F5344CB8AC3E}">
-        <p14:creationId xmlns:p14="http://schemas.microsoft.com/office/powerpoint/2010/main" val="1832877403"/>
+        <p14:creationId xmlns:p14="http://schemas.microsoft.com/office/powerpoint/2010/main" val="1776819385"/>
       </p:ext>
     </p:extLst>
   </p:cSld>
@@ -1038,9 +910,41 @@
           <a:lstStyle/>
           <a:p>
             <a:r>
+              <a:rPr lang="en-US" altLang="zh-CN" dirty="0" smtClean="0"/>
+              <a:t>Sequential Programs   </a:t>
+            </a:r>
+            <a:r>
               <a:rPr lang="zh-CN" altLang="en-US" dirty="0" smtClean="0"/>
-              <a:t>并行</a:t>
-            </a:r>
+              <a:t>顺序执行</a:t>
+            </a:r>
+            <a:endParaRPr lang="en-US" altLang="zh-CN" dirty="0" smtClean="0"/>
+          </a:p>
+          <a:p>
+            <a:r>
+              <a:rPr lang="en-US" altLang="zh-CN" dirty="0" smtClean="0"/>
+              <a:t>Concurrent Programs  </a:t>
+            </a:r>
+            <a:r>
+              <a:rPr lang="zh-CN" altLang="en-US" dirty="0" smtClean="0"/>
+              <a:t>并发</a:t>
+            </a:r>
+            <a:endParaRPr lang="en-US" altLang="zh-CN" dirty="0" smtClean="0"/>
+          </a:p>
+          <a:p>
+            <a:r>
+              <a:rPr lang="en-US" altLang="zh-CN" dirty="0" smtClean="0"/>
+              <a:t>Parallel Programs     </a:t>
+            </a:r>
+            <a:r>
+              <a:rPr lang="zh-CN" altLang="en-US" dirty="0" smtClean="0"/>
+              <a:t>并行执行</a:t>
+            </a:r>
+            <a:r>
+              <a:rPr lang="en-US" altLang="zh-CN" dirty="0" smtClean="0"/>
+              <a:t> </a:t>
+            </a:r>
+          </a:p>
+          <a:p>
             <a:endParaRPr lang="zh-CN" altLang="en-US" dirty="0"/>
           </a:p>
         </p:txBody>
@@ -1062,7 +966,7 @@
           <a:p>
             <a:fld id="{6A9BE142-2C03-4C6B-9003-2CFDE146FDF8}" type="slidenum">
               <a:rPr lang="zh-CN" altLang="en-US" smtClean="0"/>
-              <a:t>18</a:t>
+              <a:t>13</a:t>
             </a:fld>
             <a:endParaRPr lang="zh-CN" altLang="en-US"/>
           </a:p>
@@ -1071,7 +975,7 @@
     </p:spTree>
     <p:extLst>
       <p:ext uri="{BB962C8B-B14F-4D97-AF65-F5344CB8AC3E}">
-        <p14:creationId xmlns:p14="http://schemas.microsoft.com/office/powerpoint/2010/main" val="2035557418"/>
+        <p14:creationId xmlns:p14="http://schemas.microsoft.com/office/powerpoint/2010/main" val="4275572592"/>
       </p:ext>
     </p:extLst>
   </p:cSld>
@@ -1125,6 +1029,10 @@
           <a:bodyPr/>
           <a:lstStyle/>
           <a:p>
+            <a:r>
+              <a:rPr lang="zh-CN" altLang="en-US" dirty="0" smtClean="0"/>
+              <a:t>提问环节，对并发和并行区别搞明白了么？</a:t>
+            </a:r>
             <a:endParaRPr lang="zh-CN" altLang="en-US" dirty="0"/>
           </a:p>
         </p:txBody>
@@ -1146,7 +1054,7 @@
           <a:p>
             <a:fld id="{6A9BE142-2C03-4C6B-9003-2CFDE146FDF8}" type="slidenum">
               <a:rPr lang="zh-CN" altLang="en-US" smtClean="0"/>
-              <a:t>19</a:t>
+              <a:t>15</a:t>
             </a:fld>
             <a:endParaRPr lang="zh-CN" altLang="en-US"/>
           </a:p>
@@ -1155,7 +1063,7 @@
     </p:spTree>
     <p:extLst>
       <p:ext uri="{BB962C8B-B14F-4D97-AF65-F5344CB8AC3E}">
-        <p14:creationId xmlns:p14="http://schemas.microsoft.com/office/powerpoint/2010/main" val="255293380"/>
+        <p14:creationId xmlns:p14="http://schemas.microsoft.com/office/powerpoint/2010/main" val="1677571654"/>
       </p:ext>
     </p:extLst>
   </p:cSld>
@@ -1211,26 +1119,13 @@
           <a:p>
             <a:r>
               <a:rPr lang="zh-CN" altLang="en-US" dirty="0" smtClean="0"/>
-              <a:t>有一只地鼠时，是并行，并行的装书，运书，卸书，烧书</a:t>
-            </a:r>
-            <a:endParaRPr lang="en-US" altLang="zh-CN" dirty="0" smtClean="0"/>
-          </a:p>
-          <a:p>
-            <a:r>
-              <a:rPr lang="zh-CN" altLang="en-US" dirty="0" smtClean="0"/>
-              <a:t>这时候是可以并行的，但不是并行。</a:t>
-            </a:r>
-            <a:endParaRPr lang="en-US" altLang="zh-CN" dirty="0" smtClean="0"/>
-          </a:p>
-          <a:p>
-            <a:endParaRPr lang="en-US" altLang="zh-CN" dirty="0" smtClean="0"/>
-          </a:p>
-          <a:p>
-            <a:r>
-              <a:rPr lang="zh-CN" altLang="en-US" dirty="0" smtClean="0"/>
-              <a:t>要实现并发，需要对工作流程进行设计。</a:t>
-            </a:r>
-            <a:endParaRPr lang="en-US" altLang="zh-CN" dirty="0" smtClean="0"/>
+              <a:t>服务器变成了多核，我们的速度就快了么？</a:t>
+            </a:r>
+            <a:r>
+              <a:rPr lang="zh-CN" altLang="en-US" baseline="0" dirty="0" smtClean="0"/>
+              <a:t> 没有，还需要程序支持。</a:t>
+            </a:r>
+            <a:endParaRPr lang="en-US" altLang="zh-CN" baseline="0" dirty="0" smtClean="0"/>
           </a:p>
           <a:p>
             <a:endParaRPr lang="zh-CN" altLang="en-US" dirty="0"/>
@@ -1254,7 +1149,7 @@
           <a:p>
             <a:fld id="{6A9BE142-2C03-4C6B-9003-2CFDE146FDF8}" type="slidenum">
               <a:rPr lang="zh-CN" altLang="en-US" smtClean="0"/>
-              <a:t>20</a:t>
+              <a:t>17</a:t>
             </a:fld>
             <a:endParaRPr lang="zh-CN" altLang="en-US"/>
           </a:p>
@@ -1263,7 +1158,7 @@
     </p:spTree>
     <p:extLst>
       <p:ext uri="{BB962C8B-B14F-4D97-AF65-F5344CB8AC3E}">
-        <p14:creationId xmlns:p14="http://schemas.microsoft.com/office/powerpoint/2010/main" val="3406375789"/>
+        <p14:creationId xmlns:p14="http://schemas.microsoft.com/office/powerpoint/2010/main" val="1832877403"/>
       </p:ext>
     </p:extLst>
   </p:cSld>
@@ -1317,6 +1212,10 @@
           <a:bodyPr/>
           <a:lstStyle/>
           <a:p>
+            <a:r>
+              <a:rPr lang="zh-CN" altLang="en-US" dirty="0" smtClean="0"/>
+              <a:t>并行了，有啥问题？  瓶颈在哪里？</a:t>
+            </a:r>
             <a:endParaRPr lang="zh-CN" altLang="en-US" dirty="0"/>
           </a:p>
         </p:txBody>
@@ -1338,7 +1237,7 @@
           <a:p>
             <a:fld id="{6A9BE142-2C03-4C6B-9003-2CFDE146FDF8}" type="slidenum">
               <a:rPr lang="zh-CN" altLang="en-US" smtClean="0"/>
-              <a:t>21</a:t>
+              <a:t>18</a:t>
             </a:fld>
             <a:endParaRPr lang="zh-CN" altLang="en-US"/>
           </a:p>
@@ -1347,7 +1246,7 @@
     </p:spTree>
     <p:extLst>
       <p:ext uri="{BB962C8B-B14F-4D97-AF65-F5344CB8AC3E}">
-        <p14:creationId xmlns:p14="http://schemas.microsoft.com/office/powerpoint/2010/main" val="1688325904"/>
+        <p14:creationId xmlns:p14="http://schemas.microsoft.com/office/powerpoint/2010/main" val="2035557418"/>
       </p:ext>
     </p:extLst>
   </p:cSld>
@@ -1422,7 +1321,7 @@
           <a:p>
             <a:fld id="{6A9BE142-2C03-4C6B-9003-2CFDE146FDF8}" type="slidenum">
               <a:rPr lang="zh-CN" altLang="en-US" smtClean="0"/>
-              <a:t>22</a:t>
+              <a:t>19</a:t>
             </a:fld>
             <a:endParaRPr lang="zh-CN" altLang="en-US"/>
           </a:p>
@@ -1431,7 +1330,7 @@
     </p:spTree>
     <p:extLst>
       <p:ext uri="{BB962C8B-B14F-4D97-AF65-F5344CB8AC3E}">
-        <p14:creationId xmlns:p14="http://schemas.microsoft.com/office/powerpoint/2010/main" val="313697905"/>
+        <p14:creationId xmlns:p14="http://schemas.microsoft.com/office/powerpoint/2010/main" val="255293380"/>
       </p:ext>
     </p:extLst>
   </p:cSld>
@@ -1487,7 +1386,66 @@
           <a:p>
             <a:r>
               <a:rPr lang="zh-CN" altLang="en-US" dirty="0" smtClean="0"/>
-              <a:t>好处？职责单一，每一个工序都是非常简单地，并发起来组合成一道复杂工序。</a:t>
+              <a:t>并发组合不等于并行。</a:t>
+            </a:r>
+            <a:endParaRPr lang="en-US" altLang="zh-CN" dirty="0" smtClean="0"/>
+          </a:p>
+          <a:p>
+            <a:endParaRPr lang="en-US" altLang="zh-CN" dirty="0" smtClean="0"/>
+          </a:p>
+          <a:p>
+            <a:r>
+              <a:rPr lang="zh-CN" altLang="en-US" dirty="0" smtClean="0"/>
+              <a:t>并发关注的是资源充分利用</a:t>
+            </a:r>
+            <a:r>
+              <a:rPr lang="en-US" altLang="zh-CN" dirty="0" smtClean="0"/>
+              <a:t>(</a:t>
+            </a:r>
+            <a:r>
+              <a:rPr lang="zh-CN" altLang="en-US" dirty="0" smtClean="0"/>
+              <a:t>组合</a:t>
+            </a:r>
+            <a:r>
+              <a:rPr lang="en-US" altLang="zh-CN" dirty="0" smtClean="0"/>
+              <a:t>)</a:t>
+            </a:r>
+            <a:r>
+              <a:rPr lang="zh-CN" altLang="en-US" dirty="0" smtClean="0"/>
+              <a:t>；</a:t>
+            </a:r>
+          </a:p>
+          <a:p>
+            <a:r>
+              <a:rPr lang="zh-CN" altLang="en-US" dirty="0" smtClean="0"/>
+              <a:t>并行关注的是一个任务被分解给多个执行者同时做；</a:t>
+            </a:r>
+            <a:endParaRPr lang="en-US" altLang="zh-CN" dirty="0" smtClean="0"/>
+          </a:p>
+          <a:p>
+            <a:r>
+              <a:rPr lang="zh-CN" altLang="en-US" dirty="0" smtClean="0"/>
+              <a:t>简单的所有复制一份，是扩容。</a:t>
+            </a:r>
+            <a:endParaRPr lang="en-US" altLang="zh-CN" dirty="0" smtClean="0"/>
+          </a:p>
+          <a:p>
+            <a:endParaRPr lang="en-US" altLang="zh-CN" dirty="0" smtClean="0"/>
+          </a:p>
+          <a:p>
+            <a:r>
+              <a:rPr lang="zh-CN" altLang="en-US" dirty="0" smtClean="0"/>
+              <a:t>要实现并发，需要对工作流程进行设计。</a:t>
+            </a:r>
+            <a:endParaRPr lang="en-US" altLang="zh-CN" dirty="0" smtClean="0"/>
+          </a:p>
+          <a:p>
+            <a:endParaRPr lang="en-US" altLang="zh-CN" dirty="0" smtClean="0"/>
+          </a:p>
+          <a:p>
+            <a:r>
+              <a:rPr lang="zh-CN" altLang="en-US" dirty="0" smtClean="0"/>
+              <a:t>这是理想状态</a:t>
             </a:r>
             <a:endParaRPr lang="zh-CN" altLang="en-US" dirty="0"/>
           </a:p>
@@ -1510,7 +1468,7 @@
           <a:p>
             <a:fld id="{6A9BE142-2C03-4C6B-9003-2CFDE146FDF8}" type="slidenum">
               <a:rPr lang="zh-CN" altLang="en-US" smtClean="0"/>
-              <a:t>23</a:t>
+              <a:t>20</a:t>
             </a:fld>
             <a:endParaRPr lang="zh-CN" altLang="en-US"/>
           </a:p>
@@ -1519,7 +1477,7 @@
     </p:spTree>
     <p:extLst>
       <p:ext uri="{BB962C8B-B14F-4D97-AF65-F5344CB8AC3E}">
-        <p14:creationId xmlns:p14="http://schemas.microsoft.com/office/powerpoint/2010/main" val="3631264549"/>
+        <p14:creationId xmlns:p14="http://schemas.microsoft.com/office/powerpoint/2010/main" val="3406375789"/>
       </p:ext>
     </p:extLst>
   </p:cSld>
@@ -1575,294 +1533,8 @@
           <a:p>
             <a:r>
               <a:rPr lang="zh-CN" altLang="en-US" dirty="0" smtClean="0"/>
-              <a:t>一个地鼠同时干 搬书，运书、焚烧、运回空车 步骤时。这仍然是一个正确的并发工作方案。</a:t>
-            </a:r>
-            <a:endParaRPr lang="en-US" altLang="zh-CN" dirty="0" smtClean="0"/>
-          </a:p>
-          <a:p>
-            <a:endParaRPr lang="en-US" altLang="zh-CN" dirty="0" smtClean="0"/>
-          </a:p>
-          <a:p>
-            <a:r>
-              <a:rPr lang="zh-CN" altLang="en-US" dirty="0" smtClean="0"/>
-              <a:t>解释，为何多核时，反而性能会差了呢？</a:t>
-            </a:r>
-            <a:endParaRPr lang="en-US" altLang="zh-CN" dirty="0" smtClean="0"/>
-          </a:p>
-          <a:p>
-            <a:endParaRPr lang="en-US" altLang="zh-CN" dirty="0" smtClean="0"/>
-          </a:p>
-          <a:p>
-            <a:pPr fontAlgn="base"/>
-            <a:r>
-              <a:rPr lang="zh-CN" altLang="en-US" sz="1200" b="0" i="0" kern="1200" dirty="0" smtClean="0">
-                <a:solidFill>
-                  <a:schemeClr val="tx1"/>
-                </a:solidFill>
-                <a:effectLst/>
-                <a:latin typeface="+mn-lt"/>
-                <a:ea typeface="+mn-ea"/>
-                <a:cs typeface="+mn-cs"/>
-              </a:rPr>
-              <a:t>关于</a:t>
-            </a:r>
-            <a:r>
-              <a:rPr lang="en-US" altLang="zh-CN" sz="1200" b="0" i="0" kern="1200" dirty="0" smtClean="0">
-                <a:solidFill>
-                  <a:schemeClr val="tx1"/>
-                </a:solidFill>
-                <a:effectLst/>
-                <a:latin typeface="+mn-lt"/>
-                <a:ea typeface="+mn-ea"/>
-                <a:cs typeface="+mn-cs"/>
-              </a:rPr>
-              <a:t>GOMAXPROC &gt; 1</a:t>
-            </a:r>
-            <a:r>
-              <a:rPr lang="zh-CN" altLang="en-US" sz="1200" b="0" i="0" kern="1200" dirty="0" smtClean="0">
-                <a:solidFill>
-                  <a:schemeClr val="tx1"/>
-                </a:solidFill>
-                <a:effectLst/>
-                <a:latin typeface="+mn-lt"/>
-                <a:ea typeface="+mn-ea"/>
-                <a:cs typeface="+mn-cs"/>
-              </a:rPr>
-              <a:t>上下文切换的性能代价，我的理解是这样：如果一个</a:t>
-            </a:r>
-            <a:r>
-              <a:rPr lang="en-US" altLang="zh-CN" sz="1200" b="0" i="0" kern="1200" dirty="0" smtClean="0">
-                <a:solidFill>
-                  <a:schemeClr val="tx1"/>
-                </a:solidFill>
-                <a:effectLst/>
-                <a:latin typeface="+mn-lt"/>
-                <a:ea typeface="+mn-ea"/>
-                <a:cs typeface="+mn-cs"/>
-              </a:rPr>
-              <a:t>go routine</a:t>
-            </a:r>
-            <a:r>
-              <a:rPr lang="zh-CN" altLang="en-US" sz="1200" b="0" i="0" kern="1200" dirty="0" smtClean="0">
-                <a:solidFill>
-                  <a:schemeClr val="tx1"/>
-                </a:solidFill>
-                <a:effectLst/>
-                <a:latin typeface="+mn-lt"/>
-                <a:ea typeface="+mn-ea"/>
-                <a:cs typeface="+mn-cs"/>
-              </a:rPr>
-              <a:t>一直在一个</a:t>
-            </a:r>
-            <a:r>
-              <a:rPr lang="en-US" altLang="zh-CN" sz="1200" b="0" i="0" kern="1200" dirty="0" smtClean="0">
-                <a:solidFill>
-                  <a:schemeClr val="tx1"/>
-                </a:solidFill>
-                <a:effectLst/>
-                <a:latin typeface="+mn-lt"/>
-                <a:ea typeface="+mn-ea"/>
-                <a:cs typeface="+mn-cs"/>
-              </a:rPr>
-              <a:t>thread</a:t>
-            </a:r>
-            <a:r>
-              <a:rPr lang="zh-CN" altLang="en-US" sz="1200" b="0" i="0" kern="1200" dirty="0" smtClean="0">
-                <a:solidFill>
-                  <a:schemeClr val="tx1"/>
-                </a:solidFill>
-                <a:effectLst/>
-                <a:latin typeface="+mn-lt"/>
-                <a:ea typeface="+mn-ea"/>
-                <a:cs typeface="+mn-cs"/>
-              </a:rPr>
-              <a:t>上运行，它性能切换的代价就是换寄存器（一般</a:t>
-            </a:r>
-            <a:r>
-              <a:rPr lang="en-US" altLang="zh-CN" sz="1200" b="0" i="0" kern="1200" dirty="0" smtClean="0">
-                <a:solidFill>
-                  <a:schemeClr val="tx1"/>
-                </a:solidFill>
-                <a:effectLst/>
-                <a:latin typeface="+mn-lt"/>
-                <a:ea typeface="+mn-ea"/>
-                <a:cs typeface="+mn-cs"/>
-              </a:rPr>
-              <a:t>core</a:t>
-            </a:r>
-            <a:r>
-              <a:rPr lang="zh-CN" altLang="en-US" sz="1200" b="0" i="0" kern="1200" dirty="0" smtClean="0">
-                <a:solidFill>
-                  <a:schemeClr val="tx1"/>
-                </a:solidFill>
-                <a:effectLst/>
-                <a:latin typeface="+mn-lt"/>
-                <a:ea typeface="+mn-ea"/>
-                <a:cs typeface="+mn-cs"/>
-              </a:rPr>
-              <a:t>都有寄存器</a:t>
-            </a:r>
-            <a:r>
-              <a:rPr lang="en-US" altLang="zh-CN" sz="1200" b="0" i="0" kern="1200" dirty="0" smtClean="0">
-                <a:solidFill>
-                  <a:schemeClr val="tx1"/>
-                </a:solidFill>
-                <a:effectLst/>
-                <a:latin typeface="+mn-lt"/>
-                <a:ea typeface="+mn-ea"/>
-                <a:cs typeface="+mn-cs"/>
-              </a:rPr>
-              <a:t>cache</a:t>
-            </a:r>
-            <a:r>
-              <a:rPr lang="zh-CN" altLang="en-US" sz="1200" b="0" i="0" kern="1200" dirty="0" smtClean="0">
-                <a:solidFill>
-                  <a:schemeClr val="tx1"/>
-                </a:solidFill>
-                <a:effectLst/>
-                <a:latin typeface="+mn-lt"/>
-                <a:ea typeface="+mn-ea"/>
-                <a:cs typeface="+mn-cs"/>
-              </a:rPr>
-              <a:t>，直接替换就可以） ，这个代价是很小的。但是如果</a:t>
-            </a:r>
-            <a:r>
-              <a:rPr lang="en-US" altLang="zh-CN" sz="1200" b="0" i="0" kern="1200" dirty="0" smtClean="0">
-                <a:solidFill>
-                  <a:schemeClr val="tx1"/>
-                </a:solidFill>
-                <a:effectLst/>
-                <a:latin typeface="+mn-lt"/>
-                <a:ea typeface="+mn-ea"/>
-                <a:cs typeface="+mn-cs"/>
-              </a:rPr>
-              <a:t>GOMAXPROC&gt;1</a:t>
-            </a:r>
-            <a:r>
-              <a:rPr lang="zh-CN" altLang="en-US" sz="1200" b="0" i="0" kern="1200" dirty="0" smtClean="0">
-                <a:solidFill>
-                  <a:schemeClr val="tx1"/>
-                </a:solidFill>
-                <a:effectLst/>
-                <a:latin typeface="+mn-lt"/>
-                <a:ea typeface="+mn-ea"/>
-                <a:cs typeface="+mn-cs"/>
-              </a:rPr>
-              <a:t>的话，它就有可能被换到别的</a:t>
-            </a:r>
-            <a:r>
-              <a:rPr lang="en-US" altLang="zh-CN" sz="1200" b="0" i="0" kern="1200" dirty="0" smtClean="0">
-                <a:solidFill>
-                  <a:schemeClr val="tx1"/>
-                </a:solidFill>
-                <a:effectLst/>
-                <a:latin typeface="+mn-lt"/>
-                <a:ea typeface="+mn-ea"/>
-                <a:cs typeface="+mn-cs"/>
-              </a:rPr>
-              <a:t>thread</a:t>
-            </a:r>
-            <a:r>
-              <a:rPr lang="zh-CN" altLang="en-US" sz="1200" b="0" i="0" kern="1200" dirty="0" smtClean="0">
-                <a:solidFill>
-                  <a:schemeClr val="tx1"/>
-                </a:solidFill>
-                <a:effectLst/>
-                <a:latin typeface="+mn-lt"/>
-                <a:ea typeface="+mn-ea"/>
-                <a:cs typeface="+mn-cs"/>
-              </a:rPr>
-              <a:t>上运行，这时候换寄存器不可能用</a:t>
-            </a:r>
-            <a:r>
-              <a:rPr lang="en-US" altLang="zh-CN" sz="1200" b="0" i="0" kern="1200" dirty="0" smtClean="0">
-                <a:solidFill>
-                  <a:schemeClr val="tx1"/>
-                </a:solidFill>
-                <a:effectLst/>
-                <a:latin typeface="+mn-lt"/>
-                <a:ea typeface="+mn-ea"/>
-                <a:cs typeface="+mn-cs"/>
-              </a:rPr>
-              <a:t>cache</a:t>
-            </a:r>
-            <a:r>
-              <a:rPr lang="zh-CN" altLang="en-US" sz="1200" b="0" i="0" kern="1200" dirty="0" smtClean="0">
-                <a:solidFill>
-                  <a:schemeClr val="tx1"/>
-                </a:solidFill>
-                <a:effectLst/>
-                <a:latin typeface="+mn-lt"/>
-                <a:ea typeface="+mn-ea"/>
-                <a:cs typeface="+mn-cs"/>
-              </a:rPr>
-              <a:t>，只能在</a:t>
-            </a:r>
-            <a:r>
-              <a:rPr lang="en-US" altLang="zh-CN" sz="1200" b="0" i="0" kern="1200" dirty="0" smtClean="0">
-                <a:solidFill>
-                  <a:schemeClr val="tx1"/>
-                </a:solidFill>
-                <a:effectLst/>
-                <a:latin typeface="+mn-lt"/>
-                <a:ea typeface="+mn-ea"/>
-                <a:cs typeface="+mn-cs"/>
-              </a:rPr>
-              <a:t>core</a:t>
-            </a:r>
-            <a:r>
-              <a:rPr lang="zh-CN" altLang="en-US" sz="1200" b="0" i="0" kern="1200" dirty="0" smtClean="0">
-                <a:solidFill>
-                  <a:schemeClr val="tx1"/>
-                </a:solidFill>
-                <a:effectLst/>
-                <a:latin typeface="+mn-lt"/>
-                <a:ea typeface="+mn-ea"/>
-                <a:cs typeface="+mn-cs"/>
-              </a:rPr>
-              <a:t>间对拷，所以代价会大一些。</a:t>
-            </a:r>
-          </a:p>
-          <a:p>
-            <a:pPr fontAlgn="base"/>
-            <a:r>
-              <a:rPr lang="zh-CN" altLang="en-US" sz="1200" b="0" i="0" kern="1200" dirty="0" smtClean="0">
-                <a:solidFill>
-                  <a:schemeClr val="tx1"/>
-                </a:solidFill>
-                <a:effectLst/>
-                <a:latin typeface="+mn-lt"/>
-                <a:ea typeface="+mn-ea"/>
-                <a:cs typeface="+mn-cs"/>
-              </a:rPr>
-              <a:t>除了寄存器外，线程间不共享的东西（我也想不起来还有什么了），也需要</a:t>
-            </a:r>
-            <a:r>
-              <a:rPr lang="en-US" altLang="zh-CN" sz="1200" b="0" i="0" kern="1200" dirty="0" smtClean="0">
-                <a:solidFill>
-                  <a:schemeClr val="tx1"/>
-                </a:solidFill>
-                <a:effectLst/>
-                <a:latin typeface="+mn-lt"/>
-                <a:ea typeface="+mn-ea"/>
-                <a:cs typeface="+mn-cs"/>
-              </a:rPr>
-              <a:t>copy</a:t>
-            </a:r>
-            <a:r>
-              <a:rPr lang="zh-CN" altLang="en-US" sz="1200" b="0" i="0" kern="1200" dirty="0" smtClean="0">
-                <a:solidFill>
-                  <a:schemeClr val="tx1"/>
-                </a:solidFill>
-                <a:effectLst/>
-                <a:latin typeface="+mn-lt"/>
-                <a:ea typeface="+mn-ea"/>
-                <a:cs typeface="+mn-cs"/>
-              </a:rPr>
-              <a:t>，这也是系统负担。</a:t>
-            </a:r>
-          </a:p>
-          <a:p>
+              <a:t>简化了对每个地鼠的职能要求。</a:t>
+            </a:r>
             <a:endParaRPr lang="zh-CN" altLang="en-US" dirty="0"/>
           </a:p>
         </p:txBody>
@@ -1884,7 +1556,7 @@
           <a:p>
             <a:fld id="{6A9BE142-2C03-4C6B-9003-2CFDE146FDF8}" type="slidenum">
               <a:rPr lang="zh-CN" altLang="en-US" smtClean="0"/>
-              <a:t>26</a:t>
+              <a:t>21</a:t>
             </a:fld>
             <a:endParaRPr lang="zh-CN" altLang="en-US"/>
           </a:p>
@@ -1893,7 +1565,7 @@
     </p:spTree>
     <p:extLst>
       <p:ext uri="{BB962C8B-B14F-4D97-AF65-F5344CB8AC3E}">
-        <p14:creationId xmlns:p14="http://schemas.microsoft.com/office/powerpoint/2010/main" val="2996096027"/>
+        <p14:creationId xmlns:p14="http://schemas.microsoft.com/office/powerpoint/2010/main" val="1688325904"/>
       </p:ext>
     </p:extLst>
   </p:cSld>
@@ -1968,7 +1640,7 @@
           <a:p>
             <a:fld id="{6A9BE142-2C03-4C6B-9003-2CFDE146FDF8}" type="slidenum">
               <a:rPr lang="zh-CN" altLang="en-US" smtClean="0"/>
-              <a:t>27</a:t>
+              <a:t>22</a:t>
             </a:fld>
             <a:endParaRPr lang="zh-CN" altLang="en-US"/>
           </a:p>
@@ -1977,7 +1649,7 @@
     </p:spTree>
     <p:extLst>
       <p:ext uri="{BB962C8B-B14F-4D97-AF65-F5344CB8AC3E}">
-        <p14:creationId xmlns:p14="http://schemas.microsoft.com/office/powerpoint/2010/main" val="2918515753"/>
+        <p14:creationId xmlns:p14="http://schemas.microsoft.com/office/powerpoint/2010/main" val="313697905"/>
       </p:ext>
     </p:extLst>
   </p:cSld>
@@ -2230,6 +1902,19 @@
           <a:bodyPr/>
           <a:lstStyle/>
           <a:p>
+            <a:r>
+              <a:rPr lang="zh-CN" altLang="en-US" dirty="0" smtClean="0"/>
+              <a:t>好处？职责单一，每一个工序都是非常简单地，并发起来组合成一道复杂工序。</a:t>
+            </a:r>
+            <a:endParaRPr lang="en-US" altLang="zh-CN" dirty="0" smtClean="0"/>
+          </a:p>
+          <a:p>
+            <a:endParaRPr lang="en-US" altLang="zh-CN" dirty="0" smtClean="0"/>
+          </a:p>
+          <a:p>
+            <a:endParaRPr lang="en-US" altLang="zh-CN" dirty="0" smtClean="0"/>
+          </a:p>
+          <a:p>
             <a:endParaRPr lang="zh-CN" altLang="en-US" dirty="0"/>
           </a:p>
         </p:txBody>
@@ -2251,7 +1936,7 @@
           <a:p>
             <a:fld id="{6A9BE142-2C03-4C6B-9003-2CFDE146FDF8}" type="slidenum">
               <a:rPr lang="zh-CN" altLang="en-US" smtClean="0"/>
-              <a:t>31</a:t>
+              <a:t>23</a:t>
             </a:fld>
             <a:endParaRPr lang="zh-CN" altLang="en-US"/>
           </a:p>
@@ -2260,7 +1945,7 @@
     </p:spTree>
     <p:extLst>
       <p:ext uri="{BB962C8B-B14F-4D97-AF65-F5344CB8AC3E}">
-        <p14:creationId xmlns:p14="http://schemas.microsoft.com/office/powerpoint/2010/main" val="2933776211"/>
+        <p14:creationId xmlns:p14="http://schemas.microsoft.com/office/powerpoint/2010/main" val="3631264549"/>
       </p:ext>
     </p:extLst>
   </p:cSld>
@@ -2314,18 +1999,6 @@
           <a:bodyPr/>
           <a:lstStyle/>
           <a:p>
-            <a:r>
-              <a:rPr lang="en-US" altLang="zh-CN" dirty="0" smtClean="0"/>
-              <a:t>g()</a:t>
-            </a:r>
-            <a:r>
-              <a:rPr lang="en-US" altLang="zh-CN" baseline="0" dirty="0" smtClean="0"/>
-              <a:t> </a:t>
-            </a:r>
-            <a:r>
-              <a:rPr lang="zh-CN" altLang="en-US" baseline="0" dirty="0" smtClean="0"/>
-              <a:t>另外一个逻辑函数。</a:t>
-            </a:r>
             <a:endParaRPr lang="zh-CN" altLang="en-US" dirty="0"/>
           </a:p>
         </p:txBody>
@@ -2347,7 +2020,7 @@
           <a:p>
             <a:fld id="{6A9BE142-2C03-4C6B-9003-2CFDE146FDF8}" type="slidenum">
               <a:rPr lang="zh-CN" altLang="en-US" smtClean="0"/>
-              <a:t>34</a:t>
+              <a:t>24</a:t>
             </a:fld>
             <a:endParaRPr lang="zh-CN" altLang="en-US"/>
           </a:p>
@@ -2356,7 +2029,7 @@
     </p:spTree>
     <p:extLst>
       <p:ext uri="{BB962C8B-B14F-4D97-AF65-F5344CB8AC3E}">
-        <p14:creationId xmlns:p14="http://schemas.microsoft.com/office/powerpoint/2010/main" val="389865186"/>
+        <p14:creationId xmlns:p14="http://schemas.microsoft.com/office/powerpoint/2010/main" val="2632569830"/>
       </p:ext>
     </p:extLst>
   </p:cSld>
@@ -2412,19 +2085,25 @@
           <a:p>
             <a:r>
               <a:rPr lang="zh-CN" altLang="en-US" dirty="0" smtClean="0"/>
-              <a:t>当一个</a:t>
-            </a:r>
-            <a:r>
-              <a:rPr lang="en-US" altLang="zh-CN" dirty="0" smtClean="0"/>
-              <a:t>Go</a:t>
-            </a:r>
+              <a:t>一个地鼠同时干 搬书，运书、焚烧、运回空车 步骤时。这仍然是一个正确的并发工作方案。</a:t>
+            </a:r>
+            <a:endParaRPr lang="en-US" altLang="zh-CN" dirty="0" smtClean="0"/>
+          </a:p>
+          <a:p>
+            <a:endParaRPr lang="en-US" altLang="zh-CN" dirty="0" smtClean="0"/>
+          </a:p>
+          <a:p>
             <a:r>
               <a:rPr lang="zh-CN" altLang="en-US" dirty="0" smtClean="0"/>
-              <a:t>协程阻塞时，所在的线程会阻塞？？</a:t>
+              <a:t>解释，为何多核时，反而性能会差了呢？</a:t>
             </a:r>
             <a:endParaRPr lang="en-US" altLang="zh-CN" dirty="0" smtClean="0"/>
           </a:p>
           <a:p>
+            <a:endParaRPr lang="en-US" altLang="zh-CN" dirty="0" smtClean="0"/>
+          </a:p>
+          <a:p>
+            <a:pPr fontAlgn="base"/>
             <a:r>
               <a:rPr lang="zh-CN" altLang="en-US" sz="1200" b="0" i="0" kern="1200" dirty="0" smtClean="0">
                 <a:solidFill>
@@ -2435,10 +2114,10 @@
                 <a:ea typeface="+mn-ea"/>
                 <a:cs typeface="+mn-cs"/>
               </a:rPr>
-              <a:t>实际的情况是，当前线程阻塞时，其它的</a:t>
-            </a:r>
-            <a:r>
-              <a:rPr lang="en-US" altLang="zh-CN" sz="1200" b="0" i="0" kern="1200" dirty="0" err="1" smtClean="0">
+              <a:t>关于</a:t>
+            </a:r>
+            <a:r>
+              <a:rPr lang="en-US" altLang="zh-CN" sz="1200" b="0" i="0" kern="1200" dirty="0" smtClean="0">
                 <a:solidFill>
                   <a:schemeClr val="tx1"/>
                 </a:solidFill>
@@ -2447,7 +2126,7 @@
                 <a:ea typeface="+mn-ea"/>
                 <a:cs typeface="+mn-cs"/>
               </a:rPr>
-              <a:t>goroutine</a:t>
+              <a:t>GOMAXPROC &gt; 1</a:t>
             </a:r>
             <a:r>
               <a:rPr lang="zh-CN" altLang="en-US" sz="1200" b="0" i="0" kern="1200" dirty="0" smtClean="0">
@@ -2459,10 +2138,10 @@
                 <a:ea typeface="+mn-ea"/>
                 <a:cs typeface="+mn-cs"/>
               </a:rPr>
-              <a:t>并不是在当前线程执行的，而是被分配到空闲的线程（阻塞不是空闲），如果没有空闲线程就新建一个。新建线程中的</a:t>
-            </a:r>
-            <a:r>
-              <a:rPr lang="en-US" altLang="zh-CN" sz="1200" b="0" i="0" kern="1200" dirty="0" err="1" smtClean="0">
+              <a:t>上下文切换的性能代价，我的理解是这样：如果一个</a:t>
+            </a:r>
+            <a:r>
+              <a:rPr lang="en-US" altLang="zh-CN" sz="1200" b="0" i="0" kern="1200" dirty="0" smtClean="0">
                 <a:solidFill>
                   <a:schemeClr val="tx1"/>
                 </a:solidFill>
@@ -2471,7 +2150,7 @@
                 <a:ea typeface="+mn-ea"/>
                 <a:cs typeface="+mn-cs"/>
               </a:rPr>
-              <a:t>goroutine</a:t>
+              <a:t>go routine</a:t>
             </a:r>
             <a:r>
               <a:rPr lang="zh-CN" altLang="en-US" sz="1200" b="0" i="0" kern="1200" dirty="0" smtClean="0">
@@ -2483,18 +2162,217 @@
                 <a:ea typeface="+mn-ea"/>
                 <a:cs typeface="+mn-cs"/>
               </a:rPr>
-              <a:t>执行完毕后，线程不会退出，成为空闲线程（一个动态增加的线程池） </a:t>
-            </a:r>
-            <a:endParaRPr lang="en-US" altLang="zh-CN" dirty="0" smtClean="0"/>
-          </a:p>
-          <a:p>
-            <a:endParaRPr lang="en-US" altLang="zh-CN" dirty="0" smtClean="0"/>
-          </a:p>
-          <a:p>
-            <a:r>
-              <a:rPr lang="en-US" altLang="zh-CN" dirty="0" smtClean="0"/>
-              <a:t>https://groups.google.com/forum/#!topic/golang-china/Dp1oPKdm7AA </a:t>
-            </a:r>
+              <a:t>一直在一个</a:t>
+            </a:r>
+            <a:r>
+              <a:rPr lang="en-US" altLang="zh-CN" sz="1200" b="0" i="0" kern="1200" dirty="0" smtClean="0">
+                <a:solidFill>
+                  <a:schemeClr val="tx1"/>
+                </a:solidFill>
+                <a:effectLst/>
+                <a:latin typeface="+mn-lt"/>
+                <a:ea typeface="+mn-ea"/>
+                <a:cs typeface="+mn-cs"/>
+              </a:rPr>
+              <a:t>thread</a:t>
+            </a:r>
+            <a:r>
+              <a:rPr lang="zh-CN" altLang="en-US" sz="1200" b="0" i="0" kern="1200" dirty="0" smtClean="0">
+                <a:solidFill>
+                  <a:schemeClr val="tx1"/>
+                </a:solidFill>
+                <a:effectLst/>
+                <a:latin typeface="+mn-lt"/>
+                <a:ea typeface="+mn-ea"/>
+                <a:cs typeface="+mn-cs"/>
+              </a:rPr>
+              <a:t>上运行，它性能切换的代价就是换寄存器（一般</a:t>
+            </a:r>
+            <a:r>
+              <a:rPr lang="en-US" altLang="zh-CN" sz="1200" b="0" i="0" kern="1200" dirty="0" smtClean="0">
+                <a:solidFill>
+                  <a:schemeClr val="tx1"/>
+                </a:solidFill>
+                <a:effectLst/>
+                <a:latin typeface="+mn-lt"/>
+                <a:ea typeface="+mn-ea"/>
+                <a:cs typeface="+mn-cs"/>
+              </a:rPr>
+              <a:t>core</a:t>
+            </a:r>
+            <a:r>
+              <a:rPr lang="zh-CN" altLang="en-US" sz="1200" b="0" i="0" kern="1200" dirty="0" smtClean="0">
+                <a:solidFill>
+                  <a:schemeClr val="tx1"/>
+                </a:solidFill>
+                <a:effectLst/>
+                <a:latin typeface="+mn-lt"/>
+                <a:ea typeface="+mn-ea"/>
+                <a:cs typeface="+mn-cs"/>
+              </a:rPr>
+              <a:t>都有寄存器</a:t>
+            </a:r>
+            <a:r>
+              <a:rPr lang="en-US" altLang="zh-CN" sz="1200" b="0" i="0" kern="1200" dirty="0" smtClean="0">
+                <a:solidFill>
+                  <a:schemeClr val="tx1"/>
+                </a:solidFill>
+                <a:effectLst/>
+                <a:latin typeface="+mn-lt"/>
+                <a:ea typeface="+mn-ea"/>
+                <a:cs typeface="+mn-cs"/>
+              </a:rPr>
+              <a:t>cache</a:t>
+            </a:r>
+            <a:r>
+              <a:rPr lang="zh-CN" altLang="en-US" sz="1200" b="0" i="0" kern="1200" dirty="0" smtClean="0">
+                <a:solidFill>
+                  <a:schemeClr val="tx1"/>
+                </a:solidFill>
+                <a:effectLst/>
+                <a:latin typeface="+mn-lt"/>
+                <a:ea typeface="+mn-ea"/>
+                <a:cs typeface="+mn-cs"/>
+              </a:rPr>
+              <a:t>，直接替换就可以） ，这个代价是很小的。但是如果</a:t>
+            </a:r>
+            <a:r>
+              <a:rPr lang="en-US" altLang="zh-CN" sz="1200" b="0" i="0" kern="1200" dirty="0" smtClean="0">
+                <a:solidFill>
+                  <a:schemeClr val="tx1"/>
+                </a:solidFill>
+                <a:effectLst/>
+                <a:latin typeface="+mn-lt"/>
+                <a:ea typeface="+mn-ea"/>
+                <a:cs typeface="+mn-cs"/>
+              </a:rPr>
+              <a:t>GOMAXPROC&gt;1</a:t>
+            </a:r>
+            <a:r>
+              <a:rPr lang="zh-CN" altLang="en-US" sz="1200" b="0" i="0" kern="1200" dirty="0" smtClean="0">
+                <a:solidFill>
+                  <a:schemeClr val="tx1"/>
+                </a:solidFill>
+                <a:effectLst/>
+                <a:latin typeface="+mn-lt"/>
+                <a:ea typeface="+mn-ea"/>
+                <a:cs typeface="+mn-cs"/>
+              </a:rPr>
+              <a:t>的话，它就有可能被换到别的</a:t>
+            </a:r>
+            <a:r>
+              <a:rPr lang="en-US" altLang="zh-CN" sz="1200" b="0" i="0" kern="1200" dirty="0" smtClean="0">
+                <a:solidFill>
+                  <a:schemeClr val="tx1"/>
+                </a:solidFill>
+                <a:effectLst/>
+                <a:latin typeface="+mn-lt"/>
+                <a:ea typeface="+mn-ea"/>
+                <a:cs typeface="+mn-cs"/>
+              </a:rPr>
+              <a:t>thread</a:t>
+            </a:r>
+            <a:r>
+              <a:rPr lang="zh-CN" altLang="en-US" sz="1200" b="0" i="0" kern="1200" dirty="0" smtClean="0">
+                <a:solidFill>
+                  <a:schemeClr val="tx1"/>
+                </a:solidFill>
+                <a:effectLst/>
+                <a:latin typeface="+mn-lt"/>
+                <a:ea typeface="+mn-ea"/>
+                <a:cs typeface="+mn-cs"/>
+              </a:rPr>
+              <a:t>上运行，这时候换寄存器不可能用</a:t>
+            </a:r>
+            <a:r>
+              <a:rPr lang="en-US" altLang="zh-CN" sz="1200" b="0" i="0" kern="1200" dirty="0" smtClean="0">
+                <a:solidFill>
+                  <a:schemeClr val="tx1"/>
+                </a:solidFill>
+                <a:effectLst/>
+                <a:latin typeface="+mn-lt"/>
+                <a:ea typeface="+mn-ea"/>
+                <a:cs typeface="+mn-cs"/>
+              </a:rPr>
+              <a:t>cache</a:t>
+            </a:r>
+            <a:r>
+              <a:rPr lang="zh-CN" altLang="en-US" sz="1200" b="0" i="0" kern="1200" dirty="0" smtClean="0">
+                <a:solidFill>
+                  <a:schemeClr val="tx1"/>
+                </a:solidFill>
+                <a:effectLst/>
+                <a:latin typeface="+mn-lt"/>
+                <a:ea typeface="+mn-ea"/>
+                <a:cs typeface="+mn-cs"/>
+              </a:rPr>
+              <a:t>，只能在</a:t>
+            </a:r>
+            <a:r>
+              <a:rPr lang="en-US" altLang="zh-CN" sz="1200" b="0" i="0" kern="1200" dirty="0" smtClean="0">
+                <a:solidFill>
+                  <a:schemeClr val="tx1"/>
+                </a:solidFill>
+                <a:effectLst/>
+                <a:latin typeface="+mn-lt"/>
+                <a:ea typeface="+mn-ea"/>
+                <a:cs typeface="+mn-cs"/>
+              </a:rPr>
+              <a:t>core</a:t>
+            </a:r>
+            <a:r>
+              <a:rPr lang="zh-CN" altLang="en-US" sz="1200" b="0" i="0" kern="1200" dirty="0" smtClean="0">
+                <a:solidFill>
+                  <a:schemeClr val="tx1"/>
+                </a:solidFill>
+                <a:effectLst/>
+                <a:latin typeface="+mn-lt"/>
+                <a:ea typeface="+mn-ea"/>
+                <a:cs typeface="+mn-cs"/>
+              </a:rPr>
+              <a:t>间对拷，所以代价会大一些。</a:t>
+            </a:r>
+          </a:p>
+          <a:p>
+            <a:pPr fontAlgn="base"/>
+            <a:r>
+              <a:rPr lang="zh-CN" altLang="en-US" sz="1200" b="0" i="0" kern="1200" dirty="0" smtClean="0">
+                <a:solidFill>
+                  <a:schemeClr val="tx1"/>
+                </a:solidFill>
+                <a:effectLst/>
+                <a:latin typeface="+mn-lt"/>
+                <a:ea typeface="+mn-ea"/>
+                <a:cs typeface="+mn-cs"/>
+              </a:rPr>
+              <a:t>除了寄存器外，线程间不共享的东西（我也想不起来还有什么了），也需要</a:t>
+            </a:r>
+            <a:r>
+              <a:rPr lang="en-US" altLang="zh-CN" sz="1200" b="0" i="0" kern="1200" dirty="0" smtClean="0">
+                <a:solidFill>
+                  <a:schemeClr val="tx1"/>
+                </a:solidFill>
+                <a:effectLst/>
+                <a:latin typeface="+mn-lt"/>
+                <a:ea typeface="+mn-ea"/>
+                <a:cs typeface="+mn-cs"/>
+              </a:rPr>
+              <a:t>copy</a:t>
+            </a:r>
+            <a:r>
+              <a:rPr lang="zh-CN" altLang="en-US" sz="1200" b="0" i="0" kern="1200" dirty="0" smtClean="0">
+                <a:solidFill>
+                  <a:schemeClr val="tx1"/>
+                </a:solidFill>
+                <a:effectLst/>
+                <a:latin typeface="+mn-lt"/>
+                <a:ea typeface="+mn-ea"/>
+                <a:cs typeface="+mn-cs"/>
+              </a:rPr>
+              <a:t>，这也是系统负担。</a:t>
+            </a:r>
+          </a:p>
+          <a:p>
             <a:endParaRPr lang="zh-CN" altLang="en-US" dirty="0"/>
           </a:p>
         </p:txBody>
@@ -2516,7 +2394,7 @@
           <a:p>
             <a:fld id="{6A9BE142-2C03-4C6B-9003-2CFDE146FDF8}" type="slidenum">
               <a:rPr lang="zh-CN" altLang="en-US" smtClean="0"/>
-              <a:t>35</a:t>
+              <a:t>26</a:t>
             </a:fld>
             <a:endParaRPr lang="zh-CN" altLang="en-US"/>
           </a:p>
@@ -2525,7 +2403,7 @@
     </p:spTree>
     <p:extLst>
       <p:ext uri="{BB962C8B-B14F-4D97-AF65-F5344CB8AC3E}">
-        <p14:creationId xmlns:p14="http://schemas.microsoft.com/office/powerpoint/2010/main" val="2303312860"/>
+        <p14:creationId xmlns:p14="http://schemas.microsoft.com/office/powerpoint/2010/main" val="2996096027"/>
       </p:ext>
     </p:extLst>
   </p:cSld>
@@ -2579,18 +2457,6 @@
           <a:bodyPr/>
           <a:lstStyle/>
           <a:p>
-            <a:r>
-              <a:rPr lang="zh-CN" altLang="en-US" dirty="0" smtClean="0"/>
-              <a:t>回想 消息队列的好处， 跟</a:t>
-            </a:r>
-            <a:r>
-              <a:rPr lang="en-US" altLang="zh-CN" dirty="0" smtClean="0"/>
-              <a:t>Channels</a:t>
-            </a:r>
-            <a:r>
-              <a:rPr lang="zh-CN" altLang="en-US" dirty="0" smtClean="0"/>
-              <a:t>有太多类似的地方。</a:t>
-            </a:r>
             <a:endParaRPr lang="zh-CN" altLang="en-US" dirty="0"/>
           </a:p>
         </p:txBody>
@@ -2612,7 +2478,7 @@
           <a:p>
             <a:fld id="{6A9BE142-2C03-4C6B-9003-2CFDE146FDF8}" type="slidenum">
               <a:rPr lang="zh-CN" altLang="en-US" smtClean="0"/>
-              <a:t>36</a:t>
+              <a:t>27</a:t>
             </a:fld>
             <a:endParaRPr lang="zh-CN" altLang="en-US"/>
           </a:p>
@@ -2621,7 +2487,7 @@
     </p:spTree>
     <p:extLst>
       <p:ext uri="{BB962C8B-B14F-4D97-AF65-F5344CB8AC3E}">
-        <p14:creationId xmlns:p14="http://schemas.microsoft.com/office/powerpoint/2010/main" val="1915425704"/>
+        <p14:creationId xmlns:p14="http://schemas.microsoft.com/office/powerpoint/2010/main" val="2918515753"/>
       </p:ext>
     </p:extLst>
   </p:cSld>
@@ -2677,35 +2543,11 @@
           <a:p>
             <a:r>
               <a:rPr lang="zh-CN" altLang="en-US" dirty="0" smtClean="0"/>
-              <a:t>注意这里 的 </a:t>
-            </a:r>
-            <a:r>
-              <a:rPr lang="en-US" altLang="zh-CN" dirty="0" smtClean="0"/>
-              <a:t>switch </a:t>
-            </a:r>
-            <a:r>
-              <a:rPr lang="zh-CN" altLang="en-US" dirty="0" smtClean="0"/>
-              <a:t>和 </a:t>
-            </a:r>
-            <a:r>
-              <a:rPr lang="en-US" altLang="zh-CN" dirty="0" smtClean="0"/>
-              <a:t>select </a:t>
-            </a:r>
-            <a:r>
-              <a:rPr lang="zh-CN" altLang="en-US" dirty="0" smtClean="0"/>
-              <a:t>没有 </a:t>
-            </a:r>
-            <a:r>
-              <a:rPr lang="en-US" altLang="zh-CN" dirty="0" smtClean="0"/>
-              <a:t>break</a:t>
-            </a:r>
-            <a:r>
-              <a:rPr lang="zh-CN" altLang="en-US" dirty="0" smtClean="0"/>
-              <a:t>， 默认就</a:t>
-            </a:r>
-            <a:r>
-              <a:rPr lang="en-US" altLang="zh-CN" dirty="0" smtClean="0"/>
-              <a:t>break</a:t>
+              <a:t>这种增加吞吐量，需要做好</a:t>
+            </a:r>
+            <a:r>
+              <a:rPr lang="zh-CN" altLang="en-US" baseline="0" dirty="0" smtClean="0"/>
+              <a:t> 原始入口和出口的分流</a:t>
             </a:r>
             <a:endParaRPr lang="zh-CN" altLang="en-US" dirty="0"/>
           </a:p>
@@ -2728,7 +2570,7 @@
           <a:p>
             <a:fld id="{6A9BE142-2C03-4C6B-9003-2CFDE146FDF8}" type="slidenum">
               <a:rPr lang="zh-CN" altLang="en-US" smtClean="0"/>
-              <a:t>37</a:t>
+              <a:t>28</a:t>
             </a:fld>
             <a:endParaRPr lang="zh-CN" altLang="en-US"/>
           </a:p>
@@ -2737,7 +2579,7 @@
     </p:spTree>
     <p:extLst>
       <p:ext uri="{BB962C8B-B14F-4D97-AF65-F5344CB8AC3E}">
-        <p14:creationId xmlns:p14="http://schemas.microsoft.com/office/powerpoint/2010/main" val="3315685202"/>
+        <p14:creationId xmlns:p14="http://schemas.microsoft.com/office/powerpoint/2010/main" val="2271653752"/>
       </p:ext>
     </p:extLst>
   </p:cSld>
@@ -2791,92 +2633,18 @@
           <a:bodyPr/>
           <a:lstStyle/>
           <a:p>
-            <a:pPr marL="0" marR="0" indent="0" algn="l" defTabSz="914400" rtl="0" eaLnBrk="1" fontAlgn="auto" latinLnBrk="0" hangingPunct="1">
-              <a:lnSpc>
-                <a:spcPct val="100000"/>
-              </a:lnSpc>
-              <a:spcBef>
-                <a:spcPts val="0"/>
-              </a:spcBef>
-              <a:spcAft>
-                <a:spcPts val="0"/>
-              </a:spcAft>
-              <a:buClrTx/>
-              <a:buSzTx/>
-              <a:buFontTx/>
-              <a:buNone/>
-              <a:tabLst/>
-              <a:defRPr/>
-            </a:pPr>
             <a:r>
               <a:rPr lang="zh-CN" altLang="en-US" dirty="0" smtClean="0"/>
-              <a:t>执行协程只需要极少的</a:t>
-            </a:r>
-            <a:r>
-              <a:rPr lang="zh-CN" altLang="en-US" dirty="0" smtClean="0">
-                <a:solidFill>
-                  <a:srgbClr val="FF0000"/>
-                </a:solidFill>
-              </a:rPr>
-              <a:t>栈内存（大概是</a:t>
-            </a:r>
-            <a:r>
-              <a:rPr lang="en-US" altLang="zh-CN" dirty="0" smtClean="0">
-                <a:solidFill>
-                  <a:srgbClr val="FF0000"/>
-                </a:solidFill>
-              </a:rPr>
-              <a:t>4</a:t>
-            </a:r>
-            <a:r>
-              <a:rPr lang="zh-CN" altLang="en-US" dirty="0" smtClean="0">
-                <a:solidFill>
-                  <a:srgbClr val="FF0000"/>
-                </a:solidFill>
-              </a:rPr>
-              <a:t>～</a:t>
-            </a:r>
-            <a:r>
-              <a:rPr lang="en-US" altLang="zh-CN" dirty="0" smtClean="0">
-                <a:solidFill>
-                  <a:srgbClr val="FF0000"/>
-                </a:solidFill>
-              </a:rPr>
-              <a:t>5KB</a:t>
-            </a:r>
-            <a:r>
-              <a:rPr lang="zh-CN" altLang="en-US" dirty="0" smtClean="0">
-                <a:solidFill>
-                  <a:srgbClr val="FF0000"/>
-                </a:solidFill>
-              </a:rPr>
-              <a:t>）</a:t>
-            </a:r>
+              <a:t>什么是并发设计：</a:t>
+            </a:r>
+            <a:endParaRPr lang="en-US" altLang="zh-CN" dirty="0" smtClean="0"/>
+          </a:p>
+          <a:p>
             <a:r>
               <a:rPr lang="zh-CN" altLang="en-US" dirty="0" smtClean="0"/>
-              <a:t>，默认情况下，</a:t>
-            </a:r>
-            <a:r>
-              <a:rPr lang="zh-CN" altLang="en-US" dirty="0" smtClean="0">
-                <a:solidFill>
-                  <a:srgbClr val="FF0000"/>
-                </a:solidFill>
-              </a:rPr>
-              <a:t>线程栈的大小为</a:t>
-            </a:r>
-            <a:r>
-              <a:rPr lang="en-US" altLang="zh-CN" dirty="0" smtClean="0">
-                <a:solidFill>
-                  <a:srgbClr val="FF0000"/>
-                </a:solidFill>
-              </a:rPr>
-              <a:t>1MB</a:t>
-            </a:r>
-            <a:r>
-              <a:rPr lang="zh-CN" altLang="en-US" dirty="0" smtClean="0"/>
-              <a:t>。</a:t>
-            </a:r>
-            <a:endParaRPr lang="en-US" altLang="zh-CN" smtClean="0"/>
+              <a:t>分解流程。</a:t>
+            </a:r>
+            <a:endParaRPr lang="en-US" altLang="zh-CN" dirty="0" smtClean="0"/>
           </a:p>
           <a:p>
             <a:endParaRPr lang="zh-CN" altLang="en-US" dirty="0"/>
@@ -2900,7 +2668,7 @@
           <a:p>
             <a:fld id="{6A9BE142-2C03-4C6B-9003-2CFDE146FDF8}" type="slidenum">
               <a:rPr lang="zh-CN" altLang="en-US" smtClean="0"/>
-              <a:t>38</a:t>
+              <a:t>31</a:t>
             </a:fld>
             <a:endParaRPr lang="zh-CN" altLang="en-US"/>
           </a:p>
@@ -2909,7 +2677,7 @@
     </p:spTree>
     <p:extLst>
       <p:ext uri="{BB962C8B-B14F-4D97-AF65-F5344CB8AC3E}">
-        <p14:creationId xmlns:p14="http://schemas.microsoft.com/office/powerpoint/2010/main" val="2235672246"/>
+        <p14:creationId xmlns:p14="http://schemas.microsoft.com/office/powerpoint/2010/main" val="2933776211"/>
       </p:ext>
     </p:extLst>
   </p:cSld>
@@ -2965,39 +2733,15 @@
           <a:p>
             <a:r>
               <a:rPr lang="en-US" altLang="zh-CN" dirty="0" smtClean="0"/>
-              <a:t>Compose </a:t>
-            </a:r>
-            <a:r>
-              <a:rPr lang="zh-CN" altLang="en-US" dirty="0" smtClean="0"/>
-              <a:t>的输入参数： 两个函数，</a:t>
+              <a:t>g()</a:t>
+            </a:r>
+            <a:r>
+              <a:rPr lang="en-US" altLang="zh-CN" baseline="0" dirty="0" smtClean="0"/>
+              <a:t> </a:t>
             </a:r>
             <a:r>
               <a:rPr lang="zh-CN" altLang="en-US" baseline="0" dirty="0" smtClean="0"/>
-              <a:t> 返回值</a:t>
-            </a:r>
-            <a:r>
-              <a:rPr lang="en-US" altLang="zh-CN" baseline="0" dirty="0" smtClean="0"/>
-              <a:t>,</a:t>
-            </a:r>
-            <a:r>
-              <a:rPr lang="zh-CN" altLang="en-US" baseline="0" dirty="0" smtClean="0"/>
-              <a:t>一个函数    函数均是 输入 </a:t>
-            </a:r>
-            <a:r>
-              <a:rPr lang="en-US" altLang="zh-CN" baseline="0" dirty="0" smtClean="0"/>
-              <a:t>float x</a:t>
-            </a:r>
-            <a:r>
-              <a:rPr lang="zh-CN" altLang="en-US" baseline="0" dirty="0" smtClean="0"/>
-              <a:t>， 返回一个</a:t>
-            </a:r>
-            <a:r>
-              <a:rPr lang="en-US" altLang="zh-CN" baseline="0" dirty="0" smtClean="0"/>
-              <a:t>float</a:t>
-            </a:r>
-            <a:r>
-              <a:rPr lang="zh-CN" altLang="en-US" baseline="0" dirty="0" smtClean="0"/>
-              <a:t>值。</a:t>
+              <a:t>另外一个逻辑函数。</a:t>
             </a:r>
             <a:endParaRPr lang="zh-CN" altLang="en-US" dirty="0"/>
           </a:p>
@@ -3020,7 +2764,7 @@
           <a:p>
             <a:fld id="{6A9BE142-2C03-4C6B-9003-2CFDE146FDF8}" type="slidenum">
               <a:rPr lang="zh-CN" altLang="en-US" smtClean="0"/>
-              <a:t>39</a:t>
+              <a:t>34</a:t>
             </a:fld>
             <a:endParaRPr lang="zh-CN" altLang="en-US"/>
           </a:p>
@@ -3029,7 +2773,7 @@
     </p:spTree>
     <p:extLst>
       <p:ext uri="{BB962C8B-B14F-4D97-AF65-F5344CB8AC3E}">
-        <p14:creationId xmlns:p14="http://schemas.microsoft.com/office/powerpoint/2010/main" val="3920318576"/>
+        <p14:creationId xmlns:p14="http://schemas.microsoft.com/office/powerpoint/2010/main" val="389865186"/>
       </p:ext>
     </p:extLst>
   </p:cSld>
@@ -3085,7 +2829,88 @@
           <a:p>
             <a:r>
               <a:rPr lang="zh-CN" altLang="en-US" dirty="0" smtClean="0"/>
-              <a:t>？？</a:t>
+              <a:t>当一个</a:t>
+            </a:r>
+            <a:r>
+              <a:rPr lang="en-US" altLang="zh-CN" dirty="0" smtClean="0"/>
+              <a:t>Go</a:t>
+            </a:r>
+            <a:r>
+              <a:rPr lang="zh-CN" altLang="en-US" dirty="0" smtClean="0"/>
+              <a:t>协程阻塞时，所在的线程会阻塞？？</a:t>
+            </a:r>
+            <a:endParaRPr lang="en-US" altLang="zh-CN" dirty="0" smtClean="0"/>
+          </a:p>
+          <a:p>
+            <a:r>
+              <a:rPr lang="zh-CN" altLang="en-US" sz="1200" b="0" i="0" kern="1200" dirty="0" smtClean="0">
+                <a:solidFill>
+                  <a:schemeClr val="tx1"/>
+                </a:solidFill>
+                <a:effectLst/>
+                <a:latin typeface="+mn-lt"/>
+                <a:ea typeface="+mn-ea"/>
+                <a:cs typeface="+mn-cs"/>
+              </a:rPr>
+              <a:t>实际的情况是，当前线程阻塞时，其它的</a:t>
+            </a:r>
+            <a:r>
+              <a:rPr lang="en-US" altLang="zh-CN" sz="1200" b="0" i="0" kern="1200" dirty="0" err="1" smtClean="0">
+                <a:solidFill>
+                  <a:schemeClr val="tx1"/>
+                </a:solidFill>
+                <a:effectLst/>
+                <a:latin typeface="+mn-lt"/>
+                <a:ea typeface="+mn-ea"/>
+                <a:cs typeface="+mn-cs"/>
+              </a:rPr>
+              <a:t>goroutine</a:t>
+            </a:r>
+            <a:r>
+              <a:rPr lang="zh-CN" altLang="en-US" sz="1200" b="0" i="0" kern="1200" dirty="0" smtClean="0">
+                <a:solidFill>
+                  <a:schemeClr val="tx1"/>
+                </a:solidFill>
+                <a:effectLst/>
+                <a:latin typeface="+mn-lt"/>
+                <a:ea typeface="+mn-ea"/>
+                <a:cs typeface="+mn-cs"/>
+              </a:rPr>
+              <a:t>并不是在当前线程执行的，而是被分配到空闲的线程（阻塞不是空闲），如果没有空闲线程就新建一个。新建线程中的</a:t>
+            </a:r>
+            <a:r>
+              <a:rPr lang="en-US" altLang="zh-CN" sz="1200" b="0" i="0" kern="1200" dirty="0" err="1" smtClean="0">
+                <a:solidFill>
+                  <a:schemeClr val="tx1"/>
+                </a:solidFill>
+                <a:effectLst/>
+                <a:latin typeface="+mn-lt"/>
+                <a:ea typeface="+mn-ea"/>
+                <a:cs typeface="+mn-cs"/>
+              </a:rPr>
+              <a:t>goroutine</a:t>
+            </a:r>
+            <a:r>
+              <a:rPr lang="zh-CN" altLang="en-US" sz="1200" b="0" i="0" kern="1200" dirty="0" smtClean="0">
+                <a:solidFill>
+                  <a:schemeClr val="tx1"/>
+                </a:solidFill>
+                <a:effectLst/>
+                <a:latin typeface="+mn-lt"/>
+                <a:ea typeface="+mn-ea"/>
+                <a:cs typeface="+mn-cs"/>
+              </a:rPr>
+              <a:t>执行完毕后，线程不会退出，成为空闲线程（一个动态增加的线程池） </a:t>
+            </a:r>
+            <a:endParaRPr lang="en-US" altLang="zh-CN" dirty="0" smtClean="0"/>
+          </a:p>
+          <a:p>
+            <a:endParaRPr lang="en-US" altLang="zh-CN" dirty="0" smtClean="0"/>
+          </a:p>
+          <a:p>
+            <a:r>
+              <a:rPr lang="en-US" altLang="zh-CN" dirty="0" smtClean="0"/>
+              <a:t>https://groups.google.com/forum/#!topic/golang-china/Dp1oPKdm7AA </a:t>
             </a:r>
             <a:endParaRPr lang="zh-CN" altLang="en-US" dirty="0"/>
           </a:p>
@@ -3108,7 +2933,7 @@
           <a:p>
             <a:fld id="{6A9BE142-2C03-4C6B-9003-2CFDE146FDF8}" type="slidenum">
               <a:rPr lang="zh-CN" altLang="en-US" smtClean="0"/>
-              <a:t>41</a:t>
+              <a:t>35</a:t>
             </a:fld>
             <a:endParaRPr lang="zh-CN" altLang="en-US"/>
           </a:p>
@@ -3117,7 +2942,7 @@
     </p:spTree>
     <p:extLst>
       <p:ext uri="{BB962C8B-B14F-4D97-AF65-F5344CB8AC3E}">
-        <p14:creationId xmlns:p14="http://schemas.microsoft.com/office/powerpoint/2010/main" val="4261728009"/>
+        <p14:creationId xmlns:p14="http://schemas.microsoft.com/office/powerpoint/2010/main" val="2303312860"/>
       </p:ext>
     </p:extLst>
   </p:cSld>
@@ -3173,27 +2998,15 @@
           <a:p>
             <a:r>
               <a:rPr lang="zh-CN" altLang="en-US" dirty="0" smtClean="0"/>
-              <a:t>我们将做简单的负载均衡运算</a:t>
-            </a:r>
-            <a:r>
-              <a:rPr lang="zh-CN" altLang="en-US" baseline="0" dirty="0" smtClean="0"/>
-              <a:t>  </a:t>
-            </a:r>
-            <a:r>
-              <a:rPr lang="en-US" altLang="zh-CN" baseline="0" dirty="0" smtClean="0"/>
-              <a:t>z=x*y </a:t>
-            </a:r>
-            <a:r>
-              <a:rPr lang="zh-CN" altLang="en-US" baseline="0" dirty="0" smtClean="0"/>
-              <a:t>其中 </a:t>
-            </a:r>
-            <a:r>
-              <a:rPr lang="en-US" altLang="zh-CN" baseline="0" dirty="0" smtClean="0"/>
-              <a:t>sleep </a:t>
-            </a:r>
-            <a:r>
-              <a:rPr lang="zh-CN" altLang="en-US" baseline="0" dirty="0" smtClean="0"/>
-              <a:t>一段时间。</a:t>
+              <a:t>回想 消息队列的好处， 跟</a:t>
+            </a:r>
+            <a:r>
+              <a:rPr lang="en-US" altLang="zh-CN" dirty="0" smtClean="0"/>
+              <a:t>Channels</a:t>
+            </a:r>
+            <a:r>
+              <a:rPr lang="zh-CN" altLang="en-US" dirty="0" smtClean="0"/>
+              <a:t>有太多类似的地方。</a:t>
             </a:r>
             <a:endParaRPr lang="zh-CN" altLang="en-US" dirty="0"/>
           </a:p>
@@ -3216,7 +3029,7 @@
           <a:p>
             <a:fld id="{6A9BE142-2C03-4C6B-9003-2CFDE146FDF8}" type="slidenum">
               <a:rPr lang="zh-CN" altLang="en-US" smtClean="0"/>
-              <a:t>42</a:t>
+              <a:t>36</a:t>
             </a:fld>
             <a:endParaRPr lang="zh-CN" altLang="en-US"/>
           </a:p>
@@ -3225,7 +3038,7 @@
     </p:spTree>
     <p:extLst>
       <p:ext uri="{BB962C8B-B14F-4D97-AF65-F5344CB8AC3E}">
-        <p14:creationId xmlns:p14="http://schemas.microsoft.com/office/powerpoint/2010/main" val="2408417352"/>
+        <p14:creationId xmlns:p14="http://schemas.microsoft.com/office/powerpoint/2010/main" val="1915425704"/>
       </p:ext>
     </p:extLst>
   </p:cSld>
@@ -3279,6 +3092,38 @@
           <a:bodyPr/>
           <a:lstStyle/>
           <a:p>
+            <a:r>
+              <a:rPr lang="zh-CN" altLang="en-US" dirty="0" smtClean="0"/>
+              <a:t>注意这里 的 </a:t>
+            </a:r>
+            <a:r>
+              <a:rPr lang="en-US" altLang="zh-CN" dirty="0" smtClean="0"/>
+              <a:t>switch </a:t>
+            </a:r>
+            <a:r>
+              <a:rPr lang="zh-CN" altLang="en-US" dirty="0" smtClean="0"/>
+              <a:t>和 </a:t>
+            </a:r>
+            <a:r>
+              <a:rPr lang="en-US" altLang="zh-CN" dirty="0" smtClean="0"/>
+              <a:t>select </a:t>
+            </a:r>
+            <a:r>
+              <a:rPr lang="zh-CN" altLang="en-US" dirty="0" smtClean="0"/>
+              <a:t>没有 </a:t>
+            </a:r>
+            <a:r>
+              <a:rPr lang="en-US" altLang="zh-CN" dirty="0" smtClean="0"/>
+              <a:t>break</a:t>
+            </a:r>
+            <a:r>
+              <a:rPr lang="zh-CN" altLang="en-US" dirty="0" smtClean="0"/>
+              <a:t>， 默认就</a:t>
+            </a:r>
+            <a:r>
+              <a:rPr lang="en-US" altLang="zh-CN" dirty="0" smtClean="0"/>
+              <a:t>break</a:t>
+            </a:r>
             <a:endParaRPr lang="zh-CN" altLang="en-US" dirty="0"/>
           </a:p>
         </p:txBody>
@@ -3300,7 +3145,7 @@
           <a:p>
             <a:fld id="{6A9BE142-2C03-4C6B-9003-2CFDE146FDF8}" type="slidenum">
               <a:rPr lang="zh-CN" altLang="en-US" smtClean="0"/>
-              <a:t>43</a:t>
+              <a:t>37</a:t>
             </a:fld>
             <a:endParaRPr lang="zh-CN" altLang="en-US"/>
           </a:p>
@@ -3309,7 +3154,7 @@
     </p:spTree>
     <p:extLst>
       <p:ext uri="{BB962C8B-B14F-4D97-AF65-F5344CB8AC3E}">
-        <p14:creationId xmlns:p14="http://schemas.microsoft.com/office/powerpoint/2010/main" val="1438584128"/>
+        <p14:creationId xmlns:p14="http://schemas.microsoft.com/office/powerpoint/2010/main" val="3315685202"/>
       </p:ext>
     </p:extLst>
   </p:cSld>
@@ -4876,143 +4721,6 @@
           <a:bodyPr/>
           <a:lstStyle/>
           <a:p>
-            <a:r>
-              <a:rPr lang="zh-CN" altLang="en-US" dirty="0" smtClean="0"/>
-              <a:t>处理任务逻辑：</a:t>
-            </a:r>
-            <a:endParaRPr lang="en-US" altLang="zh-CN" dirty="0" smtClean="0"/>
-          </a:p>
-          <a:p>
-            <a:r>
-              <a:rPr lang="en-US" altLang="zh-CN" sz="1200" dirty="0" smtClean="0">
-                <a:latin typeface="Arial Black" panose="020B0A04020102020204" pitchFamily="34" charset="0"/>
-              </a:rPr>
-              <a:t> in, out := make(</a:t>
-            </a:r>
-            <a:r>
-              <a:rPr lang="en-US" altLang="zh-CN" sz="1200" dirty="0" err="1" smtClean="0">
-                <a:latin typeface="Arial Black" panose="020B0A04020102020204" pitchFamily="34" charset="0"/>
-              </a:rPr>
-              <a:t>chan</a:t>
-            </a:r>
-            <a:r>
-              <a:rPr lang="en-US" altLang="zh-CN" sz="1200" dirty="0" smtClean="0">
-                <a:latin typeface="Arial Black" panose="020B0A04020102020204" pitchFamily="34" charset="0"/>
-              </a:rPr>
-              <a:t> *Work), make(</a:t>
-            </a:r>
-            <a:r>
-              <a:rPr lang="en-US" altLang="zh-CN" sz="1200" dirty="0" err="1" smtClean="0">
-                <a:latin typeface="Arial Black" panose="020B0A04020102020204" pitchFamily="34" charset="0"/>
-              </a:rPr>
-              <a:t>chan</a:t>
-            </a:r>
-            <a:r>
-              <a:rPr lang="en-US" altLang="zh-CN" sz="1200" dirty="0" smtClean="0">
-                <a:latin typeface="Arial Black" panose="020B0A04020102020204" pitchFamily="34" charset="0"/>
-              </a:rPr>
-              <a:t> *Work)</a:t>
-            </a:r>
-          </a:p>
-          <a:p>
-            <a:r>
-              <a:rPr lang="en-US" altLang="zh-CN" sz="1200" dirty="0" smtClean="0">
-                <a:latin typeface="Arial Black" panose="020B0A04020102020204" pitchFamily="34" charset="0"/>
-              </a:rPr>
-              <a:t>   for </a:t>
-            </a:r>
-            <a:r>
-              <a:rPr lang="en-US" altLang="zh-CN" sz="1200" dirty="0" err="1" smtClean="0">
-                <a:latin typeface="Arial Black" panose="020B0A04020102020204" pitchFamily="34" charset="0"/>
-              </a:rPr>
-              <a:t>i</a:t>
-            </a:r>
-            <a:r>
-              <a:rPr lang="en-US" altLang="zh-CN" sz="1200" dirty="0" smtClean="0">
-                <a:latin typeface="Arial Black" panose="020B0A04020102020204" pitchFamily="34" charset="0"/>
-              </a:rPr>
-              <a:t> := 0; </a:t>
-            </a:r>
-            <a:r>
-              <a:rPr lang="en-US" altLang="zh-CN" sz="1200" dirty="0" err="1" smtClean="0">
-                <a:latin typeface="Arial Black" panose="020B0A04020102020204" pitchFamily="34" charset="0"/>
-              </a:rPr>
-              <a:t>i</a:t>
-            </a:r>
-            <a:r>
-              <a:rPr lang="en-US" altLang="zh-CN" sz="1200" dirty="0" smtClean="0">
-                <a:latin typeface="Arial Black" panose="020B0A04020102020204" pitchFamily="34" charset="0"/>
-              </a:rPr>
-              <a:t> &lt; </a:t>
-            </a:r>
-            <a:r>
-              <a:rPr lang="en-US" altLang="zh-CN" sz="1200" dirty="0" err="1" smtClean="0">
-                <a:latin typeface="Arial Black" panose="020B0A04020102020204" pitchFamily="34" charset="0"/>
-              </a:rPr>
-              <a:t>NumWorkers</a:t>
-            </a:r>
-            <a:r>
-              <a:rPr lang="en-US" altLang="zh-CN" sz="1200" dirty="0" smtClean="0">
-                <a:latin typeface="Arial Black" panose="020B0A04020102020204" pitchFamily="34" charset="0"/>
-              </a:rPr>
-              <a:t>; </a:t>
-            </a:r>
-            <a:r>
-              <a:rPr lang="en-US" altLang="zh-CN" sz="1200" dirty="0" err="1" smtClean="0">
-                <a:latin typeface="Arial Black" panose="020B0A04020102020204" pitchFamily="34" charset="0"/>
-              </a:rPr>
-              <a:t>i</a:t>
-            </a:r>
-            <a:r>
-              <a:rPr lang="en-US" altLang="zh-CN" sz="1200" dirty="0" smtClean="0">
-                <a:latin typeface="Arial Black" panose="020B0A04020102020204" pitchFamily="34" charset="0"/>
-              </a:rPr>
-              <a:t>++ {</a:t>
-            </a:r>
-          </a:p>
-          <a:p>
-            <a:r>
-              <a:rPr lang="en-US" altLang="zh-CN" sz="1200" dirty="0" smtClean="0">
-                <a:latin typeface="Arial Black" panose="020B0A04020102020204" pitchFamily="34" charset="0"/>
-              </a:rPr>
-              <a:t>       go worker(in, out)</a:t>
-            </a:r>
-          </a:p>
-          <a:p>
-            <a:r>
-              <a:rPr lang="en-US" altLang="zh-CN" sz="1200" dirty="0" smtClean="0">
-                <a:latin typeface="Arial Black" panose="020B0A04020102020204" pitchFamily="34" charset="0"/>
-              </a:rPr>
-              <a:t>   }</a:t>
-            </a:r>
-          </a:p>
-          <a:p>
-            <a:r>
-              <a:rPr lang="zh-CN" altLang="en-US" sz="1200" dirty="0" smtClean="0">
-                <a:latin typeface="Arial Black" panose="020B0A04020102020204" pitchFamily="34" charset="0"/>
-              </a:rPr>
-              <a:t>分配任务模块： </a:t>
-            </a:r>
-            <a:r>
-              <a:rPr lang="en-US" altLang="zh-CN" sz="1200" dirty="0" smtClean="0">
-                <a:latin typeface="Arial Black" panose="020B0A04020102020204" pitchFamily="34" charset="0"/>
-              </a:rPr>
-              <a:t> go </a:t>
-            </a:r>
-            <a:r>
-              <a:rPr lang="en-US" altLang="zh-CN" sz="1200" dirty="0" err="1" smtClean="0">
-                <a:latin typeface="Arial Black" panose="020B0A04020102020204" pitchFamily="34" charset="0"/>
-              </a:rPr>
-              <a:t>sendLotsOfWork</a:t>
-            </a:r>
-            <a:r>
-              <a:rPr lang="en-US" altLang="zh-CN" sz="1200" dirty="0" smtClean="0">
-                <a:latin typeface="Arial Black" panose="020B0A04020102020204" pitchFamily="34" charset="0"/>
-              </a:rPr>
-              <a:t>(in)</a:t>
-            </a:r>
-          </a:p>
-          <a:p>
             <a:pPr marL="0" marR="0" indent="0" algn="l" defTabSz="914400" rtl="0" eaLnBrk="1" fontAlgn="auto" latinLnBrk="0" hangingPunct="1">
               <a:lnSpc>
                 <a:spcPct val="100000"/>
@@ -5031,29 +4739,74 @@
               <a:defRPr/>
             </a:pPr>
             <a:r>
-              <a:rPr lang="zh-CN" altLang="en-US" sz="1200" dirty="0" smtClean="0">
-                <a:latin typeface="Arial Black" panose="020B0A04020102020204" pitchFamily="34" charset="0"/>
-              </a:rPr>
-              <a:t>接受结果数据模块</a:t>
-            </a:r>
-            <a:r>
-              <a:rPr lang="zh-CN" altLang="en-US" sz="1200" baseline="0" dirty="0" smtClean="0">
-                <a:latin typeface="Arial Black" panose="020B0A04020102020204" pitchFamily="34" charset="0"/>
-              </a:rPr>
-              <a:t> </a:t>
-            </a:r>
-            <a:r>
-              <a:rPr lang="en-US" altLang="zh-CN" sz="1200" dirty="0" err="1" smtClean="0">
-                <a:latin typeface="Arial Black" panose="020B0A04020102020204" pitchFamily="34" charset="0"/>
-              </a:rPr>
-              <a:t>receiveLotsOfResults</a:t>
-            </a:r>
-            <a:r>
-              <a:rPr lang="en-US" altLang="zh-CN" sz="1200" dirty="0" smtClean="0">
-                <a:latin typeface="Arial Black" panose="020B0A04020102020204" pitchFamily="34" charset="0"/>
-              </a:rPr>
-              <a:t>(out)</a:t>
-            </a:r>
+              <a:rPr lang="zh-CN" altLang="en-US" dirty="0" smtClean="0"/>
+              <a:t>执行协程只需要极少的</a:t>
+            </a:r>
+            <a:r>
+              <a:rPr lang="zh-CN" altLang="en-US" dirty="0" smtClean="0">
+                <a:solidFill>
+                  <a:srgbClr val="FF0000"/>
+                </a:solidFill>
+              </a:rPr>
+              <a:t>栈内存（大概是</a:t>
+            </a:r>
+            <a:r>
+              <a:rPr lang="en-US" altLang="zh-CN" dirty="0" smtClean="0">
+                <a:solidFill>
+                  <a:srgbClr val="FF0000"/>
+                </a:solidFill>
+              </a:rPr>
+              <a:t>4</a:t>
+            </a:r>
+            <a:r>
+              <a:rPr lang="zh-CN" altLang="en-US" dirty="0" smtClean="0">
+                <a:solidFill>
+                  <a:srgbClr val="FF0000"/>
+                </a:solidFill>
+              </a:rPr>
+              <a:t>～</a:t>
+            </a:r>
+            <a:r>
+              <a:rPr lang="en-US" altLang="zh-CN" dirty="0" smtClean="0">
+                <a:solidFill>
+                  <a:srgbClr val="FF0000"/>
+                </a:solidFill>
+              </a:rPr>
+              <a:t>5KB</a:t>
+            </a:r>
+            <a:r>
+              <a:rPr lang="zh-CN" altLang="en-US" dirty="0" smtClean="0">
+                <a:solidFill>
+                  <a:srgbClr val="FF0000"/>
+                </a:solidFill>
+              </a:rPr>
+              <a:t>）</a:t>
+            </a:r>
+            <a:r>
+              <a:rPr lang="zh-CN" altLang="en-US" dirty="0" smtClean="0"/>
+              <a:t>，默认情况下，</a:t>
+            </a:r>
+            <a:r>
+              <a:rPr lang="zh-CN" altLang="en-US" dirty="0" smtClean="0">
+                <a:solidFill>
+                  <a:srgbClr val="FF0000"/>
+                </a:solidFill>
+              </a:rPr>
+              <a:t>线程栈的大小为</a:t>
+            </a:r>
+            <a:r>
+              <a:rPr lang="en-US" altLang="zh-CN" dirty="0" smtClean="0">
+                <a:solidFill>
+                  <a:srgbClr val="FF0000"/>
+                </a:solidFill>
+              </a:rPr>
+              <a:t>1MB</a:t>
+            </a:r>
+            <a:r>
+              <a:rPr lang="zh-CN" altLang="en-US" dirty="0" smtClean="0"/>
+              <a:t>。</a:t>
+            </a:r>
+            <a:endParaRPr lang="en-US" altLang="zh-CN" smtClean="0"/>
           </a:p>
           <a:p>
             <a:endParaRPr lang="zh-CN" altLang="en-US" dirty="0"/>
@@ -5077,7 +4830,7 @@
           <a:p>
             <a:fld id="{6A9BE142-2C03-4C6B-9003-2CFDE146FDF8}" type="slidenum">
               <a:rPr lang="zh-CN" altLang="en-US" smtClean="0"/>
-              <a:t>44</a:t>
+              <a:t>38</a:t>
             </a:fld>
             <a:endParaRPr lang="zh-CN" altLang="en-US"/>
           </a:p>
@@ -5086,7 +4839,7 @@
     </p:spTree>
     <p:extLst>
       <p:ext uri="{BB962C8B-B14F-4D97-AF65-F5344CB8AC3E}">
-        <p14:creationId xmlns:p14="http://schemas.microsoft.com/office/powerpoint/2010/main" val="974329803"/>
+        <p14:creationId xmlns:p14="http://schemas.microsoft.com/office/powerpoint/2010/main" val="2235672246"/>
       </p:ext>
     </p:extLst>
   </p:cSld>
@@ -5141,18 +4894,62 @@
           <a:lstStyle/>
           <a:p>
             <a:r>
+              <a:rPr lang="en-US" altLang="zh-CN" dirty="0" smtClean="0"/>
+              <a:t>Compose </a:t>
+            </a:r>
+            <a:r>
               <a:rPr lang="zh-CN" altLang="en-US" dirty="0" smtClean="0"/>
-              <a:t>不需要你全部完成，我才能做， 你完成部分我可以拿来就做下一步。</a:t>
-            </a:r>
-            <a:endParaRPr lang="en-US" altLang="zh-CN" dirty="0" smtClean="0"/>
-          </a:p>
-          <a:p>
-            <a:endParaRPr lang="en-US" altLang="zh-CN" dirty="0" smtClean="0"/>
-          </a:p>
-          <a:p>
-            <a:r>
-              <a:rPr lang="zh-CN" altLang="en-US" dirty="0" smtClean="0"/>
-              <a:t>通过消息传递来处理同步。</a:t>
+              <a:t>的输入参数： 两个函数，</a:t>
+            </a:r>
+            <a:r>
+              <a:rPr lang="zh-CN" altLang="en-US" baseline="0" dirty="0" smtClean="0"/>
+              <a:t> 返回值</a:t>
+            </a:r>
+            <a:r>
+              <a:rPr lang="en-US" altLang="zh-CN" baseline="0" dirty="0" smtClean="0"/>
+              <a:t>,</a:t>
+            </a:r>
+            <a:r>
+              <a:rPr lang="zh-CN" altLang="en-US" baseline="0" dirty="0" smtClean="0"/>
+              <a:t>一个函数    函数均是 输入 </a:t>
+            </a:r>
+            <a:r>
+              <a:rPr lang="en-US" altLang="zh-CN" baseline="0" dirty="0" smtClean="0"/>
+              <a:t>float x</a:t>
+            </a:r>
+            <a:r>
+              <a:rPr lang="zh-CN" altLang="en-US" baseline="0" dirty="0" smtClean="0"/>
+              <a:t>， 返回一个</a:t>
+            </a:r>
+            <a:r>
+              <a:rPr lang="en-US" altLang="zh-CN" baseline="0" dirty="0" smtClean="0"/>
+              <a:t>float</a:t>
+            </a:r>
+            <a:r>
+              <a:rPr lang="zh-CN" altLang="en-US" baseline="0" dirty="0" smtClean="0"/>
+              <a:t>值。</a:t>
+            </a:r>
+            <a:endParaRPr lang="en-US" altLang="zh-CN" baseline="0" dirty="0" smtClean="0"/>
+          </a:p>
+          <a:p>
+            <a:endParaRPr lang="en-US" altLang="zh-CN" baseline="0" dirty="0" smtClean="0"/>
+          </a:p>
+          <a:p>
+            <a:r>
+              <a:rPr lang="zh-CN" altLang="en-US" baseline="0" dirty="0" smtClean="0"/>
+              <a:t>先算 </a:t>
+            </a:r>
+            <a:r>
+              <a:rPr lang="en-US" altLang="zh-CN" baseline="0" dirty="0" smtClean="0"/>
+              <a:t>cos(0.5)   </a:t>
+            </a:r>
+            <a:r>
+              <a:rPr lang="zh-CN" altLang="en-US" baseline="0" dirty="0" smtClean="0"/>
+              <a:t>再算 </a:t>
+            </a:r>
+            <a:r>
+              <a:rPr lang="en-US" altLang="zh-CN" baseline="0" dirty="0" smtClean="0"/>
+              <a:t>sin(cos(0.5))</a:t>
             </a:r>
             <a:endParaRPr lang="zh-CN" altLang="en-US" dirty="0"/>
           </a:p>
@@ -5175,7 +4972,7 @@
           <a:p>
             <a:fld id="{6A9BE142-2C03-4C6B-9003-2CFDE146FDF8}" type="slidenum">
               <a:rPr lang="zh-CN" altLang="en-US" smtClean="0"/>
-              <a:t>46</a:t>
+              <a:t>39</a:t>
             </a:fld>
             <a:endParaRPr lang="zh-CN" altLang="en-US"/>
           </a:p>
@@ -5184,7 +4981,7 @@
     </p:spTree>
     <p:extLst>
       <p:ext uri="{BB962C8B-B14F-4D97-AF65-F5344CB8AC3E}">
-        <p14:creationId xmlns:p14="http://schemas.microsoft.com/office/powerpoint/2010/main" val="2197650599"/>
+        <p14:creationId xmlns:p14="http://schemas.microsoft.com/office/powerpoint/2010/main" val="3920318576"/>
       </p:ext>
     </p:extLst>
   </p:cSld>
@@ -5239,42 +5036,9 @@
           <a:lstStyle/>
           <a:p>
             <a:r>
-              <a:rPr lang="en-US" altLang="zh-CN" dirty="0" smtClean="0"/>
-              <a:t>Requester </a:t>
-            </a:r>
-            <a:r>
               <a:rPr lang="zh-CN" altLang="en-US" dirty="0" smtClean="0"/>
-              <a:t>请求者</a:t>
-            </a:r>
-            <a:endParaRPr lang="en-US" altLang="zh-CN" dirty="0" smtClean="0"/>
-          </a:p>
-          <a:p>
-            <a:r>
-              <a:rPr lang="en-US" altLang="zh-CN" dirty="0" smtClean="0"/>
-              <a:t>Balancer   </a:t>
-            </a:r>
-            <a:r>
-              <a:rPr lang="zh-CN" altLang="en-US" dirty="0" smtClean="0"/>
-              <a:t>负载均衡平衡器</a:t>
-            </a:r>
-            <a:endParaRPr lang="en-US" altLang="zh-CN" dirty="0" smtClean="0"/>
-          </a:p>
-          <a:p>
-            <a:r>
-              <a:rPr lang="en-US" altLang="zh-CN" dirty="0" smtClean="0"/>
-              <a:t>Worker</a:t>
-            </a:r>
-            <a:r>
-              <a:rPr lang="en-US" altLang="zh-CN" baseline="0" dirty="0" smtClean="0"/>
-              <a:t> </a:t>
-            </a:r>
-            <a:r>
-              <a:rPr lang="zh-CN" altLang="en-US" baseline="0" dirty="0" smtClean="0"/>
-              <a:t>工人</a:t>
-            </a:r>
-            <a:endParaRPr lang="en-US" altLang="zh-CN" baseline="0" dirty="0" smtClean="0"/>
-          </a:p>
-          <a:p>
+              <a:t>开一个后台协程遍历处理。</a:t>
+            </a:r>
             <a:endParaRPr lang="zh-CN" altLang="en-US" dirty="0"/>
           </a:p>
         </p:txBody>
@@ -5296,7 +5060,7 @@
           <a:p>
             <a:fld id="{6A9BE142-2C03-4C6B-9003-2CFDE146FDF8}" type="slidenum">
               <a:rPr lang="zh-CN" altLang="en-US" smtClean="0"/>
-              <a:t>48</a:t>
+              <a:t>41</a:t>
             </a:fld>
             <a:endParaRPr lang="zh-CN" altLang="en-US"/>
           </a:p>
@@ -5305,7 +5069,7 @@
     </p:spTree>
     <p:extLst>
       <p:ext uri="{BB962C8B-B14F-4D97-AF65-F5344CB8AC3E}">
-        <p14:creationId xmlns:p14="http://schemas.microsoft.com/office/powerpoint/2010/main" val="3037341488"/>
+        <p14:creationId xmlns:p14="http://schemas.microsoft.com/office/powerpoint/2010/main" val="4261728009"/>
       </p:ext>
     </p:extLst>
   </p:cSld>
@@ -5360,12 +5124,28 @@
           <a:lstStyle/>
           <a:p>
             <a:r>
-              <a:rPr lang="en-US" altLang="zh-CN" dirty="0" smtClean="0"/>
-              <a:t>first-class </a:t>
-            </a:r>
-            <a:r>
               <a:rPr lang="zh-CN" altLang="en-US" dirty="0" smtClean="0"/>
-              <a:t>头等， 第一流的。</a:t>
+              <a:t>我们将做简单的负载均衡运算</a:t>
+            </a:r>
+            <a:r>
+              <a:rPr lang="zh-CN" altLang="en-US" baseline="0" dirty="0" smtClean="0"/>
+              <a:t>  </a:t>
+            </a:r>
+            <a:r>
+              <a:rPr lang="en-US" altLang="zh-CN" baseline="0" dirty="0" smtClean="0"/>
+              <a:t>z=x*y </a:t>
+            </a:r>
+            <a:r>
+              <a:rPr lang="zh-CN" altLang="en-US" baseline="0" dirty="0" smtClean="0"/>
+              <a:t>其中 </a:t>
+            </a:r>
+            <a:r>
+              <a:rPr lang="en-US" altLang="zh-CN" baseline="0" dirty="0" smtClean="0"/>
+              <a:t>sleep </a:t>
+            </a:r>
+            <a:r>
+              <a:rPr lang="zh-CN" altLang="en-US" baseline="0" dirty="0" smtClean="0"/>
+              <a:t>一段时间。</a:t>
             </a:r>
             <a:endParaRPr lang="zh-CN" altLang="en-US" dirty="0"/>
           </a:p>
@@ -5388,7 +5168,7 @@
           <a:p>
             <a:fld id="{6A9BE142-2C03-4C6B-9003-2CFDE146FDF8}" type="slidenum">
               <a:rPr lang="zh-CN" altLang="en-US" smtClean="0"/>
-              <a:t>49</a:t>
+              <a:t>42</a:t>
             </a:fld>
             <a:endParaRPr lang="zh-CN" altLang="en-US"/>
           </a:p>
@@ -5397,7 +5177,7 @@
     </p:spTree>
     <p:extLst>
       <p:ext uri="{BB962C8B-B14F-4D97-AF65-F5344CB8AC3E}">
-        <p14:creationId xmlns:p14="http://schemas.microsoft.com/office/powerpoint/2010/main" val="1435776440"/>
+        <p14:creationId xmlns:p14="http://schemas.microsoft.com/office/powerpoint/2010/main" val="2408417352"/>
       </p:ext>
     </p:extLst>
   </p:cSld>
@@ -5452,80 +5232,28 @@
           <a:lstStyle/>
           <a:p>
             <a:r>
-              <a:rPr lang="en-US" altLang="zh-CN" dirty="0" err="1" smtClean="0"/>
-              <a:t>furtherProcess</a:t>
+              <a:rPr lang="zh-CN" altLang="en-US" dirty="0" smtClean="0"/>
+              <a:t>遍历 </a:t>
             </a:r>
             <a:r>
               <a:rPr lang="en-US" altLang="zh-CN" dirty="0" smtClean="0"/>
-              <a:t> </a:t>
+              <a:t>in </a:t>
             </a:r>
             <a:r>
               <a:rPr lang="zh-CN" altLang="en-US" dirty="0" smtClean="0"/>
-              <a:t>进一步的处理（下一步的处理）</a:t>
-            </a:r>
-            <a:endParaRPr lang="en-US" altLang="zh-CN" dirty="0" smtClean="0"/>
-          </a:p>
-          <a:p>
-            <a:r>
-              <a:rPr lang="en-US" altLang="zh-CN" dirty="0" smtClean="0"/>
-              <a:t>Kill some time(fake load) </a:t>
-            </a:r>
-            <a:r>
-              <a:rPr lang="zh-CN" altLang="en-US" dirty="0" smtClean="0"/>
-              <a:t>打发时间的假负载</a:t>
-            </a:r>
-            <a:endParaRPr lang="en-US" altLang="zh-CN" dirty="0" smtClean="0"/>
-          </a:p>
-          <a:p>
-            <a:endParaRPr lang="en-US" altLang="zh-CN" dirty="0" smtClean="0"/>
-          </a:p>
-          <a:p>
-            <a:r>
-              <a:rPr lang="zh-CN" altLang="en-US" dirty="0" smtClean="0"/>
-              <a:t>两个</a:t>
-            </a:r>
-            <a:r>
-              <a:rPr lang="en-US" altLang="zh-CN" dirty="0" smtClean="0"/>
-              <a:t>channel</a:t>
+              <a:t>通道，  每个做了运算后，</a:t>
+            </a:r>
+            <a:r>
+              <a:rPr lang="zh-CN" altLang="en-US" baseline="0" dirty="0" smtClean="0"/>
+              <a:t> 放入 </a:t>
             </a:r>
             <a:r>
               <a:rPr lang="en-US" altLang="zh-CN" baseline="0" dirty="0" smtClean="0"/>
-              <a:t> </a:t>
+              <a:t>out </a:t>
             </a:r>
             <a:r>
               <a:rPr lang="zh-CN" altLang="en-US" baseline="0" dirty="0" smtClean="0"/>
-              <a:t>： </a:t>
-            </a:r>
-            <a:r>
-              <a:rPr lang="en-US" altLang="zh-CN" baseline="0" dirty="0" smtClean="0"/>
-              <a:t>work</a:t>
-            </a:r>
-            <a:r>
-              <a:rPr lang="zh-CN" altLang="en-US" baseline="0" dirty="0" smtClean="0"/>
-              <a:t>， </a:t>
-            </a:r>
-            <a:r>
-              <a:rPr lang="en-US" altLang="zh-CN" baseline="0" dirty="0" smtClean="0"/>
-              <a:t>c</a:t>
-            </a:r>
-            <a:r>
-              <a:rPr lang="zh-CN" altLang="en-US" baseline="0" dirty="0" smtClean="0"/>
-              <a:t>（</a:t>
-            </a:r>
-            <a:r>
-              <a:rPr lang="en-US" altLang="zh-CN" baseline="0" dirty="0" smtClean="0"/>
-              <a:t>result</a:t>
-            </a:r>
-            <a:r>
-              <a:rPr lang="zh-CN" altLang="en-US" baseline="0" dirty="0" smtClean="0"/>
-              <a:t>）</a:t>
-            </a:r>
-            <a:endParaRPr lang="en-US" altLang="zh-CN" baseline="0" dirty="0" smtClean="0"/>
-          </a:p>
-          <a:p>
-            <a:r>
-              <a:rPr lang="zh-CN" altLang="en-US" baseline="0" dirty="0" smtClean="0"/>
-              <a:t>为什么是一个死循环， 为了模拟不断产生的负载。</a:t>
+              <a:t>通道。</a:t>
             </a:r>
             <a:endParaRPr lang="zh-CN" altLang="en-US" dirty="0"/>
           </a:p>
@@ -5548,7 +5276,7 @@
           <a:p>
             <a:fld id="{6A9BE142-2C03-4C6B-9003-2CFDE146FDF8}" type="slidenum">
               <a:rPr lang="zh-CN" altLang="en-US" smtClean="0"/>
-              <a:t>50</a:t>
+              <a:t>43</a:t>
             </a:fld>
             <a:endParaRPr lang="zh-CN" altLang="en-US"/>
           </a:p>
@@ -5557,7 +5285,7 @@
     </p:spTree>
     <p:extLst>
       <p:ext uri="{BB962C8B-B14F-4D97-AF65-F5344CB8AC3E}">
-        <p14:creationId xmlns:p14="http://schemas.microsoft.com/office/powerpoint/2010/main" val="1895447140"/>
+        <p14:creationId xmlns:p14="http://schemas.microsoft.com/office/powerpoint/2010/main" val="1438584128"/>
       </p:ext>
     </p:extLst>
   </p:cSld>
@@ -5611,6 +5339,183 @@
           <a:bodyPr/>
           <a:lstStyle/>
           <a:p>
+            <a:r>
+              <a:rPr lang="zh-CN" altLang="en-US" dirty="0" smtClean="0"/>
+              <a:t>任务流转（两个通道，</a:t>
+            </a:r>
+            <a:r>
+              <a:rPr lang="en-US" altLang="zh-CN" dirty="0" smtClean="0"/>
+              <a:t>in</a:t>
+            </a:r>
+            <a:r>
+              <a:rPr lang="zh-CN" altLang="en-US" dirty="0" smtClean="0"/>
+              <a:t>、</a:t>
+            </a:r>
+            <a:r>
+              <a:rPr lang="en-US" altLang="zh-CN" dirty="0" smtClean="0"/>
+              <a:t>out</a:t>
+            </a:r>
+            <a:r>
+              <a:rPr lang="zh-CN" altLang="en-US" dirty="0" smtClean="0"/>
+              <a:t>）</a:t>
+            </a:r>
+            <a:endParaRPr lang="en-US" altLang="zh-CN" dirty="0" smtClean="0"/>
+          </a:p>
+          <a:p>
+            <a:r>
+              <a:rPr lang="zh-CN" altLang="en-US" dirty="0" smtClean="0"/>
+              <a:t>发送大量任务</a:t>
+            </a:r>
+            <a:endParaRPr lang="en-US" altLang="zh-CN" dirty="0" smtClean="0"/>
+          </a:p>
+          <a:p>
+            <a:r>
+              <a:rPr lang="zh-CN" altLang="en-US" dirty="0" smtClean="0"/>
+              <a:t>接受任务结果</a:t>
+            </a:r>
+            <a:endParaRPr lang="en-US" altLang="zh-CN" dirty="0" smtClean="0"/>
+          </a:p>
+          <a:p>
+            <a:endParaRPr lang="en-US" altLang="zh-CN" dirty="0" smtClean="0"/>
+          </a:p>
+          <a:p>
+            <a:r>
+              <a:rPr lang="zh-CN" altLang="en-US" dirty="0" smtClean="0"/>
+              <a:t>处理任务逻辑：</a:t>
+            </a:r>
+            <a:endParaRPr lang="en-US" altLang="zh-CN" dirty="0" smtClean="0"/>
+          </a:p>
+          <a:p>
+            <a:r>
+              <a:rPr lang="en-US" altLang="zh-CN" sz="1200" dirty="0" smtClean="0">
+                <a:latin typeface="Arial Black" panose="020B0A04020102020204" pitchFamily="34" charset="0"/>
+              </a:rPr>
+              <a:t> in, out := make(</a:t>
+            </a:r>
+            <a:r>
+              <a:rPr lang="en-US" altLang="zh-CN" sz="1200" dirty="0" err="1" smtClean="0">
+                <a:latin typeface="Arial Black" panose="020B0A04020102020204" pitchFamily="34" charset="0"/>
+              </a:rPr>
+              <a:t>chan</a:t>
+            </a:r>
+            <a:r>
+              <a:rPr lang="en-US" altLang="zh-CN" sz="1200" dirty="0" smtClean="0">
+                <a:latin typeface="Arial Black" panose="020B0A04020102020204" pitchFamily="34" charset="0"/>
+              </a:rPr>
+              <a:t> *Work), make(</a:t>
+            </a:r>
+            <a:r>
+              <a:rPr lang="en-US" altLang="zh-CN" sz="1200" dirty="0" err="1" smtClean="0">
+                <a:latin typeface="Arial Black" panose="020B0A04020102020204" pitchFamily="34" charset="0"/>
+              </a:rPr>
+              <a:t>chan</a:t>
+            </a:r>
+            <a:r>
+              <a:rPr lang="en-US" altLang="zh-CN" sz="1200" dirty="0" smtClean="0">
+                <a:latin typeface="Arial Black" panose="020B0A04020102020204" pitchFamily="34" charset="0"/>
+              </a:rPr>
+              <a:t> *Work)</a:t>
+            </a:r>
+          </a:p>
+          <a:p>
+            <a:r>
+              <a:rPr lang="en-US" altLang="zh-CN" sz="1200" dirty="0" smtClean="0">
+                <a:latin typeface="Arial Black" panose="020B0A04020102020204" pitchFamily="34" charset="0"/>
+              </a:rPr>
+              <a:t>   for </a:t>
+            </a:r>
+            <a:r>
+              <a:rPr lang="en-US" altLang="zh-CN" sz="1200" dirty="0" err="1" smtClean="0">
+                <a:latin typeface="Arial Black" panose="020B0A04020102020204" pitchFamily="34" charset="0"/>
+              </a:rPr>
+              <a:t>i</a:t>
+            </a:r>
+            <a:r>
+              <a:rPr lang="en-US" altLang="zh-CN" sz="1200" dirty="0" smtClean="0">
+                <a:latin typeface="Arial Black" panose="020B0A04020102020204" pitchFamily="34" charset="0"/>
+              </a:rPr>
+              <a:t> := 0; </a:t>
+            </a:r>
+            <a:r>
+              <a:rPr lang="en-US" altLang="zh-CN" sz="1200" dirty="0" err="1" smtClean="0">
+                <a:latin typeface="Arial Black" panose="020B0A04020102020204" pitchFamily="34" charset="0"/>
+              </a:rPr>
+              <a:t>i</a:t>
+            </a:r>
+            <a:r>
+              <a:rPr lang="en-US" altLang="zh-CN" sz="1200" dirty="0" smtClean="0">
+                <a:latin typeface="Arial Black" panose="020B0A04020102020204" pitchFamily="34" charset="0"/>
+              </a:rPr>
+              <a:t> &lt; </a:t>
+            </a:r>
+            <a:r>
+              <a:rPr lang="en-US" altLang="zh-CN" sz="1200" dirty="0" err="1" smtClean="0">
+                <a:latin typeface="Arial Black" panose="020B0A04020102020204" pitchFamily="34" charset="0"/>
+              </a:rPr>
+              <a:t>NumWorkers</a:t>
+            </a:r>
+            <a:r>
+              <a:rPr lang="en-US" altLang="zh-CN" sz="1200" dirty="0" smtClean="0">
+                <a:latin typeface="Arial Black" panose="020B0A04020102020204" pitchFamily="34" charset="0"/>
+              </a:rPr>
+              <a:t>; </a:t>
+            </a:r>
+            <a:r>
+              <a:rPr lang="en-US" altLang="zh-CN" sz="1200" dirty="0" err="1" smtClean="0">
+                <a:latin typeface="Arial Black" panose="020B0A04020102020204" pitchFamily="34" charset="0"/>
+              </a:rPr>
+              <a:t>i</a:t>
+            </a:r>
+            <a:r>
+              <a:rPr lang="en-US" altLang="zh-CN" sz="1200" dirty="0" smtClean="0">
+                <a:latin typeface="Arial Black" panose="020B0A04020102020204" pitchFamily="34" charset="0"/>
+              </a:rPr>
+              <a:t>++ {</a:t>
+            </a:r>
+          </a:p>
+          <a:p>
+            <a:r>
+              <a:rPr lang="en-US" altLang="zh-CN" sz="1200" dirty="0" smtClean="0">
+                <a:latin typeface="Arial Black" panose="020B0A04020102020204" pitchFamily="34" charset="0"/>
+              </a:rPr>
+              <a:t>       go worker(in, out)</a:t>
+            </a:r>
+          </a:p>
+          <a:p>
+            <a:r>
+              <a:rPr lang="en-US" altLang="zh-CN" sz="1200" dirty="0" smtClean="0">
+                <a:latin typeface="Arial Black" panose="020B0A04020102020204" pitchFamily="34" charset="0"/>
+              </a:rPr>
+              <a:t>   }</a:t>
+            </a:r>
+          </a:p>
+          <a:p>
+            <a:r>
+              <a:rPr lang="zh-CN" altLang="en-US" sz="1200" dirty="0" smtClean="0">
+                <a:latin typeface="Arial Black" panose="020B0A04020102020204" pitchFamily="34" charset="0"/>
+              </a:rPr>
+              <a:t>分配任务模块： </a:t>
+            </a:r>
+            <a:r>
+              <a:rPr lang="en-US" altLang="zh-CN" sz="1200" dirty="0" smtClean="0">
+                <a:latin typeface="Arial Black" panose="020B0A04020102020204" pitchFamily="34" charset="0"/>
+              </a:rPr>
+              <a:t> go </a:t>
+            </a:r>
+            <a:r>
+              <a:rPr lang="en-US" altLang="zh-CN" sz="1200" dirty="0" err="1" smtClean="0">
+                <a:latin typeface="Arial Black" panose="020B0A04020102020204" pitchFamily="34" charset="0"/>
+              </a:rPr>
+              <a:t>sendLotsOfWork</a:t>
+            </a:r>
+            <a:r>
+              <a:rPr lang="en-US" altLang="zh-CN" sz="1200" dirty="0" smtClean="0">
+                <a:latin typeface="Arial Black" panose="020B0A04020102020204" pitchFamily="34" charset="0"/>
+              </a:rPr>
+              <a:t>(in)</a:t>
+            </a:r>
+          </a:p>
+          <a:p>
             <a:pPr marL="0" marR="0" indent="0" algn="l" defTabSz="914400" rtl="0" eaLnBrk="1" fontAlgn="auto" latinLnBrk="0" hangingPunct="1">
               <a:lnSpc>
                 <a:spcPct val="100000"/>
@@ -5629,132 +5534,29 @@
               <a:defRPr/>
             </a:pPr>
             <a:r>
+              <a:rPr lang="zh-CN" altLang="en-US" sz="1200" dirty="0" smtClean="0">
+                <a:latin typeface="Arial Black" panose="020B0A04020102020204" pitchFamily="34" charset="0"/>
+              </a:rPr>
+              <a:t>接受结果数据模块</a:t>
+            </a:r>
+            <a:r>
+              <a:rPr lang="zh-CN" altLang="en-US" sz="1200" baseline="0" dirty="0" smtClean="0">
+                <a:latin typeface="Arial Black" panose="020B0A04020102020204" pitchFamily="34" charset="0"/>
+              </a:rPr>
+              <a:t> </a:t>
+            </a:r>
+            <a:r>
+              <a:rPr lang="en-US" altLang="zh-CN" sz="1200" dirty="0" err="1" smtClean="0">
+                <a:latin typeface="Arial Black" panose="020B0A04020102020204" pitchFamily="34" charset="0"/>
+              </a:rPr>
+              <a:t>receiveLotsOfResults</a:t>
+            </a:r>
+            <a:r>
               <a:rPr lang="en-US" altLang="zh-CN" sz="1200" dirty="0" smtClean="0">
                 <a:latin typeface="Arial Black" panose="020B0A04020102020204" pitchFamily="34" charset="0"/>
               </a:rPr>
-              <a:t>work to do (buffered channel) </a:t>
-            </a:r>
-            <a:r>
-              <a:rPr lang="zh-CN" altLang="en-US" sz="1200" dirty="0" smtClean="0">
-                <a:latin typeface="Arial Black" panose="020B0A04020102020204" pitchFamily="34" charset="0"/>
-              </a:rPr>
-              <a:t>要做的工作（缓冲通道）只有一个。</a:t>
-            </a:r>
-            <a:endParaRPr lang="en-US" altLang="zh-CN" sz="1200" dirty="0" smtClean="0">
-              <a:latin typeface="Arial Black" panose="020B0A04020102020204" pitchFamily="34" charset="0"/>
-            </a:endParaRPr>
-          </a:p>
-          <a:p>
-            <a:pPr marL="0" marR="0" indent="0" algn="l" defTabSz="914400" rtl="0" eaLnBrk="1" fontAlgn="auto" latinLnBrk="0" hangingPunct="1">
-              <a:lnSpc>
-                <a:spcPct val="100000"/>
-              </a:lnSpc>
-              <a:spcBef>
-                <a:spcPts val="0"/>
-              </a:spcBef>
-              <a:spcAft>
-                <a:spcPts val="0"/>
-              </a:spcAft>
-              <a:buClrTx/>
-              <a:buSzTx/>
-              <a:buFontTx/>
-              <a:buNone/>
-              <a:tabLst/>
-              <a:defRPr/>
-            </a:pPr>
-            <a:r>
-              <a:rPr lang="en-US" altLang="zh-CN" sz="1200" dirty="0" smtClean="0">
-                <a:latin typeface="Arial Black" panose="020B0A04020102020204" pitchFamily="34" charset="0"/>
-              </a:rPr>
-              <a:t>count of pending tasks    </a:t>
-            </a:r>
-            <a:r>
-              <a:rPr lang="zh-CN" altLang="en-US" sz="1200" dirty="0" smtClean="0">
-                <a:latin typeface="Arial Black" panose="020B0A04020102020204" pitchFamily="34" charset="0"/>
-              </a:rPr>
-              <a:t>待处理任务数</a:t>
-            </a:r>
-            <a:endParaRPr lang="en-US" altLang="zh-CN" sz="1200" dirty="0" smtClean="0">
-              <a:latin typeface="Arial Black" panose="020B0A04020102020204" pitchFamily="34" charset="0"/>
-            </a:endParaRPr>
-          </a:p>
-          <a:p>
-            <a:pPr marL="0" marR="0" indent="0" algn="l" defTabSz="914400" rtl="0" eaLnBrk="1" fontAlgn="auto" latinLnBrk="0" hangingPunct="1">
-              <a:lnSpc>
-                <a:spcPct val="100000"/>
-              </a:lnSpc>
-              <a:spcBef>
-                <a:spcPts val="0"/>
-              </a:spcBef>
-              <a:spcAft>
-                <a:spcPts val="0"/>
-              </a:spcAft>
-              <a:buClrTx/>
-              <a:buSzTx/>
-              <a:buFontTx/>
-              <a:buNone/>
-              <a:tabLst/>
-              <a:defRPr/>
-            </a:pPr>
-            <a:r>
-              <a:rPr lang="en-US" altLang="zh-CN" sz="1200" dirty="0" smtClean="0">
-                <a:latin typeface="Arial Black" panose="020B0A04020102020204" pitchFamily="34" charset="0"/>
-              </a:rPr>
-              <a:t>index in the heap    </a:t>
-            </a:r>
-            <a:r>
-              <a:rPr lang="zh-CN" altLang="en-US" sz="1200" dirty="0" smtClean="0">
-                <a:latin typeface="Arial Black" panose="020B0A04020102020204" pitchFamily="34" charset="0"/>
-              </a:rPr>
-              <a:t>堆中的索引</a:t>
-            </a:r>
-            <a:endParaRPr lang="en-US" altLang="zh-CN" sz="1200" dirty="0" smtClean="0">
-              <a:latin typeface="Arial Black" panose="020B0A04020102020204" pitchFamily="34" charset="0"/>
-            </a:endParaRPr>
-          </a:p>
-          <a:p>
-            <a:pPr marL="0" marR="0" indent="0" algn="l" defTabSz="914400" rtl="0" eaLnBrk="1" fontAlgn="auto" latinLnBrk="0" hangingPunct="1">
-              <a:lnSpc>
-                <a:spcPct val="100000"/>
-              </a:lnSpc>
-              <a:spcBef>
-                <a:spcPts val="0"/>
-              </a:spcBef>
-              <a:spcAft>
-                <a:spcPts val="0"/>
-              </a:spcAft>
-              <a:buClrTx/>
-              <a:buSzTx/>
-              <a:buFontTx/>
-              <a:buNone/>
-              <a:tabLst/>
-              <a:defRPr/>
-            </a:pPr>
-            <a:endParaRPr lang="en-US" altLang="zh-CN" sz="1200" dirty="0" smtClean="0">
-              <a:latin typeface="Arial Black" panose="020B0A04020102020204" pitchFamily="34" charset="0"/>
-            </a:endParaRPr>
-          </a:p>
-          <a:p>
-            <a:pPr marL="0" marR="0" indent="0" algn="l" defTabSz="914400" rtl="0" eaLnBrk="1" fontAlgn="auto" latinLnBrk="0" hangingPunct="1">
-              <a:lnSpc>
-                <a:spcPct val="100000"/>
-              </a:lnSpc>
-              <a:spcBef>
-                <a:spcPts val="0"/>
-              </a:spcBef>
-              <a:spcAft>
-                <a:spcPts val="0"/>
-              </a:spcAft>
-              <a:buClrTx/>
-              <a:buSzTx/>
-              <a:buFontTx/>
-              <a:buNone/>
-              <a:tabLst/>
-              <a:defRPr/>
-            </a:pPr>
-            <a:endParaRPr lang="en-US" altLang="zh-CN" sz="1200" dirty="0" smtClean="0">
-              <a:latin typeface="Arial Black" panose="020B0A04020102020204" pitchFamily="34" charset="0"/>
-            </a:endParaRPr>
+              <a:t>(out)</a:t>
+            </a:r>
           </a:p>
           <a:p>
             <a:endParaRPr lang="zh-CN" altLang="en-US" dirty="0"/>
@@ -5778,7 +5580,7 @@
           <a:p>
             <a:fld id="{6A9BE142-2C03-4C6B-9003-2CFDE146FDF8}" type="slidenum">
               <a:rPr lang="zh-CN" altLang="en-US" smtClean="0"/>
-              <a:t>51</a:t>
+              <a:t>44</a:t>
             </a:fld>
             <a:endParaRPr lang="zh-CN" altLang="en-US"/>
           </a:p>
@@ -5787,7 +5589,7 @@
     </p:spTree>
     <p:extLst>
       <p:ext uri="{BB962C8B-B14F-4D97-AF65-F5344CB8AC3E}">
-        <p14:creationId xmlns:p14="http://schemas.microsoft.com/office/powerpoint/2010/main" val="3462759732"/>
+        <p14:creationId xmlns:p14="http://schemas.microsoft.com/office/powerpoint/2010/main" val="974329803"/>
       </p:ext>
     </p:extLst>
   </p:cSld>
@@ -5842,24 +5644,24 @@
           <a:lstStyle/>
           <a:p>
             <a:r>
-              <a:rPr lang="en-US" altLang="zh-CN" dirty="0" smtClean="0"/>
-              <a:t>Done </a:t>
-            </a:r>
-            <a:r>
               <a:rPr lang="zh-CN" altLang="en-US" dirty="0" smtClean="0"/>
-              <a:t>完成的请求</a:t>
-            </a:r>
-            <a:r>
-              <a:rPr lang="en-US" altLang="zh-CN" dirty="0" smtClean="0"/>
-              <a:t>channel</a:t>
-            </a:r>
-            <a:r>
-              <a:rPr lang="zh-CN" altLang="en-US" dirty="0" smtClean="0"/>
-              <a:t>队列</a:t>
-            </a:r>
-            <a:endParaRPr lang="en-US" altLang="zh-CN" dirty="0" smtClean="0"/>
-          </a:p>
-          <a:p>
+              <a:t>拆分的小颗粒度，</a:t>
+            </a:r>
+            <a:r>
+              <a:rPr lang="zh-CN" altLang="en-US" baseline="0" dirty="0" smtClean="0"/>
+              <a:t> 某一部分就可以并行。</a:t>
+            </a:r>
+            <a:r>
+              <a:rPr lang="en-US" altLang="zh-CN" baseline="0" dirty="0" smtClean="0"/>
+              <a:t/>
+            </a:r>
+            <a:br>
+              <a:rPr lang="en-US" altLang="zh-CN" baseline="0" dirty="0" smtClean="0"/>
+            </a:br>
+            <a:r>
+              <a:rPr lang="zh-CN" altLang="en-US" baseline="0" dirty="0" smtClean="0"/>
+              <a:t>每个被拆分的部分，用通道进行通讯。</a:t>
+            </a:r>
             <a:endParaRPr lang="zh-CN" altLang="en-US" dirty="0"/>
           </a:p>
         </p:txBody>
@@ -5881,7 +5683,7 @@
           <a:p>
             <a:fld id="{6A9BE142-2C03-4C6B-9003-2CFDE146FDF8}" type="slidenum">
               <a:rPr lang="zh-CN" altLang="en-US" smtClean="0"/>
-              <a:t>52</a:t>
+              <a:t>45</a:t>
             </a:fld>
             <a:endParaRPr lang="zh-CN" altLang="en-US"/>
           </a:p>
@@ -5890,7 +5692,7 @@
     </p:spTree>
     <p:extLst>
       <p:ext uri="{BB962C8B-B14F-4D97-AF65-F5344CB8AC3E}">
-        <p14:creationId xmlns:p14="http://schemas.microsoft.com/office/powerpoint/2010/main" val="3184928002"/>
+        <p14:creationId xmlns:p14="http://schemas.microsoft.com/office/powerpoint/2010/main" val="3107632571"/>
       </p:ext>
     </p:extLst>
   </p:cSld>
@@ -5946,36 +5748,17 @@
           <a:p>
             <a:r>
               <a:rPr lang="zh-CN" altLang="en-US" dirty="0" smtClean="0"/>
-              <a:t>负载均衡器的定义</a:t>
+              <a:t>不需要你全部完成，我才能做， 你完成部分我可以拿来就做下一步。</a:t>
             </a:r>
             <a:endParaRPr lang="en-US" altLang="zh-CN" dirty="0" smtClean="0"/>
           </a:p>
           <a:p>
-            <a:r>
-              <a:rPr lang="en-US" altLang="zh-CN" dirty="0" smtClean="0"/>
-              <a:t>done</a:t>
-            </a:r>
-            <a:r>
-              <a:rPr lang="en-US" altLang="zh-CN" baseline="0" dirty="0" smtClean="0"/>
-              <a:t> </a:t>
-            </a:r>
-            <a:r>
-              <a:rPr lang="zh-CN" altLang="en-US" baseline="0" dirty="0" smtClean="0"/>
-              <a:t>用来报告完成的工作</a:t>
-            </a:r>
-            <a:r>
-              <a:rPr lang="zh-CN" altLang="en-US" baseline="0" dirty="0" smtClean="0"/>
-              <a:t>。</a:t>
-            </a:r>
-            <a:endParaRPr lang="en-US" altLang="zh-CN" baseline="0" dirty="0" smtClean="0"/>
-          </a:p>
-          <a:p>
-            <a:endParaRPr lang="en-US" altLang="zh-CN" baseline="0" dirty="0" smtClean="0"/>
-          </a:p>
-          <a:p>
-            <a:r>
-              <a:rPr lang="zh-CN" altLang="en-US" baseline="0" dirty="0" smtClean="0"/>
-              <a:t>团队内有多少工人，是可以随时变化的。</a:t>
+            <a:endParaRPr lang="en-US" altLang="zh-CN" dirty="0" smtClean="0"/>
+          </a:p>
+          <a:p>
+            <a:r>
+              <a:rPr lang="zh-CN" altLang="en-US" dirty="0" smtClean="0"/>
+              <a:t>通过消息传递来处理同步。</a:t>
             </a:r>
             <a:endParaRPr lang="zh-CN" altLang="en-US" dirty="0"/>
           </a:p>
@@ -5998,7 +5781,7 @@
           <a:p>
             <a:fld id="{6A9BE142-2C03-4C6B-9003-2CFDE146FDF8}" type="slidenum">
               <a:rPr lang="zh-CN" altLang="en-US" smtClean="0"/>
-              <a:t>53</a:t>
+              <a:t>46</a:t>
             </a:fld>
             <a:endParaRPr lang="zh-CN" altLang="en-US"/>
           </a:p>
@@ -6007,7 +5790,7 @@
     </p:spTree>
     <p:extLst>
       <p:ext uri="{BB962C8B-B14F-4D97-AF65-F5344CB8AC3E}">
-        <p14:creationId xmlns:p14="http://schemas.microsoft.com/office/powerpoint/2010/main" val="4294326955"/>
+        <p14:creationId xmlns:p14="http://schemas.microsoft.com/office/powerpoint/2010/main" val="2197650599"/>
       </p:ext>
     </p:extLst>
   </p:cSld>
@@ -6063,23 +5846,41 @@
           <a:p>
             <a:r>
               <a:rPr lang="en-US" altLang="zh-CN" dirty="0" smtClean="0"/>
-              <a:t>Dispatch </a:t>
+              <a:t>Requester </a:t>
             </a:r>
             <a:r>
               <a:rPr lang="zh-CN" altLang="en-US" dirty="0" smtClean="0"/>
-              <a:t>调度</a:t>
+              <a:t>请求者</a:t>
             </a:r>
             <a:endParaRPr lang="en-US" altLang="zh-CN" dirty="0" smtClean="0"/>
           </a:p>
           <a:p>
             <a:r>
               <a:rPr lang="en-US" altLang="zh-CN" dirty="0" smtClean="0"/>
-              <a:t>Completed </a:t>
+              <a:t>Balancer   </a:t>
             </a:r>
             <a:r>
               <a:rPr lang="zh-CN" altLang="en-US" dirty="0" smtClean="0"/>
-              <a:t>完成</a:t>
-            </a:r>
+              <a:t>负载均衡平衡器</a:t>
+            </a:r>
+            <a:endParaRPr lang="en-US" altLang="zh-CN" dirty="0" smtClean="0"/>
+          </a:p>
+          <a:p>
+            <a:r>
+              <a:rPr lang="en-US" altLang="zh-CN" dirty="0" smtClean="0"/>
+              <a:t>Worker</a:t>
+            </a:r>
+            <a:r>
+              <a:rPr lang="en-US" altLang="zh-CN" baseline="0" dirty="0" smtClean="0"/>
+              <a:t> </a:t>
+            </a:r>
+            <a:r>
+              <a:rPr lang="zh-CN" altLang="en-US" baseline="0" dirty="0" smtClean="0"/>
+              <a:t>工人</a:t>
+            </a:r>
+            <a:endParaRPr lang="en-US" altLang="zh-CN" baseline="0" dirty="0" smtClean="0"/>
+          </a:p>
+          <a:p>
             <a:endParaRPr lang="zh-CN" altLang="en-US" dirty="0"/>
           </a:p>
         </p:txBody>
@@ -6101,7 +5902,7 @@
           <a:p>
             <a:fld id="{6A9BE142-2C03-4C6B-9003-2CFDE146FDF8}" type="slidenum">
               <a:rPr lang="zh-CN" altLang="en-US" smtClean="0"/>
-              <a:t>54</a:t>
+              <a:t>48</a:t>
             </a:fld>
             <a:endParaRPr lang="zh-CN" altLang="en-US"/>
           </a:p>
@@ -6110,7 +5911,7 @@
     </p:spTree>
     <p:extLst>
       <p:ext uri="{BB962C8B-B14F-4D97-AF65-F5344CB8AC3E}">
-        <p14:creationId xmlns:p14="http://schemas.microsoft.com/office/powerpoint/2010/main" val="907896262"/>
+        <p14:creationId xmlns:p14="http://schemas.microsoft.com/office/powerpoint/2010/main" val="3037341488"/>
       </p:ext>
     </p:extLst>
   </p:cSld>
@@ -6166,22 +5967,40 @@
           <a:p>
             <a:r>
               <a:rPr lang="en-US" altLang="zh-CN" dirty="0" smtClean="0"/>
-              <a:t>Pop </a:t>
+              <a:t>first-class </a:t>
             </a:r>
             <a:r>
               <a:rPr lang="zh-CN" altLang="en-US" dirty="0" smtClean="0"/>
-              <a:t>从堆中删除最小元素，并返回它。</a:t>
+              <a:t>头等， 第一流的。</a:t>
             </a:r>
             <a:endParaRPr lang="en-US" altLang="zh-CN" dirty="0" smtClean="0"/>
           </a:p>
           <a:p>
+            <a:endParaRPr lang="en-US" altLang="zh-CN" dirty="0" smtClean="0"/>
+          </a:p>
+          <a:p>
+            <a:r>
+              <a:rPr lang="en-US" altLang="zh-CN" dirty="0" err="1" smtClean="0"/>
+              <a:t>Fn</a:t>
+            </a:r>
             <a:r>
               <a:rPr lang="en-US" altLang="zh-CN" dirty="0" smtClean="0"/>
-              <a:t>Remove </a:t>
+              <a:t> </a:t>
             </a:r>
             <a:r>
               <a:rPr lang="zh-CN" altLang="en-US" dirty="0" smtClean="0"/>
-              <a:t>从堆中删除指定索引位置的元素。</a:t>
+              <a:t>要干的事情；</a:t>
+            </a:r>
+            <a:endParaRPr lang="en-US" altLang="zh-CN" dirty="0" smtClean="0"/>
+          </a:p>
+          <a:p>
+            <a:r>
+              <a:rPr lang="en-US" altLang="zh-CN" dirty="0" smtClean="0"/>
+              <a:t>C </a:t>
+            </a:r>
+            <a:r>
+              <a:rPr lang="zh-CN" altLang="en-US" dirty="0" smtClean="0"/>
+              <a:t>好了通知这个。</a:t>
             </a:r>
             <a:endParaRPr lang="zh-CN" altLang="en-US" dirty="0"/>
           </a:p>
@@ -6204,7 +6023,7 @@
           <a:p>
             <a:fld id="{6A9BE142-2C03-4C6B-9003-2CFDE146FDF8}" type="slidenum">
               <a:rPr lang="zh-CN" altLang="en-US" smtClean="0"/>
-              <a:t>55</a:t>
+              <a:t>49</a:t>
             </a:fld>
             <a:endParaRPr lang="zh-CN" altLang="en-US"/>
           </a:p>
@@ -6213,7 +6032,7 @@
     </p:spTree>
     <p:extLst>
       <p:ext uri="{BB962C8B-B14F-4D97-AF65-F5344CB8AC3E}">
-        <p14:creationId xmlns:p14="http://schemas.microsoft.com/office/powerpoint/2010/main" val="2815014536"/>
+        <p14:creationId xmlns:p14="http://schemas.microsoft.com/office/powerpoint/2010/main" val="1435776440"/>
       </p:ext>
     </p:extLst>
   </p:cSld>
@@ -6267,6 +6086,10 @@
           <a:bodyPr/>
           <a:lstStyle/>
           <a:p>
+            <a:r>
+              <a:rPr lang="zh-CN" altLang="en-US" dirty="0" smtClean="0"/>
+              <a:t>注意，这是里并发，不是并行。</a:t>
+            </a:r>
             <a:endParaRPr lang="zh-CN" altLang="en-US" dirty="0"/>
           </a:p>
         </p:txBody>
@@ -6352,8 +6175,56 @@
           <a:lstStyle/>
           <a:p>
             <a:r>
+              <a:rPr lang="zh-CN" altLang="en-US" dirty="0" smtClean="0"/>
+              <a:t>并发出无数个 </a:t>
+            </a:r>
+            <a:r>
               <a:rPr lang="en-US" altLang="zh-CN" dirty="0" smtClean="0"/>
-              <a:t>Less</a:t>
+              <a:t>work </a:t>
+            </a:r>
+            <a:r>
+              <a:rPr lang="zh-CN" altLang="en-US" dirty="0" smtClean="0"/>
+              <a:t>请求。</a:t>
+            </a:r>
+            <a:endParaRPr lang="en-US" altLang="zh-CN" dirty="0" smtClean="0"/>
+          </a:p>
+          <a:p>
+            <a:r>
+              <a:rPr lang="en-US" altLang="zh-CN" dirty="0" err="1" smtClean="0"/>
+              <a:t>furtherProcess</a:t>
+            </a:r>
+            <a:r>
+              <a:rPr lang="en-US" altLang="zh-CN" dirty="0" smtClean="0"/>
+              <a:t> </a:t>
+            </a:r>
+            <a:r>
+              <a:rPr lang="zh-CN" altLang="en-US" dirty="0" smtClean="0"/>
+              <a:t>进一步的处理（下一步的处理）</a:t>
+            </a:r>
+            <a:endParaRPr lang="en-US" altLang="zh-CN" dirty="0" smtClean="0"/>
+          </a:p>
+          <a:p>
+            <a:r>
+              <a:rPr lang="en-US" altLang="zh-CN" dirty="0" smtClean="0"/>
+              <a:t>Kill some time(fake load) </a:t>
+            </a:r>
+            <a:r>
+              <a:rPr lang="zh-CN" altLang="en-US" dirty="0" smtClean="0"/>
+              <a:t>打发时间的假负载</a:t>
+            </a:r>
+            <a:endParaRPr lang="en-US" altLang="zh-CN" dirty="0" smtClean="0"/>
+          </a:p>
+          <a:p>
+            <a:endParaRPr lang="en-US" altLang="zh-CN" dirty="0" smtClean="0"/>
+          </a:p>
+          <a:p>
+            <a:r>
+              <a:rPr lang="zh-CN" altLang="en-US" dirty="0" smtClean="0"/>
+              <a:t>两个</a:t>
+            </a:r>
+            <a:r>
+              <a:rPr lang="en-US" altLang="zh-CN" dirty="0" smtClean="0"/>
+              <a:t>channel</a:t>
             </a:r>
             <a:r>
               <a:rPr lang="en-US" altLang="zh-CN" baseline="0" dirty="0" smtClean="0"/>
@@ -6361,97 +6232,39 @@
             </a:r>
             <a:r>
               <a:rPr lang="zh-CN" altLang="en-US" baseline="0" dirty="0" smtClean="0"/>
-              <a:t>比较堆中，两个</a:t>
+              <a:t>： </a:t>
             </a:r>
             <a:r>
               <a:rPr lang="en-US" altLang="zh-CN" baseline="0" dirty="0" smtClean="0"/>
-              <a:t>worker</a:t>
+              <a:t>work</a:t>
             </a:r>
             <a:r>
               <a:rPr lang="zh-CN" altLang="en-US" baseline="0" dirty="0" smtClean="0"/>
-              <a:t>的 </a:t>
+              <a:t>， </a:t>
             </a:r>
             <a:r>
               <a:rPr lang="en-US" altLang="zh-CN" baseline="0" dirty="0" smtClean="0"/>
-              <a:t>pending</a:t>
+              <a:t>c</a:t>
             </a:r>
             <a:r>
               <a:rPr lang="zh-CN" altLang="en-US" baseline="0" dirty="0" smtClean="0"/>
-              <a:t>值谁更小。</a:t>
+              <a:t>（</a:t>
+            </a:r>
+            <a:r>
+              <a:rPr lang="en-US" altLang="zh-CN" baseline="0" dirty="0" smtClean="0"/>
+              <a:t>result</a:t>
+            </a:r>
+            <a:r>
+              <a:rPr lang="zh-CN" altLang="en-US" baseline="0" dirty="0" smtClean="0"/>
+              <a:t>）</a:t>
             </a:r>
             <a:endParaRPr lang="en-US" altLang="zh-CN" baseline="0" dirty="0" smtClean="0"/>
           </a:p>
           <a:p>
             <a:r>
               <a:rPr lang="zh-CN" altLang="en-US" baseline="0" dirty="0" smtClean="0"/>
-              <a:t>以这个为是否分配的依据。（分配给 </a:t>
-            </a:r>
-            <a:r>
-              <a:rPr lang="en-US" altLang="zh-CN" baseline="0" dirty="0" smtClean="0"/>
-              <a:t>pending </a:t>
-            </a:r>
-            <a:r>
-              <a:rPr lang="zh-CN" altLang="en-US" baseline="0" dirty="0" smtClean="0"/>
-              <a:t>值最小的）</a:t>
-            </a:r>
-            <a:endParaRPr lang="en-US" altLang="zh-CN" baseline="0" dirty="0" smtClean="0"/>
-          </a:p>
-          <a:p>
-            <a:endParaRPr lang="en-US" altLang="zh-CN" baseline="0" dirty="0" smtClean="0"/>
-          </a:p>
-          <a:p>
-            <a:r>
-              <a:rPr lang="en-US" altLang="zh-CN" baseline="0" dirty="0" err="1" smtClean="0"/>
-              <a:t>Golang</a:t>
-            </a:r>
-            <a:r>
-              <a:rPr lang="en-US" altLang="zh-CN" baseline="0" dirty="0" smtClean="0"/>
-              <a:t> </a:t>
-            </a:r>
-            <a:r>
-              <a:rPr lang="zh-CN" altLang="en-US" baseline="0" dirty="0" smtClean="0"/>
-              <a:t>中 </a:t>
-            </a:r>
-            <a:r>
-              <a:rPr lang="en-US" altLang="zh-CN" baseline="0" dirty="0" smtClean="0"/>
-              <a:t>Heap</a:t>
-            </a:r>
-            <a:r>
-              <a:rPr lang="zh-CN" altLang="en-US" baseline="0" dirty="0" smtClean="0"/>
-              <a:t>是一个支持优先级的队列。响应接口如下：</a:t>
-            </a:r>
-            <a:endParaRPr lang="en-US" altLang="zh-CN" baseline="0" dirty="0" smtClean="0"/>
-          </a:p>
-          <a:p>
-            <a:endParaRPr lang="en-US" altLang="zh-CN" baseline="0" dirty="0" smtClean="0"/>
-          </a:p>
-          <a:p>
-            <a:r>
-              <a:rPr lang="zh-CN" altLang="en-US" baseline="0" dirty="0" smtClean="0"/>
-              <a:t>这里的 </a:t>
-            </a:r>
-            <a:r>
-              <a:rPr lang="en-US" altLang="zh-CN" baseline="0" dirty="0" smtClean="0"/>
-              <a:t>heap </a:t>
-            </a:r>
-            <a:r>
-              <a:rPr lang="zh-CN" altLang="en-US" baseline="0" dirty="0" smtClean="0"/>
-              <a:t>不是请求队列， 是</a:t>
-            </a:r>
-            <a:r>
-              <a:rPr lang="en-US" altLang="zh-CN" baseline="0" dirty="0" smtClean="0"/>
-              <a:t>worker </a:t>
-            </a:r>
-            <a:r>
-              <a:rPr lang="zh-CN" altLang="en-US" baseline="0" dirty="0" smtClean="0"/>
-              <a:t>队列。</a:t>
-            </a:r>
-            <a:endParaRPr lang="en-US" altLang="zh-CN" baseline="0" dirty="0" smtClean="0"/>
-          </a:p>
-          <a:p>
-            <a:endParaRPr lang="en-US" altLang="zh-CN" baseline="0" dirty="0" smtClean="0"/>
-          </a:p>
-          <a:p>
+              <a:t>为什么是一个死循环， 为了模拟不断产生的负载。</a:t>
+            </a:r>
             <a:endParaRPr lang="zh-CN" altLang="en-US" dirty="0"/>
           </a:p>
         </p:txBody>
@@ -6473,7 +6286,7 @@
           <a:p>
             <a:fld id="{6A9BE142-2C03-4C6B-9003-2CFDE146FDF8}" type="slidenum">
               <a:rPr lang="zh-CN" altLang="en-US" smtClean="0"/>
-              <a:t>56</a:t>
+              <a:t>50</a:t>
             </a:fld>
             <a:endParaRPr lang="zh-CN" altLang="en-US"/>
           </a:p>
@@ -6482,7 +6295,7 @@
     </p:spTree>
     <p:extLst>
       <p:ext uri="{BB962C8B-B14F-4D97-AF65-F5344CB8AC3E}">
-        <p14:creationId xmlns:p14="http://schemas.microsoft.com/office/powerpoint/2010/main" val="4017818898"/>
+        <p14:creationId xmlns:p14="http://schemas.microsoft.com/office/powerpoint/2010/main" val="1895447140"/>
       </p:ext>
     </p:extLst>
   </p:cSld>
@@ -6557,20 +6370,17 @@
               <a:rPr lang="en-US" altLang="zh-CN" sz="1200" dirty="0" smtClean="0">
                 <a:latin typeface="Arial Black" panose="020B0A04020102020204" pitchFamily="34" charset="0"/>
               </a:rPr>
-              <a:t>Send Request to worker  </a:t>
+              <a:t>work to do (buffered channel) </a:t>
             </a:r>
             <a:r>
               <a:rPr lang="zh-CN" altLang="en-US" sz="1200" dirty="0" smtClean="0">
                 <a:latin typeface="Arial Black" panose="020B0A04020102020204" pitchFamily="34" charset="0"/>
               </a:rPr>
-              <a:t>把请求发送给</a:t>
-            </a:r>
-            <a:r>
-              <a:rPr lang="en-US" altLang="zh-CN" sz="1200" dirty="0" smtClean="0">
-                <a:latin typeface="Arial Black" panose="020B0A04020102020204" pitchFamily="34" charset="0"/>
-              </a:rPr>
-              <a:t>worker</a:t>
-            </a:r>
+              <a:t>要做的工作（缓冲通道）只有一个。</a:t>
+            </a:r>
+            <a:endParaRPr lang="en-US" altLang="zh-CN" sz="1200" dirty="0" smtClean="0">
+              <a:latin typeface="Arial Black" panose="020B0A04020102020204" pitchFamily="34" charset="0"/>
+            </a:endParaRPr>
           </a:p>
           <a:p>
             <a:pPr marL="0" marR="0" indent="0" algn="l" defTabSz="914400" rtl="0" eaLnBrk="1" fontAlgn="auto" latinLnBrk="0" hangingPunct="1">
@@ -6594,32 +6404,17 @@
               <a:rPr lang="en-US" altLang="zh-CN" sz="1200" dirty="0" smtClean="0">
                 <a:latin typeface="Arial Black" panose="020B0A04020102020204" pitchFamily="34" charset="0"/>
               </a:rPr>
-              <a:t>Grab the least loaded worker...  </a:t>
+              <a:t>count of pending tasks    </a:t>
             </a:r>
             <a:r>
               <a:rPr lang="zh-CN" altLang="en-US" sz="1200" dirty="0" smtClean="0">
                 <a:latin typeface="Arial Black" panose="020B0A04020102020204" pitchFamily="34" charset="0"/>
               </a:rPr>
-              <a:t>从</a:t>
-            </a:r>
-            <a:r>
-              <a:rPr lang="en-US" altLang="zh-CN" sz="1200" dirty="0" smtClean="0">
-                <a:latin typeface="Arial Black" panose="020B0A04020102020204" pitchFamily="34" charset="0"/>
-              </a:rPr>
-              <a:t>Heap</a:t>
-            </a:r>
-            <a:r>
-              <a:rPr lang="zh-CN" altLang="en-US" sz="1200" dirty="0" smtClean="0">
-                <a:latin typeface="Arial Black" panose="020B0A04020102020204" pitchFamily="34" charset="0"/>
-              </a:rPr>
-              <a:t>中获得负载最小的</a:t>
-            </a:r>
-            <a:r>
-              <a:rPr lang="en-US" altLang="zh-CN" sz="1200" dirty="0" smtClean="0">
-                <a:latin typeface="Arial Black" panose="020B0A04020102020204" pitchFamily="34" charset="0"/>
-              </a:rPr>
-              <a:t>worker</a:t>
-            </a:r>
+              <a:t>待处理任务数</a:t>
+            </a:r>
+            <a:endParaRPr lang="en-US" altLang="zh-CN" sz="1200" dirty="0" smtClean="0">
+              <a:latin typeface="Arial Black" panose="020B0A04020102020204" pitchFamily="34" charset="0"/>
+            </a:endParaRPr>
           </a:p>
           <a:p>
             <a:pPr marL="0" marR="0" indent="0" algn="l" defTabSz="914400" rtl="0" eaLnBrk="1" fontAlgn="auto" latinLnBrk="0" hangingPunct="1">
@@ -6643,72 +6438,13 @@
               <a:rPr lang="en-US" altLang="zh-CN" sz="1200" dirty="0" smtClean="0">
                 <a:latin typeface="Arial Black" panose="020B0A04020102020204" pitchFamily="34" charset="0"/>
               </a:rPr>
-              <a:t>...send it the task.   </a:t>
+              <a:t>index in the heap    </a:t>
             </a:r>
             <a:r>
               <a:rPr lang="zh-CN" altLang="en-US" sz="1200" dirty="0" smtClean="0">
                 <a:latin typeface="Arial Black" panose="020B0A04020102020204" pitchFamily="34" charset="0"/>
               </a:rPr>
-              <a:t>发送任务</a:t>
-            </a:r>
-            <a:endParaRPr lang="en-US" altLang="zh-CN" sz="1200" dirty="0" smtClean="0">
-              <a:latin typeface="Arial Black" panose="020B0A04020102020204" pitchFamily="34" charset="0"/>
-            </a:endParaRPr>
-          </a:p>
-          <a:p>
-            <a:pPr marL="0" marR="0" indent="0" algn="l" defTabSz="914400" rtl="0" eaLnBrk="1" fontAlgn="auto" latinLnBrk="0" hangingPunct="1">
-              <a:lnSpc>
-                <a:spcPct val="100000"/>
-              </a:lnSpc>
-              <a:spcBef>
-                <a:spcPts val="0"/>
-              </a:spcBef>
-              <a:spcAft>
-                <a:spcPts val="0"/>
-              </a:spcAft>
-              <a:buClrTx/>
-              <a:buSzTx/>
-              <a:buFontTx/>
-              <a:buNone/>
-              <a:tabLst/>
-              <a:defRPr/>
-            </a:pPr>
-            <a:r>
-              <a:rPr lang="en-US" altLang="zh-CN" sz="1200" dirty="0" smtClean="0">
-                <a:latin typeface="Arial Black" panose="020B0A04020102020204" pitchFamily="34" charset="0"/>
-              </a:rPr>
-              <a:t>One more in its work queue.</a:t>
-            </a:r>
-          </a:p>
-          <a:p>
-            <a:pPr marL="0" marR="0" indent="0" algn="l" defTabSz="914400" rtl="0" eaLnBrk="1" fontAlgn="auto" latinLnBrk="0" hangingPunct="1">
-              <a:lnSpc>
-                <a:spcPct val="100000"/>
-              </a:lnSpc>
-              <a:spcBef>
-                <a:spcPts val="0"/>
-              </a:spcBef>
-              <a:spcAft>
-                <a:spcPts val="0"/>
-              </a:spcAft>
-              <a:buClrTx/>
-              <a:buSzTx/>
-              <a:buFontTx/>
-              <a:buNone/>
-              <a:tabLst/>
-              <a:defRPr/>
-            </a:pPr>
-            <a:r>
-              <a:rPr lang="en-US" altLang="zh-CN" sz="1200" dirty="0" smtClean="0">
-                <a:latin typeface="Arial Black" panose="020B0A04020102020204" pitchFamily="34" charset="0"/>
-              </a:rPr>
-              <a:t>Put it into its place on the heap.   </a:t>
-            </a:r>
-            <a:r>
-              <a:rPr lang="zh-CN" altLang="en-US" sz="1200" dirty="0" smtClean="0">
-                <a:latin typeface="Arial Black" panose="020B0A04020102020204" pitchFamily="34" charset="0"/>
-              </a:rPr>
-              <a:t>放在堆中。</a:t>
+              <a:t>堆中的索引</a:t>
             </a:r>
             <a:endParaRPr lang="en-US" altLang="zh-CN" sz="1200" dirty="0" smtClean="0">
               <a:latin typeface="Arial Black" panose="020B0A04020102020204" pitchFamily="34" charset="0"/>
@@ -6737,6 +6473,28 @@
             </a:endParaRPr>
           </a:p>
           <a:p>
+            <a:pPr marL="0" marR="0" indent="0" algn="l" defTabSz="914400" rtl="0" eaLnBrk="1" fontAlgn="auto" latinLnBrk="0" hangingPunct="1">
+              <a:lnSpc>
+                <a:spcPct val="100000"/>
+              </a:lnSpc>
+              <a:spcBef>
+                <a:spcPts val="0"/>
+              </a:spcBef>
+              <a:spcAft>
+                <a:spcPts val="0"/>
+              </a:spcAft>
+              <a:buClrTx/>
+              <a:buSzTx/>
+              <a:buFontTx/>
+              <a:buNone/>
+              <a:tabLst/>
+              <a:defRPr/>
+            </a:pPr>
+            <a:endParaRPr lang="en-US" altLang="zh-CN" sz="1200" dirty="0" smtClean="0">
+              <a:latin typeface="Arial Black" panose="020B0A04020102020204" pitchFamily="34" charset="0"/>
+            </a:endParaRPr>
+          </a:p>
+          <a:p>
             <a:endParaRPr lang="zh-CN" altLang="en-US" dirty="0"/>
           </a:p>
         </p:txBody>
@@ -6758,7 +6516,7 @@
           <a:p>
             <a:fld id="{6A9BE142-2C03-4C6B-9003-2CFDE146FDF8}" type="slidenum">
               <a:rPr lang="zh-CN" altLang="en-US" smtClean="0"/>
-              <a:t>57</a:t>
+              <a:t>51</a:t>
             </a:fld>
             <a:endParaRPr lang="zh-CN" altLang="en-US"/>
           </a:p>
@@ -6767,7 +6525,7 @@
     </p:spTree>
     <p:extLst>
       <p:ext uri="{BB962C8B-B14F-4D97-AF65-F5344CB8AC3E}">
-        <p14:creationId xmlns:p14="http://schemas.microsoft.com/office/powerpoint/2010/main" val="2847012826"/>
+        <p14:creationId xmlns:p14="http://schemas.microsoft.com/office/powerpoint/2010/main" val="3462759732"/>
       </p:ext>
     </p:extLst>
   </p:cSld>
@@ -6821,218 +6579,23 @@
           <a:bodyPr/>
           <a:lstStyle/>
           <a:p>
-            <a:pPr marL="0" marR="0" indent="0" algn="l" defTabSz="914400" rtl="0" eaLnBrk="1" fontAlgn="auto" latinLnBrk="0" hangingPunct="1">
-              <a:lnSpc>
-                <a:spcPct val="100000"/>
-              </a:lnSpc>
-              <a:spcBef>
-                <a:spcPts val="0"/>
-              </a:spcBef>
-              <a:spcAft>
-                <a:spcPts val="0"/>
-              </a:spcAft>
-              <a:buClrTx/>
-              <a:buSzTx/>
-              <a:buFontTx/>
-              <a:buNone/>
-              <a:tabLst/>
-              <a:defRPr/>
-            </a:pPr>
-            <a:r>
-              <a:rPr lang="en-US" altLang="zh-CN" sz="1200" dirty="0" smtClean="0">
-                <a:latin typeface="Arial Black" panose="020B0A04020102020204" pitchFamily="34" charset="0"/>
-              </a:rPr>
-              <a:t>Job is complete; update heap  </a:t>
-            </a:r>
-            <a:r>
-              <a:rPr lang="zh-CN" altLang="en-US" sz="1200" dirty="0" smtClean="0">
-                <a:latin typeface="Arial Black" panose="020B0A04020102020204" pitchFamily="34" charset="0"/>
-              </a:rPr>
-              <a:t>作业完成后，更新优先级队列</a:t>
-            </a:r>
-            <a:endParaRPr lang="en-US" altLang="zh-CN" sz="1200" dirty="0" smtClean="0">
-              <a:latin typeface="Arial Black" panose="020B0A04020102020204" pitchFamily="34" charset="0"/>
-            </a:endParaRPr>
-          </a:p>
-          <a:p>
-            <a:pPr marL="0" marR="0" indent="0" algn="l" defTabSz="914400" rtl="0" eaLnBrk="1" fontAlgn="auto" latinLnBrk="0" hangingPunct="1">
-              <a:lnSpc>
-                <a:spcPct val="100000"/>
-              </a:lnSpc>
-              <a:spcBef>
-                <a:spcPts val="0"/>
-              </a:spcBef>
-              <a:spcAft>
-                <a:spcPts val="0"/>
-              </a:spcAft>
-              <a:buClrTx/>
-              <a:buSzTx/>
-              <a:buFontTx/>
-              <a:buNone/>
-              <a:tabLst/>
-              <a:defRPr/>
-            </a:pPr>
-            <a:r>
-              <a:rPr lang="en-US" altLang="zh-CN" sz="1200" dirty="0" smtClean="0">
-                <a:latin typeface="Arial Black" panose="020B0A04020102020204" pitchFamily="34" charset="0"/>
-              </a:rPr>
-              <a:t>One fewer in the queue.   </a:t>
-            </a:r>
-            <a:r>
-              <a:rPr lang="zh-CN" altLang="en-US" sz="1200" dirty="0" smtClean="0">
-                <a:latin typeface="Arial Black" panose="020B0A04020102020204" pitchFamily="34" charset="0"/>
-              </a:rPr>
-              <a:t>队列中减</a:t>
-            </a:r>
-            <a:r>
-              <a:rPr lang="zh-CN" altLang="en-US" sz="1200" dirty="0" smtClean="0">
-                <a:latin typeface="Arial Black" panose="020B0A04020102020204" pitchFamily="34" charset="0"/>
-              </a:rPr>
-              <a:t>一</a:t>
-            </a:r>
-            <a:endParaRPr lang="en-US" altLang="zh-CN" sz="1200" dirty="0" smtClean="0">
-              <a:latin typeface="Arial Black" panose="020B0A04020102020204" pitchFamily="34" charset="0"/>
-            </a:endParaRPr>
-          </a:p>
-          <a:p>
-            <a:pPr marL="0" marR="0" indent="0" algn="l" defTabSz="914400" rtl="0" eaLnBrk="1" fontAlgn="auto" latinLnBrk="0" hangingPunct="1">
-              <a:lnSpc>
-                <a:spcPct val="100000"/>
-              </a:lnSpc>
-              <a:spcBef>
-                <a:spcPts val="0"/>
-              </a:spcBef>
-              <a:spcAft>
-                <a:spcPts val="0"/>
-              </a:spcAft>
-              <a:buClrTx/>
-              <a:buSzTx/>
-              <a:buFontTx/>
-              <a:buNone/>
-              <a:tabLst/>
-              <a:defRPr/>
-            </a:pPr>
-            <a:endParaRPr lang="en-US" altLang="zh-CN" sz="1200" dirty="0" smtClean="0">
-              <a:latin typeface="Arial Black" panose="020B0A04020102020204" pitchFamily="34" charset="0"/>
-            </a:endParaRPr>
-          </a:p>
-          <a:p>
-            <a:pPr marL="0" marR="0" indent="0" algn="l" defTabSz="914400" rtl="0" eaLnBrk="1" fontAlgn="auto" latinLnBrk="0" hangingPunct="1">
-              <a:lnSpc>
-                <a:spcPct val="100000"/>
-              </a:lnSpc>
-              <a:spcBef>
-                <a:spcPts val="0"/>
-              </a:spcBef>
-              <a:spcAft>
-                <a:spcPts val="0"/>
-              </a:spcAft>
-              <a:buClrTx/>
-              <a:buSzTx/>
-              <a:buFontTx/>
-              <a:buNone/>
-              <a:tabLst/>
-              <a:defRPr/>
-            </a:pPr>
-            <a:r>
-              <a:rPr lang="zh-CN" altLang="en-US" sz="1200" smtClean="0">
-                <a:latin typeface="Arial Black" panose="020B0A04020102020204" pitchFamily="34" charset="0"/>
-              </a:rPr>
-              <a:t>从队列中删掉它，并更新上去。确保它的信息被更新了。</a:t>
-            </a:r>
-            <a:endParaRPr lang="en-US" altLang="zh-CN" sz="1200" dirty="0" smtClean="0">
-              <a:latin typeface="Arial Black" panose="020B0A04020102020204" pitchFamily="34" charset="0"/>
-            </a:endParaRPr>
-          </a:p>
-          <a:p>
-            <a:pPr marL="0" marR="0" indent="0" algn="l" defTabSz="914400" rtl="0" eaLnBrk="1" fontAlgn="auto" latinLnBrk="0" hangingPunct="1">
-              <a:lnSpc>
-                <a:spcPct val="100000"/>
-              </a:lnSpc>
-              <a:spcBef>
-                <a:spcPts val="0"/>
-              </a:spcBef>
-              <a:spcAft>
-                <a:spcPts val="0"/>
-              </a:spcAft>
-              <a:buClrTx/>
-              <a:buSzTx/>
-              <a:buFontTx/>
-              <a:buNone/>
-              <a:tabLst/>
-              <a:defRPr/>
-            </a:pPr>
-            <a:r>
-              <a:rPr lang="en-US" altLang="zh-CN" sz="1200" dirty="0" smtClean="0">
-                <a:latin typeface="Arial Black" panose="020B0A04020102020204" pitchFamily="34" charset="0"/>
-              </a:rPr>
-              <a:t>Remove it from heap.   </a:t>
-            </a:r>
-            <a:r>
-              <a:rPr lang="zh-CN" altLang="en-US" sz="1200" dirty="0" smtClean="0">
-                <a:latin typeface="Arial Black" panose="020B0A04020102020204" pitchFamily="34" charset="0"/>
-              </a:rPr>
-              <a:t>从 待做队列中删除它</a:t>
-            </a:r>
-            <a:endParaRPr lang="en-US" altLang="zh-CN" sz="1200" dirty="0" smtClean="0">
-              <a:latin typeface="Arial Black" panose="020B0A04020102020204" pitchFamily="34" charset="0"/>
-            </a:endParaRPr>
-          </a:p>
-          <a:p>
-            <a:pPr marL="0" marR="0" indent="0" algn="l" defTabSz="914400" rtl="0" eaLnBrk="1" fontAlgn="auto" latinLnBrk="0" hangingPunct="1">
-              <a:lnSpc>
-                <a:spcPct val="100000"/>
-              </a:lnSpc>
-              <a:spcBef>
-                <a:spcPts val="0"/>
-              </a:spcBef>
-              <a:spcAft>
-                <a:spcPts val="0"/>
-              </a:spcAft>
-              <a:buClrTx/>
-              <a:buSzTx/>
-              <a:buFontTx/>
-              <a:buNone/>
-              <a:tabLst/>
-              <a:defRPr/>
-            </a:pPr>
-            <a:r>
-              <a:rPr lang="en-US" altLang="zh-CN" sz="1200" dirty="0" smtClean="0">
-                <a:latin typeface="Arial Black" panose="020B0A04020102020204" pitchFamily="34" charset="0"/>
-              </a:rPr>
-              <a:t>Put it into its place on the heap.   </a:t>
-            </a:r>
-            <a:r>
-              <a:rPr lang="zh-CN" altLang="en-US" sz="1200" dirty="0" smtClean="0">
-                <a:latin typeface="Arial Black" panose="020B0A04020102020204" pitchFamily="34" charset="0"/>
-              </a:rPr>
-              <a:t>并更新队列排序。</a:t>
-            </a:r>
-            <a:endParaRPr lang="en-US" altLang="zh-CN" sz="1200" dirty="0" smtClean="0">
-              <a:latin typeface="Arial Black" panose="020B0A04020102020204" pitchFamily="34" charset="0"/>
-            </a:endParaRPr>
-          </a:p>
-          <a:p>
-            <a:pPr marL="0" marR="0" indent="0" algn="l" defTabSz="914400" rtl="0" eaLnBrk="1" fontAlgn="auto" latinLnBrk="0" hangingPunct="1">
-              <a:lnSpc>
-                <a:spcPct val="100000"/>
-              </a:lnSpc>
-              <a:spcBef>
-                <a:spcPts val="0"/>
-              </a:spcBef>
-              <a:spcAft>
-                <a:spcPts val="0"/>
-              </a:spcAft>
-              <a:buClrTx/>
-              <a:buSzTx/>
-              <a:buFontTx/>
-              <a:buNone/>
-              <a:tabLst/>
-              <a:defRPr/>
-            </a:pPr>
-            <a:endParaRPr lang="en-US" altLang="zh-CN" sz="1200" dirty="0" smtClean="0">
-              <a:latin typeface="Arial Black" panose="020B0A04020102020204" pitchFamily="34" charset="0"/>
-            </a:endParaRPr>
+            <a:r>
+              <a:rPr lang="en-US" altLang="zh-CN" dirty="0" smtClean="0"/>
+              <a:t>Done </a:t>
+            </a:r>
+            <a:r>
+              <a:rPr lang="zh-CN" altLang="en-US" dirty="0" smtClean="0"/>
+              <a:t>完成的请求</a:t>
+            </a:r>
+            <a:r>
+              <a:rPr lang="en-US" altLang="zh-CN" dirty="0" smtClean="0"/>
+              <a:t>channel</a:t>
+            </a:r>
+            <a:r>
+              <a:rPr lang="zh-CN" altLang="en-US" dirty="0" smtClean="0"/>
+              <a:t>队列</a:t>
+            </a:r>
+            <a:endParaRPr lang="en-US" altLang="zh-CN" dirty="0" smtClean="0"/>
           </a:p>
           <a:p>
             <a:endParaRPr lang="zh-CN" altLang="en-US" dirty="0"/>
@@ -7056,7 +6619,7 @@
           <a:p>
             <a:fld id="{6A9BE142-2C03-4C6B-9003-2CFDE146FDF8}" type="slidenum">
               <a:rPr lang="zh-CN" altLang="en-US" smtClean="0"/>
-              <a:t>58</a:t>
+              <a:t>52</a:t>
             </a:fld>
             <a:endParaRPr lang="zh-CN" altLang="en-US"/>
           </a:p>
@@ -7065,7 +6628,7 @@
     </p:spTree>
     <p:extLst>
       <p:ext uri="{BB962C8B-B14F-4D97-AF65-F5344CB8AC3E}">
-        <p14:creationId xmlns:p14="http://schemas.microsoft.com/office/powerpoint/2010/main" val="2545965437"/>
+        <p14:creationId xmlns:p14="http://schemas.microsoft.com/office/powerpoint/2010/main" val="3184928002"/>
       </p:ext>
     </p:extLst>
   </p:cSld>
@@ -7121,11 +6684,33 @@
           <a:p>
             <a:r>
               <a:rPr lang="zh-CN" altLang="en-US" dirty="0" smtClean="0"/>
-              <a:t>只要有第一个响应回来了，我就函数返回。</a:t>
+              <a:t>负载均衡器的定义</a:t>
             </a:r>
             <a:endParaRPr lang="en-US" altLang="zh-CN" dirty="0" smtClean="0"/>
           </a:p>
           <a:p>
+            <a:r>
+              <a:rPr lang="en-US" altLang="zh-CN" dirty="0" smtClean="0"/>
+              <a:t>done</a:t>
+            </a:r>
+            <a:r>
+              <a:rPr lang="en-US" altLang="zh-CN" baseline="0" dirty="0" smtClean="0"/>
+              <a:t> </a:t>
+            </a:r>
+            <a:r>
+              <a:rPr lang="zh-CN" altLang="en-US" baseline="0" dirty="0" smtClean="0"/>
+              <a:t>用来报告完成的工作。</a:t>
+            </a:r>
+            <a:endParaRPr lang="en-US" altLang="zh-CN" baseline="0" dirty="0" smtClean="0"/>
+          </a:p>
+          <a:p>
+            <a:endParaRPr lang="en-US" altLang="zh-CN" baseline="0" dirty="0" smtClean="0"/>
+          </a:p>
+          <a:p>
+            <a:r>
+              <a:rPr lang="zh-CN" altLang="en-US" baseline="0" dirty="0" smtClean="0"/>
+              <a:t>团队内有多少工人，是可以随时变化的。</a:t>
+            </a:r>
             <a:endParaRPr lang="zh-CN" altLang="en-US" dirty="0"/>
           </a:p>
         </p:txBody>
@@ -7147,7 +6732,7 @@
           <a:p>
             <a:fld id="{6A9BE142-2C03-4C6B-9003-2CFDE146FDF8}" type="slidenum">
               <a:rPr lang="zh-CN" altLang="en-US" smtClean="0"/>
-              <a:t>60</a:t>
+              <a:t>53</a:t>
             </a:fld>
             <a:endParaRPr lang="zh-CN" altLang="en-US"/>
           </a:p>
@@ -7156,7 +6741,7 @@
     </p:spTree>
     <p:extLst>
       <p:ext uri="{BB962C8B-B14F-4D97-AF65-F5344CB8AC3E}">
-        <p14:creationId xmlns:p14="http://schemas.microsoft.com/office/powerpoint/2010/main" val="3110739406"/>
+        <p14:creationId xmlns:p14="http://schemas.microsoft.com/office/powerpoint/2010/main" val="4294326955"/>
       </p:ext>
     </p:extLst>
   </p:cSld>
@@ -7212,41 +6797,23 @@
           <a:p>
             <a:r>
               <a:rPr lang="en-US" altLang="zh-CN" dirty="0" smtClean="0"/>
-              <a:t>conns </a:t>
+              <a:t>Dispatch </a:t>
             </a:r>
             <a:r>
               <a:rPr lang="zh-CN" altLang="en-US" dirty="0" smtClean="0"/>
-              <a:t>多个数据库的连接字符串。</a:t>
+              <a:t>调度</a:t>
             </a:r>
             <a:endParaRPr lang="en-US" altLang="zh-CN" dirty="0" smtClean="0"/>
           </a:p>
           <a:p>
-            <a:endParaRPr lang="en-US" altLang="zh-CN" dirty="0" smtClean="0"/>
-          </a:p>
-          <a:p>
             <a:r>
               <a:rPr lang="en-US" altLang="zh-CN" dirty="0" smtClean="0"/>
-              <a:t>for </a:t>
-            </a:r>
-            <a:r>
-              <a:rPr lang="en-US" altLang="zh-CN" dirty="0" err="1" smtClean="0"/>
-              <a:t>len</a:t>
+              <a:t>Completed </a:t>
             </a:r>
             <a:r>
               <a:rPr lang="zh-CN" altLang="en-US" dirty="0" smtClean="0"/>
-              <a:t>（</a:t>
-            </a:r>
-            <a:r>
-              <a:rPr lang="en-US" altLang="zh-CN" dirty="0" smtClean="0"/>
-              <a:t>conns</a:t>
-            </a:r>
-            <a:r>
-              <a:rPr lang="zh-CN" altLang="en-US" dirty="0" smtClean="0"/>
-              <a:t>）</a:t>
-            </a:r>
-            <a:endParaRPr lang="en-US" altLang="zh-CN" dirty="0" smtClean="0"/>
-          </a:p>
-          <a:p>
+              <a:t>完成</a:t>
+            </a:r>
             <a:endParaRPr lang="zh-CN" altLang="en-US" dirty="0"/>
           </a:p>
         </p:txBody>
@@ -7268,7 +6835,7 @@
           <a:p>
             <a:fld id="{6A9BE142-2C03-4C6B-9003-2CFDE146FDF8}" type="slidenum">
               <a:rPr lang="zh-CN" altLang="en-US" smtClean="0"/>
-              <a:t>61</a:t>
+              <a:t>54</a:t>
             </a:fld>
             <a:endParaRPr lang="zh-CN" altLang="en-US"/>
           </a:p>
@@ -7277,7 +6844,7 @@
     </p:spTree>
     <p:extLst>
       <p:ext uri="{BB962C8B-B14F-4D97-AF65-F5344CB8AC3E}">
-        <p14:creationId xmlns:p14="http://schemas.microsoft.com/office/powerpoint/2010/main" val="396602088"/>
+        <p14:creationId xmlns:p14="http://schemas.microsoft.com/office/powerpoint/2010/main" val="907896262"/>
       </p:ext>
     </p:extLst>
   </p:cSld>
@@ -7332,17 +6899,24 @@
           <a:lstStyle/>
           <a:p>
             <a:r>
-              <a:rPr lang="en-US" altLang="zh-CN" dirty="0" smtClean="0">
-                <a:hlinkClick r:id="rId3"/>
-              </a:rPr>
-              <a:t>http://www.zhihu.com/question/20584476</a:t>
+              <a:rPr lang="en-US" altLang="zh-CN" dirty="0" smtClean="0"/>
+              <a:t>Pop </a:t>
+            </a:r>
+            <a:r>
+              <a:rPr lang="zh-CN" altLang="en-US" dirty="0" smtClean="0"/>
+              <a:t>从堆中删除最小元素，并返回它。</a:t>
             </a:r>
             <a:endParaRPr lang="en-US" altLang="zh-CN" dirty="0" smtClean="0"/>
           </a:p>
           <a:p>
-            <a:endParaRPr lang="en-US" altLang="zh-CN" dirty="0" smtClean="0"/>
-          </a:p>
-          <a:p>
+            <a:r>
+              <a:rPr lang="en-US" altLang="zh-CN" dirty="0" smtClean="0"/>
+              <a:t>Remove </a:t>
+            </a:r>
+            <a:r>
+              <a:rPr lang="zh-CN" altLang="en-US" dirty="0" smtClean="0"/>
+              <a:t>从堆中删除指定索引位置的元素。</a:t>
+            </a:r>
             <a:endParaRPr lang="zh-CN" altLang="en-US" dirty="0"/>
           </a:p>
         </p:txBody>
@@ -7362,9 +6936,9 @@
           <a:bodyPr/>
           <a:lstStyle/>
           <a:p>
-            <a:fld id="{3CC2566A-E84E-420E-B996-FBD9ED0A4505}" type="slidenum">
+            <a:fld id="{6A9BE142-2C03-4C6B-9003-2CFDE146FDF8}" type="slidenum">
               <a:rPr lang="zh-CN" altLang="en-US" smtClean="0"/>
-              <a:t>64</a:t>
+              <a:t>55</a:t>
             </a:fld>
             <a:endParaRPr lang="zh-CN" altLang="en-US"/>
           </a:p>
@@ -7373,7 +6947,864 @@
     </p:spTree>
     <p:extLst>
       <p:ext uri="{BB962C8B-B14F-4D97-AF65-F5344CB8AC3E}">
-        <p14:creationId xmlns:p14="http://schemas.microsoft.com/office/powerpoint/2010/main" val="533233286"/>
+        <p14:creationId xmlns:p14="http://schemas.microsoft.com/office/powerpoint/2010/main" val="2815014536"/>
+      </p:ext>
+    </p:extLst>
+  </p:cSld>
+  <p:clrMapOvr>
+    <a:masterClrMapping/>
+  </p:clrMapOvr>
+</p:notes>
+</file>
+
+<file path=ppt/notesSlides/notesSlide46.xml><?xml version="1.0" encoding="utf-8"?>
+<p:notes xmlns:a="http://schemas.openxmlformats.org/drawingml/2006/main" xmlns:r="http://schemas.openxmlformats.org/officeDocument/2006/relationships" xmlns:p="http://schemas.openxmlformats.org/presentationml/2006/main">
+  <p:cSld>
+    <p:spTree>
+      <p:nvGrpSpPr>
+        <p:cNvPr id="1" name=""/>
+        <p:cNvGrpSpPr/>
+        <p:nvPr/>
+      </p:nvGrpSpPr>
+      <p:grpSpPr>
+        <a:xfrm>
+          <a:off x="0" y="0"/>
+          <a:ext cx="0" cy="0"/>
+          <a:chOff x="0" y="0"/>
+          <a:chExt cx="0" cy="0"/>
+        </a:xfrm>
+      </p:grpSpPr>
+      <p:sp>
+        <p:nvSpPr>
+          <p:cNvPr id="2" name="幻灯片图像占位符 1"/>
+          <p:cNvSpPr>
+            <a:spLocks noGrp="1" noRot="1" noChangeAspect="1"/>
+          </p:cNvSpPr>
+          <p:nvPr>
+            <p:ph type="sldImg"/>
+          </p:nvPr>
+        </p:nvSpPr>
+        <p:spPr/>
+      </p:sp>
+      <p:sp>
+        <p:nvSpPr>
+          <p:cNvPr id="3" name="备注占位符 2"/>
+          <p:cNvSpPr>
+            <a:spLocks noGrp="1"/>
+          </p:cNvSpPr>
+          <p:nvPr>
+            <p:ph type="body" idx="1"/>
+          </p:nvPr>
+        </p:nvSpPr>
+        <p:spPr/>
+        <p:txBody>
+          <a:bodyPr/>
+          <a:lstStyle/>
+          <a:p>
+            <a:r>
+              <a:rPr lang="en-US" altLang="zh-CN" dirty="0" smtClean="0"/>
+              <a:t>Less</a:t>
+            </a:r>
+            <a:r>
+              <a:rPr lang="en-US" altLang="zh-CN" baseline="0" dirty="0" smtClean="0"/>
+              <a:t> </a:t>
+            </a:r>
+            <a:r>
+              <a:rPr lang="zh-CN" altLang="en-US" baseline="0" dirty="0" smtClean="0"/>
+              <a:t>比较堆中，两个</a:t>
+            </a:r>
+            <a:r>
+              <a:rPr lang="en-US" altLang="zh-CN" baseline="0" dirty="0" smtClean="0"/>
+              <a:t>worker</a:t>
+            </a:r>
+            <a:r>
+              <a:rPr lang="zh-CN" altLang="en-US" baseline="0" dirty="0" smtClean="0"/>
+              <a:t>的 </a:t>
+            </a:r>
+            <a:r>
+              <a:rPr lang="en-US" altLang="zh-CN" baseline="0" dirty="0" smtClean="0"/>
+              <a:t>pending</a:t>
+            </a:r>
+            <a:r>
+              <a:rPr lang="zh-CN" altLang="en-US" baseline="0" dirty="0" smtClean="0"/>
+              <a:t>值谁更小。</a:t>
+            </a:r>
+            <a:endParaRPr lang="en-US" altLang="zh-CN" baseline="0" dirty="0" smtClean="0"/>
+          </a:p>
+          <a:p>
+            <a:r>
+              <a:rPr lang="zh-CN" altLang="en-US" baseline="0" dirty="0" smtClean="0"/>
+              <a:t>支持排序。</a:t>
+            </a:r>
+            <a:endParaRPr lang="en-US" altLang="zh-CN" baseline="0" dirty="0" smtClean="0"/>
+          </a:p>
+          <a:p>
+            <a:r>
+              <a:rPr lang="zh-CN" altLang="en-US" baseline="0" dirty="0" smtClean="0"/>
+              <a:t>以这个为是否分配的依据。（分配给 </a:t>
+            </a:r>
+            <a:r>
+              <a:rPr lang="en-US" altLang="zh-CN" baseline="0" dirty="0" smtClean="0"/>
+              <a:t>pending </a:t>
+            </a:r>
+            <a:r>
+              <a:rPr lang="zh-CN" altLang="en-US" baseline="0" dirty="0" smtClean="0"/>
+              <a:t>值最小的）</a:t>
+            </a:r>
+            <a:endParaRPr lang="en-US" altLang="zh-CN" baseline="0" dirty="0" smtClean="0"/>
+          </a:p>
+          <a:p>
+            <a:endParaRPr lang="en-US" altLang="zh-CN" baseline="0" dirty="0" smtClean="0"/>
+          </a:p>
+          <a:p>
+            <a:r>
+              <a:rPr lang="en-US" altLang="zh-CN" baseline="0" dirty="0" err="1" smtClean="0"/>
+              <a:t>Golang</a:t>
+            </a:r>
+            <a:r>
+              <a:rPr lang="en-US" altLang="zh-CN" baseline="0" dirty="0" smtClean="0"/>
+              <a:t> </a:t>
+            </a:r>
+            <a:r>
+              <a:rPr lang="zh-CN" altLang="en-US" baseline="0" dirty="0" smtClean="0"/>
+              <a:t>中 </a:t>
+            </a:r>
+            <a:r>
+              <a:rPr lang="en-US" altLang="zh-CN" baseline="0" dirty="0" smtClean="0"/>
+              <a:t>Heap</a:t>
+            </a:r>
+            <a:r>
+              <a:rPr lang="zh-CN" altLang="en-US" baseline="0" dirty="0" smtClean="0"/>
+              <a:t>是一个支持优先级的队列。响应接口如下：</a:t>
+            </a:r>
+            <a:endParaRPr lang="en-US" altLang="zh-CN" baseline="0" dirty="0" smtClean="0"/>
+          </a:p>
+          <a:p>
+            <a:endParaRPr lang="en-US" altLang="zh-CN" baseline="0" dirty="0" smtClean="0"/>
+          </a:p>
+          <a:p>
+            <a:r>
+              <a:rPr lang="zh-CN" altLang="en-US" baseline="0" dirty="0" smtClean="0"/>
+              <a:t>这里的 </a:t>
+            </a:r>
+            <a:r>
+              <a:rPr lang="en-US" altLang="zh-CN" baseline="0" dirty="0" smtClean="0"/>
+              <a:t>heap </a:t>
+            </a:r>
+            <a:r>
+              <a:rPr lang="zh-CN" altLang="en-US" baseline="0" dirty="0" smtClean="0"/>
+              <a:t>不是请求队列， 是</a:t>
+            </a:r>
+            <a:r>
+              <a:rPr lang="en-US" altLang="zh-CN" baseline="0" dirty="0" smtClean="0"/>
+              <a:t>worker </a:t>
+            </a:r>
+            <a:r>
+              <a:rPr lang="zh-CN" altLang="en-US" baseline="0" dirty="0" smtClean="0"/>
+              <a:t>队列。</a:t>
+            </a:r>
+            <a:endParaRPr lang="en-US" altLang="zh-CN" baseline="0" dirty="0" smtClean="0"/>
+          </a:p>
+          <a:p>
+            <a:endParaRPr lang="en-US" altLang="zh-CN" baseline="0" dirty="0" smtClean="0"/>
+          </a:p>
+          <a:p>
+            <a:endParaRPr lang="zh-CN" altLang="en-US" dirty="0"/>
+          </a:p>
+        </p:txBody>
+      </p:sp>
+      <p:sp>
+        <p:nvSpPr>
+          <p:cNvPr id="4" name="灯片编号占位符 3"/>
+          <p:cNvSpPr>
+            <a:spLocks noGrp="1"/>
+          </p:cNvSpPr>
+          <p:nvPr>
+            <p:ph type="sldNum" sz="quarter" idx="10"/>
+          </p:nvPr>
+        </p:nvSpPr>
+        <p:spPr/>
+        <p:txBody>
+          <a:bodyPr/>
+          <a:lstStyle/>
+          <a:p>
+            <a:fld id="{6A9BE142-2C03-4C6B-9003-2CFDE146FDF8}" type="slidenum">
+              <a:rPr lang="zh-CN" altLang="en-US" smtClean="0"/>
+              <a:t>56</a:t>
+            </a:fld>
+            <a:endParaRPr lang="zh-CN" altLang="en-US"/>
+          </a:p>
+        </p:txBody>
+      </p:sp>
+    </p:spTree>
+    <p:extLst>
+      <p:ext uri="{BB962C8B-B14F-4D97-AF65-F5344CB8AC3E}">
+        <p14:creationId xmlns:p14="http://schemas.microsoft.com/office/powerpoint/2010/main" val="4017818898"/>
+      </p:ext>
+    </p:extLst>
+  </p:cSld>
+  <p:clrMapOvr>
+    <a:masterClrMapping/>
+  </p:clrMapOvr>
+</p:notes>
+</file>
+
+<file path=ppt/notesSlides/notesSlide47.xml><?xml version="1.0" encoding="utf-8"?>
+<p:notes xmlns:a="http://schemas.openxmlformats.org/drawingml/2006/main" xmlns:r="http://schemas.openxmlformats.org/officeDocument/2006/relationships" xmlns:p="http://schemas.openxmlformats.org/presentationml/2006/main">
+  <p:cSld>
+    <p:spTree>
+      <p:nvGrpSpPr>
+        <p:cNvPr id="1" name=""/>
+        <p:cNvGrpSpPr/>
+        <p:nvPr/>
+      </p:nvGrpSpPr>
+      <p:grpSpPr>
+        <a:xfrm>
+          <a:off x="0" y="0"/>
+          <a:ext cx="0" cy="0"/>
+          <a:chOff x="0" y="0"/>
+          <a:chExt cx="0" cy="0"/>
+        </a:xfrm>
+      </p:grpSpPr>
+      <p:sp>
+        <p:nvSpPr>
+          <p:cNvPr id="2" name="幻灯片图像占位符 1"/>
+          <p:cNvSpPr>
+            <a:spLocks noGrp="1" noRot="1" noChangeAspect="1"/>
+          </p:cNvSpPr>
+          <p:nvPr>
+            <p:ph type="sldImg"/>
+          </p:nvPr>
+        </p:nvSpPr>
+        <p:spPr/>
+      </p:sp>
+      <p:sp>
+        <p:nvSpPr>
+          <p:cNvPr id="3" name="备注占位符 2"/>
+          <p:cNvSpPr>
+            <a:spLocks noGrp="1"/>
+          </p:cNvSpPr>
+          <p:nvPr>
+            <p:ph type="body" idx="1"/>
+          </p:nvPr>
+        </p:nvSpPr>
+        <p:spPr/>
+        <p:txBody>
+          <a:bodyPr/>
+          <a:lstStyle/>
+          <a:p>
+            <a:pPr marL="0" marR="0" indent="0" algn="l" defTabSz="914400" rtl="0" eaLnBrk="1" fontAlgn="auto" latinLnBrk="0" hangingPunct="1">
+              <a:lnSpc>
+                <a:spcPct val="100000"/>
+              </a:lnSpc>
+              <a:spcBef>
+                <a:spcPts val="0"/>
+              </a:spcBef>
+              <a:spcAft>
+                <a:spcPts val="0"/>
+              </a:spcAft>
+              <a:buClrTx/>
+              <a:buSzTx/>
+              <a:buFontTx/>
+              <a:buNone/>
+              <a:tabLst/>
+              <a:defRPr/>
+            </a:pPr>
+            <a:r>
+              <a:rPr lang="en-US" altLang="zh-CN" sz="1200" dirty="0" smtClean="0">
+                <a:latin typeface="Arial Black" panose="020B0A04020102020204" pitchFamily="34" charset="0"/>
+              </a:rPr>
+              <a:t>Send Request to worker  </a:t>
+            </a:r>
+            <a:r>
+              <a:rPr lang="zh-CN" altLang="en-US" sz="1200" dirty="0" smtClean="0">
+                <a:latin typeface="Arial Black" panose="020B0A04020102020204" pitchFamily="34" charset="0"/>
+              </a:rPr>
+              <a:t>把请求发送给</a:t>
+            </a:r>
+            <a:r>
+              <a:rPr lang="en-US" altLang="zh-CN" sz="1200" dirty="0" smtClean="0">
+                <a:latin typeface="Arial Black" panose="020B0A04020102020204" pitchFamily="34" charset="0"/>
+              </a:rPr>
+              <a:t>worker</a:t>
+            </a:r>
+          </a:p>
+          <a:p>
+            <a:pPr marL="0" marR="0" indent="0" algn="l" defTabSz="914400" rtl="0" eaLnBrk="1" fontAlgn="auto" latinLnBrk="0" hangingPunct="1">
+              <a:lnSpc>
+                <a:spcPct val="100000"/>
+              </a:lnSpc>
+              <a:spcBef>
+                <a:spcPts val="0"/>
+              </a:spcBef>
+              <a:spcAft>
+                <a:spcPts val="0"/>
+              </a:spcAft>
+              <a:buClrTx/>
+              <a:buSzTx/>
+              <a:buFontTx/>
+              <a:buNone/>
+              <a:tabLst/>
+              <a:defRPr/>
+            </a:pPr>
+            <a:r>
+              <a:rPr lang="en-US" altLang="zh-CN" sz="1200" dirty="0" smtClean="0">
+                <a:latin typeface="Arial Black" panose="020B0A04020102020204" pitchFamily="34" charset="0"/>
+              </a:rPr>
+              <a:t>Grab the least loaded worker...  </a:t>
+            </a:r>
+            <a:r>
+              <a:rPr lang="zh-CN" altLang="en-US" sz="1200" dirty="0" smtClean="0">
+                <a:latin typeface="Arial Black" panose="020B0A04020102020204" pitchFamily="34" charset="0"/>
+              </a:rPr>
+              <a:t>从</a:t>
+            </a:r>
+            <a:r>
+              <a:rPr lang="en-US" altLang="zh-CN" sz="1200" dirty="0" smtClean="0">
+                <a:latin typeface="Arial Black" panose="020B0A04020102020204" pitchFamily="34" charset="0"/>
+              </a:rPr>
+              <a:t>Heap</a:t>
+            </a:r>
+            <a:r>
+              <a:rPr lang="zh-CN" altLang="en-US" sz="1200" dirty="0" smtClean="0">
+                <a:latin typeface="Arial Black" panose="020B0A04020102020204" pitchFamily="34" charset="0"/>
+              </a:rPr>
+              <a:t>中获得负载最小的</a:t>
+            </a:r>
+            <a:r>
+              <a:rPr lang="en-US" altLang="zh-CN" sz="1200" dirty="0" smtClean="0">
+                <a:latin typeface="Arial Black" panose="020B0A04020102020204" pitchFamily="34" charset="0"/>
+              </a:rPr>
+              <a:t>worker</a:t>
+            </a:r>
+          </a:p>
+          <a:p>
+            <a:pPr marL="0" marR="0" indent="0" algn="l" defTabSz="914400" rtl="0" eaLnBrk="1" fontAlgn="auto" latinLnBrk="0" hangingPunct="1">
+              <a:lnSpc>
+                <a:spcPct val="100000"/>
+              </a:lnSpc>
+              <a:spcBef>
+                <a:spcPts val="0"/>
+              </a:spcBef>
+              <a:spcAft>
+                <a:spcPts val="0"/>
+              </a:spcAft>
+              <a:buClrTx/>
+              <a:buSzTx/>
+              <a:buFontTx/>
+              <a:buNone/>
+              <a:tabLst/>
+              <a:defRPr/>
+            </a:pPr>
+            <a:r>
+              <a:rPr lang="en-US" altLang="zh-CN" sz="1200" dirty="0" smtClean="0">
+                <a:latin typeface="Arial Black" panose="020B0A04020102020204" pitchFamily="34" charset="0"/>
+              </a:rPr>
+              <a:t>...send it the task.   </a:t>
+            </a:r>
+            <a:r>
+              <a:rPr lang="zh-CN" altLang="en-US" sz="1200" dirty="0" smtClean="0">
+                <a:latin typeface="Arial Black" panose="020B0A04020102020204" pitchFamily="34" charset="0"/>
+              </a:rPr>
+              <a:t>发送任务</a:t>
+            </a:r>
+            <a:endParaRPr lang="en-US" altLang="zh-CN" sz="1200" dirty="0" smtClean="0">
+              <a:latin typeface="Arial Black" panose="020B0A04020102020204" pitchFamily="34" charset="0"/>
+            </a:endParaRPr>
+          </a:p>
+          <a:p>
+            <a:pPr marL="0" marR="0" indent="0" algn="l" defTabSz="914400" rtl="0" eaLnBrk="1" fontAlgn="auto" latinLnBrk="0" hangingPunct="1">
+              <a:lnSpc>
+                <a:spcPct val="100000"/>
+              </a:lnSpc>
+              <a:spcBef>
+                <a:spcPts val="0"/>
+              </a:spcBef>
+              <a:spcAft>
+                <a:spcPts val="0"/>
+              </a:spcAft>
+              <a:buClrTx/>
+              <a:buSzTx/>
+              <a:buFontTx/>
+              <a:buNone/>
+              <a:tabLst/>
+              <a:defRPr/>
+            </a:pPr>
+            <a:r>
+              <a:rPr lang="en-US" altLang="zh-CN" sz="1200" dirty="0" smtClean="0">
+                <a:latin typeface="Arial Black" panose="020B0A04020102020204" pitchFamily="34" charset="0"/>
+              </a:rPr>
+              <a:t>One more in its work queue.</a:t>
+            </a:r>
+          </a:p>
+          <a:p>
+            <a:pPr marL="0" marR="0" indent="0" algn="l" defTabSz="914400" rtl="0" eaLnBrk="1" fontAlgn="auto" latinLnBrk="0" hangingPunct="1">
+              <a:lnSpc>
+                <a:spcPct val="100000"/>
+              </a:lnSpc>
+              <a:spcBef>
+                <a:spcPts val="0"/>
+              </a:spcBef>
+              <a:spcAft>
+                <a:spcPts val="0"/>
+              </a:spcAft>
+              <a:buClrTx/>
+              <a:buSzTx/>
+              <a:buFontTx/>
+              <a:buNone/>
+              <a:tabLst/>
+              <a:defRPr/>
+            </a:pPr>
+            <a:r>
+              <a:rPr lang="en-US" altLang="zh-CN" sz="1200" dirty="0" smtClean="0">
+                <a:latin typeface="Arial Black" panose="020B0A04020102020204" pitchFamily="34" charset="0"/>
+              </a:rPr>
+              <a:t>Put it into its place on the heap.   </a:t>
+            </a:r>
+            <a:r>
+              <a:rPr lang="zh-CN" altLang="en-US" sz="1200" dirty="0" smtClean="0">
+                <a:latin typeface="Arial Black" panose="020B0A04020102020204" pitchFamily="34" charset="0"/>
+              </a:rPr>
+              <a:t>放在堆中。</a:t>
+            </a:r>
+            <a:endParaRPr lang="en-US" altLang="zh-CN" sz="1200" dirty="0" smtClean="0">
+              <a:latin typeface="Arial Black" panose="020B0A04020102020204" pitchFamily="34" charset="0"/>
+            </a:endParaRPr>
+          </a:p>
+          <a:p>
+            <a:pPr marL="0" marR="0" indent="0" algn="l" defTabSz="914400" rtl="0" eaLnBrk="1" fontAlgn="auto" latinLnBrk="0" hangingPunct="1">
+              <a:lnSpc>
+                <a:spcPct val="100000"/>
+              </a:lnSpc>
+              <a:spcBef>
+                <a:spcPts val="0"/>
+              </a:spcBef>
+              <a:spcAft>
+                <a:spcPts val="0"/>
+              </a:spcAft>
+              <a:buClrTx/>
+              <a:buSzTx/>
+              <a:buFontTx/>
+              <a:buNone/>
+              <a:tabLst/>
+              <a:defRPr/>
+            </a:pPr>
+            <a:endParaRPr lang="en-US" altLang="zh-CN" sz="1200" dirty="0" smtClean="0">
+              <a:latin typeface="Arial Black" panose="020B0A04020102020204" pitchFamily="34" charset="0"/>
+            </a:endParaRPr>
+          </a:p>
+          <a:p>
+            <a:endParaRPr lang="zh-CN" altLang="en-US" dirty="0"/>
+          </a:p>
+        </p:txBody>
+      </p:sp>
+      <p:sp>
+        <p:nvSpPr>
+          <p:cNvPr id="4" name="灯片编号占位符 3"/>
+          <p:cNvSpPr>
+            <a:spLocks noGrp="1"/>
+          </p:cNvSpPr>
+          <p:nvPr>
+            <p:ph type="sldNum" sz="quarter" idx="10"/>
+          </p:nvPr>
+        </p:nvSpPr>
+        <p:spPr/>
+        <p:txBody>
+          <a:bodyPr/>
+          <a:lstStyle/>
+          <a:p>
+            <a:fld id="{6A9BE142-2C03-4C6B-9003-2CFDE146FDF8}" type="slidenum">
+              <a:rPr lang="zh-CN" altLang="en-US" smtClean="0"/>
+              <a:t>57</a:t>
+            </a:fld>
+            <a:endParaRPr lang="zh-CN" altLang="en-US"/>
+          </a:p>
+        </p:txBody>
+      </p:sp>
+    </p:spTree>
+    <p:extLst>
+      <p:ext uri="{BB962C8B-B14F-4D97-AF65-F5344CB8AC3E}">
+        <p14:creationId xmlns:p14="http://schemas.microsoft.com/office/powerpoint/2010/main" val="2847012826"/>
+      </p:ext>
+    </p:extLst>
+  </p:cSld>
+  <p:clrMapOvr>
+    <a:masterClrMapping/>
+  </p:clrMapOvr>
+</p:notes>
+</file>
+
+<file path=ppt/notesSlides/notesSlide48.xml><?xml version="1.0" encoding="utf-8"?>
+<p:notes xmlns:a="http://schemas.openxmlformats.org/drawingml/2006/main" xmlns:r="http://schemas.openxmlformats.org/officeDocument/2006/relationships" xmlns:p="http://schemas.openxmlformats.org/presentationml/2006/main">
+  <p:cSld>
+    <p:spTree>
+      <p:nvGrpSpPr>
+        <p:cNvPr id="1" name=""/>
+        <p:cNvGrpSpPr/>
+        <p:nvPr/>
+      </p:nvGrpSpPr>
+      <p:grpSpPr>
+        <a:xfrm>
+          <a:off x="0" y="0"/>
+          <a:ext cx="0" cy="0"/>
+          <a:chOff x="0" y="0"/>
+          <a:chExt cx="0" cy="0"/>
+        </a:xfrm>
+      </p:grpSpPr>
+      <p:sp>
+        <p:nvSpPr>
+          <p:cNvPr id="2" name="幻灯片图像占位符 1"/>
+          <p:cNvSpPr>
+            <a:spLocks noGrp="1" noRot="1" noChangeAspect="1"/>
+          </p:cNvSpPr>
+          <p:nvPr>
+            <p:ph type="sldImg"/>
+          </p:nvPr>
+        </p:nvSpPr>
+        <p:spPr/>
+      </p:sp>
+      <p:sp>
+        <p:nvSpPr>
+          <p:cNvPr id="3" name="备注占位符 2"/>
+          <p:cNvSpPr>
+            <a:spLocks noGrp="1"/>
+          </p:cNvSpPr>
+          <p:nvPr>
+            <p:ph type="body" idx="1"/>
+          </p:nvPr>
+        </p:nvSpPr>
+        <p:spPr/>
+        <p:txBody>
+          <a:bodyPr/>
+          <a:lstStyle/>
+          <a:p>
+            <a:pPr marL="0" marR="0" indent="0" algn="l" defTabSz="914400" rtl="0" eaLnBrk="1" fontAlgn="auto" latinLnBrk="0" hangingPunct="1">
+              <a:lnSpc>
+                <a:spcPct val="100000"/>
+              </a:lnSpc>
+              <a:spcBef>
+                <a:spcPts val="0"/>
+              </a:spcBef>
+              <a:spcAft>
+                <a:spcPts val="0"/>
+              </a:spcAft>
+              <a:buClrTx/>
+              <a:buSzTx/>
+              <a:buFontTx/>
+              <a:buNone/>
+              <a:tabLst/>
+              <a:defRPr/>
+            </a:pPr>
+            <a:r>
+              <a:rPr lang="en-US" altLang="zh-CN" sz="1200" dirty="0" smtClean="0">
+                <a:latin typeface="Arial Black" panose="020B0A04020102020204" pitchFamily="34" charset="0"/>
+              </a:rPr>
+              <a:t>Job is complete; update heap  </a:t>
+            </a:r>
+            <a:r>
+              <a:rPr lang="zh-CN" altLang="en-US" sz="1200" dirty="0" smtClean="0">
+                <a:latin typeface="Arial Black" panose="020B0A04020102020204" pitchFamily="34" charset="0"/>
+              </a:rPr>
+              <a:t>作业完成后，更新优先级队列</a:t>
+            </a:r>
+            <a:endParaRPr lang="en-US" altLang="zh-CN" sz="1200" dirty="0" smtClean="0">
+              <a:latin typeface="Arial Black" panose="020B0A04020102020204" pitchFamily="34" charset="0"/>
+            </a:endParaRPr>
+          </a:p>
+          <a:p>
+            <a:pPr marL="0" marR="0" indent="0" algn="l" defTabSz="914400" rtl="0" eaLnBrk="1" fontAlgn="auto" latinLnBrk="0" hangingPunct="1">
+              <a:lnSpc>
+                <a:spcPct val="100000"/>
+              </a:lnSpc>
+              <a:spcBef>
+                <a:spcPts val="0"/>
+              </a:spcBef>
+              <a:spcAft>
+                <a:spcPts val="0"/>
+              </a:spcAft>
+              <a:buClrTx/>
+              <a:buSzTx/>
+              <a:buFontTx/>
+              <a:buNone/>
+              <a:tabLst/>
+              <a:defRPr/>
+            </a:pPr>
+            <a:r>
+              <a:rPr lang="en-US" altLang="zh-CN" sz="1200" dirty="0" smtClean="0">
+                <a:latin typeface="Arial Black" panose="020B0A04020102020204" pitchFamily="34" charset="0"/>
+              </a:rPr>
+              <a:t>One fewer in the queue.   </a:t>
+            </a:r>
+            <a:r>
+              <a:rPr lang="zh-CN" altLang="en-US" sz="1200" dirty="0" smtClean="0">
+                <a:latin typeface="Arial Black" panose="020B0A04020102020204" pitchFamily="34" charset="0"/>
+              </a:rPr>
+              <a:t>队列中减一</a:t>
+            </a:r>
+            <a:endParaRPr lang="en-US" altLang="zh-CN" sz="1200" dirty="0" smtClean="0">
+              <a:latin typeface="Arial Black" panose="020B0A04020102020204" pitchFamily="34" charset="0"/>
+            </a:endParaRPr>
+          </a:p>
+          <a:p>
+            <a:pPr marL="0" marR="0" indent="0" algn="l" defTabSz="914400" rtl="0" eaLnBrk="1" fontAlgn="auto" latinLnBrk="0" hangingPunct="1">
+              <a:lnSpc>
+                <a:spcPct val="100000"/>
+              </a:lnSpc>
+              <a:spcBef>
+                <a:spcPts val="0"/>
+              </a:spcBef>
+              <a:spcAft>
+                <a:spcPts val="0"/>
+              </a:spcAft>
+              <a:buClrTx/>
+              <a:buSzTx/>
+              <a:buFontTx/>
+              <a:buNone/>
+              <a:tabLst/>
+              <a:defRPr/>
+            </a:pPr>
+            <a:endParaRPr lang="en-US" altLang="zh-CN" sz="1200" dirty="0" smtClean="0">
+              <a:latin typeface="Arial Black" panose="020B0A04020102020204" pitchFamily="34" charset="0"/>
+            </a:endParaRPr>
+          </a:p>
+          <a:p>
+            <a:pPr marL="0" marR="0" indent="0" algn="l" defTabSz="914400" rtl="0" eaLnBrk="1" fontAlgn="auto" latinLnBrk="0" hangingPunct="1">
+              <a:lnSpc>
+                <a:spcPct val="100000"/>
+              </a:lnSpc>
+              <a:spcBef>
+                <a:spcPts val="0"/>
+              </a:spcBef>
+              <a:spcAft>
+                <a:spcPts val="0"/>
+              </a:spcAft>
+              <a:buClrTx/>
+              <a:buSzTx/>
+              <a:buFontTx/>
+              <a:buNone/>
+              <a:tabLst/>
+              <a:defRPr/>
+            </a:pPr>
+            <a:r>
+              <a:rPr lang="zh-CN" altLang="en-US" sz="1200" smtClean="0">
+                <a:latin typeface="Arial Black" panose="020B0A04020102020204" pitchFamily="34" charset="0"/>
+              </a:rPr>
+              <a:t>从队列中删掉它，并更新上去。确保它的信息被更新了。</a:t>
+            </a:r>
+            <a:endParaRPr lang="en-US" altLang="zh-CN" sz="1200" dirty="0" smtClean="0">
+              <a:latin typeface="Arial Black" panose="020B0A04020102020204" pitchFamily="34" charset="0"/>
+            </a:endParaRPr>
+          </a:p>
+          <a:p>
+            <a:pPr marL="0" marR="0" indent="0" algn="l" defTabSz="914400" rtl="0" eaLnBrk="1" fontAlgn="auto" latinLnBrk="0" hangingPunct="1">
+              <a:lnSpc>
+                <a:spcPct val="100000"/>
+              </a:lnSpc>
+              <a:spcBef>
+                <a:spcPts val="0"/>
+              </a:spcBef>
+              <a:spcAft>
+                <a:spcPts val="0"/>
+              </a:spcAft>
+              <a:buClrTx/>
+              <a:buSzTx/>
+              <a:buFontTx/>
+              <a:buNone/>
+              <a:tabLst/>
+              <a:defRPr/>
+            </a:pPr>
+            <a:r>
+              <a:rPr lang="en-US" altLang="zh-CN" sz="1200" dirty="0" smtClean="0">
+                <a:latin typeface="Arial Black" panose="020B0A04020102020204" pitchFamily="34" charset="0"/>
+              </a:rPr>
+              <a:t>Remove it from heap.   </a:t>
+            </a:r>
+            <a:r>
+              <a:rPr lang="zh-CN" altLang="en-US" sz="1200" dirty="0" smtClean="0">
+                <a:latin typeface="Arial Black" panose="020B0A04020102020204" pitchFamily="34" charset="0"/>
+              </a:rPr>
+              <a:t>从 待做队列中删除它</a:t>
+            </a:r>
+            <a:endParaRPr lang="en-US" altLang="zh-CN" sz="1200" dirty="0" smtClean="0">
+              <a:latin typeface="Arial Black" panose="020B0A04020102020204" pitchFamily="34" charset="0"/>
+            </a:endParaRPr>
+          </a:p>
+          <a:p>
+            <a:pPr marL="0" marR="0" indent="0" algn="l" defTabSz="914400" rtl="0" eaLnBrk="1" fontAlgn="auto" latinLnBrk="0" hangingPunct="1">
+              <a:lnSpc>
+                <a:spcPct val="100000"/>
+              </a:lnSpc>
+              <a:spcBef>
+                <a:spcPts val="0"/>
+              </a:spcBef>
+              <a:spcAft>
+                <a:spcPts val="0"/>
+              </a:spcAft>
+              <a:buClrTx/>
+              <a:buSzTx/>
+              <a:buFontTx/>
+              <a:buNone/>
+              <a:tabLst/>
+              <a:defRPr/>
+            </a:pPr>
+            <a:r>
+              <a:rPr lang="en-US" altLang="zh-CN" sz="1200" dirty="0" smtClean="0">
+                <a:latin typeface="Arial Black" panose="020B0A04020102020204" pitchFamily="34" charset="0"/>
+              </a:rPr>
+              <a:t>Put it into its place on the heap.   </a:t>
+            </a:r>
+            <a:r>
+              <a:rPr lang="zh-CN" altLang="en-US" sz="1200" dirty="0" smtClean="0">
+                <a:latin typeface="Arial Black" panose="020B0A04020102020204" pitchFamily="34" charset="0"/>
+              </a:rPr>
+              <a:t>并更新队列排序。</a:t>
+            </a:r>
+            <a:endParaRPr lang="en-US" altLang="zh-CN" sz="1200" dirty="0" smtClean="0">
+              <a:latin typeface="Arial Black" panose="020B0A04020102020204" pitchFamily="34" charset="0"/>
+            </a:endParaRPr>
+          </a:p>
+          <a:p>
+            <a:pPr marL="0" marR="0" indent="0" algn="l" defTabSz="914400" rtl="0" eaLnBrk="1" fontAlgn="auto" latinLnBrk="0" hangingPunct="1">
+              <a:lnSpc>
+                <a:spcPct val="100000"/>
+              </a:lnSpc>
+              <a:spcBef>
+                <a:spcPts val="0"/>
+              </a:spcBef>
+              <a:spcAft>
+                <a:spcPts val="0"/>
+              </a:spcAft>
+              <a:buClrTx/>
+              <a:buSzTx/>
+              <a:buFontTx/>
+              <a:buNone/>
+              <a:tabLst/>
+              <a:defRPr/>
+            </a:pPr>
+            <a:endParaRPr lang="en-US" altLang="zh-CN" sz="1200" dirty="0" smtClean="0">
+              <a:latin typeface="Arial Black" panose="020B0A04020102020204" pitchFamily="34" charset="0"/>
+            </a:endParaRPr>
+          </a:p>
+          <a:p>
+            <a:endParaRPr lang="zh-CN" altLang="en-US" dirty="0"/>
+          </a:p>
+        </p:txBody>
+      </p:sp>
+      <p:sp>
+        <p:nvSpPr>
+          <p:cNvPr id="4" name="灯片编号占位符 3"/>
+          <p:cNvSpPr>
+            <a:spLocks noGrp="1"/>
+          </p:cNvSpPr>
+          <p:nvPr>
+            <p:ph type="sldNum" sz="quarter" idx="10"/>
+          </p:nvPr>
+        </p:nvSpPr>
+        <p:spPr/>
+        <p:txBody>
+          <a:bodyPr/>
+          <a:lstStyle/>
+          <a:p>
+            <a:fld id="{6A9BE142-2C03-4C6B-9003-2CFDE146FDF8}" type="slidenum">
+              <a:rPr lang="zh-CN" altLang="en-US" smtClean="0"/>
+              <a:t>58</a:t>
+            </a:fld>
+            <a:endParaRPr lang="zh-CN" altLang="en-US"/>
+          </a:p>
+        </p:txBody>
+      </p:sp>
+    </p:spTree>
+    <p:extLst>
+      <p:ext uri="{BB962C8B-B14F-4D97-AF65-F5344CB8AC3E}">
+        <p14:creationId xmlns:p14="http://schemas.microsoft.com/office/powerpoint/2010/main" val="2545965437"/>
+      </p:ext>
+    </p:extLst>
+  </p:cSld>
+  <p:clrMapOvr>
+    <a:masterClrMapping/>
+  </p:clrMapOvr>
+</p:notes>
+</file>
+
+<file path=ppt/notesSlides/notesSlide49.xml><?xml version="1.0" encoding="utf-8"?>
+<p:notes xmlns:a="http://schemas.openxmlformats.org/drawingml/2006/main" xmlns:r="http://schemas.openxmlformats.org/officeDocument/2006/relationships" xmlns:p="http://schemas.openxmlformats.org/presentationml/2006/main">
+  <p:cSld>
+    <p:spTree>
+      <p:nvGrpSpPr>
+        <p:cNvPr id="1" name=""/>
+        <p:cNvGrpSpPr/>
+        <p:nvPr/>
+      </p:nvGrpSpPr>
+      <p:grpSpPr>
+        <a:xfrm>
+          <a:off x="0" y="0"/>
+          <a:ext cx="0" cy="0"/>
+          <a:chOff x="0" y="0"/>
+          <a:chExt cx="0" cy="0"/>
+        </a:xfrm>
+      </p:grpSpPr>
+      <p:sp>
+        <p:nvSpPr>
+          <p:cNvPr id="2" name="幻灯片图像占位符 1"/>
+          <p:cNvSpPr>
+            <a:spLocks noGrp="1" noRot="1" noChangeAspect="1"/>
+          </p:cNvSpPr>
+          <p:nvPr>
+            <p:ph type="sldImg"/>
+          </p:nvPr>
+        </p:nvSpPr>
+        <p:spPr/>
+      </p:sp>
+      <p:sp>
+        <p:nvSpPr>
+          <p:cNvPr id="3" name="备注占位符 2"/>
+          <p:cNvSpPr>
+            <a:spLocks noGrp="1"/>
+          </p:cNvSpPr>
+          <p:nvPr>
+            <p:ph type="body" idx="1"/>
+          </p:nvPr>
+        </p:nvSpPr>
+        <p:spPr/>
+        <p:txBody>
+          <a:bodyPr/>
+          <a:lstStyle/>
+          <a:p>
+            <a:r>
+              <a:rPr lang="zh-CN" altLang="en-US" dirty="0" smtClean="0"/>
+              <a:t>拆分、解耦。</a:t>
+            </a:r>
+            <a:endParaRPr lang="zh-CN" altLang="en-US" dirty="0"/>
+          </a:p>
+        </p:txBody>
+      </p:sp>
+      <p:sp>
+        <p:nvSpPr>
+          <p:cNvPr id="4" name="灯片编号占位符 3"/>
+          <p:cNvSpPr>
+            <a:spLocks noGrp="1"/>
+          </p:cNvSpPr>
+          <p:nvPr>
+            <p:ph type="sldNum" sz="quarter" idx="10"/>
+          </p:nvPr>
+        </p:nvSpPr>
+        <p:spPr/>
+        <p:txBody>
+          <a:bodyPr/>
+          <a:lstStyle/>
+          <a:p>
+            <a:fld id="{6A9BE142-2C03-4C6B-9003-2CFDE146FDF8}" type="slidenum">
+              <a:rPr lang="zh-CN" altLang="en-US" smtClean="0"/>
+              <a:t>59</a:t>
+            </a:fld>
+            <a:endParaRPr lang="zh-CN" altLang="en-US"/>
+          </a:p>
+        </p:txBody>
+      </p:sp>
+    </p:spTree>
+    <p:extLst>
+      <p:ext uri="{BB962C8B-B14F-4D97-AF65-F5344CB8AC3E}">
+        <p14:creationId xmlns:p14="http://schemas.microsoft.com/office/powerpoint/2010/main" val="85879839"/>
       </p:ext>
     </p:extLst>
   </p:cSld>
@@ -7427,6 +7858,82 @@
           <a:bodyPr/>
           <a:lstStyle/>
           <a:p>
+            <a:pPr marL="0" marR="0" indent="0" algn="l" defTabSz="914400" rtl="0" eaLnBrk="1" fontAlgn="auto" latinLnBrk="0" hangingPunct="1">
+              <a:lnSpc>
+                <a:spcPct val="100000"/>
+              </a:lnSpc>
+              <a:spcBef>
+                <a:spcPts val="0"/>
+              </a:spcBef>
+              <a:spcAft>
+                <a:spcPts val="0"/>
+              </a:spcAft>
+              <a:buClrTx/>
+              <a:buSzTx/>
+              <a:buFontTx/>
+              <a:buNone/>
+              <a:tabLst/>
+              <a:defRPr/>
+            </a:pPr>
+            <a:r>
+              <a:rPr lang="zh-CN" altLang="en-US" dirty="0" smtClean="0"/>
+              <a:t>通道控制协程的处理。</a:t>
+            </a:r>
+            <a:endParaRPr lang="en-US" altLang="zh-CN" dirty="0" smtClean="0"/>
+          </a:p>
+          <a:p>
+            <a:pPr marL="0" marR="0" indent="0" algn="l" defTabSz="914400" rtl="0" eaLnBrk="1" fontAlgn="auto" latinLnBrk="0" hangingPunct="1">
+              <a:lnSpc>
+                <a:spcPct val="100000"/>
+              </a:lnSpc>
+              <a:spcBef>
+                <a:spcPts val="0"/>
+              </a:spcBef>
+              <a:spcAft>
+                <a:spcPts val="0"/>
+              </a:spcAft>
+              <a:buClrTx/>
+              <a:buSzTx/>
+              <a:buFontTx/>
+              <a:buNone/>
+              <a:tabLst/>
+              <a:defRPr/>
+            </a:pPr>
+            <a:r>
+              <a:rPr lang="zh-CN" altLang="en-US" dirty="0" smtClean="0"/>
+              <a:t>当然也支持锁的机制。</a:t>
+            </a:r>
+            <a:endParaRPr lang="en-US" altLang="zh-CN" dirty="0" smtClean="0"/>
+          </a:p>
+          <a:p>
+            <a:pPr marL="0" marR="0" indent="0" algn="l" defTabSz="914400" rtl="0" eaLnBrk="1" fontAlgn="auto" latinLnBrk="0" hangingPunct="1">
+              <a:lnSpc>
+                <a:spcPct val="100000"/>
+              </a:lnSpc>
+              <a:spcBef>
+                <a:spcPts val="0"/>
+              </a:spcBef>
+              <a:spcAft>
+                <a:spcPts val="0"/>
+              </a:spcAft>
+              <a:buClrTx/>
+              <a:buSzTx/>
+              <a:buFontTx/>
+              <a:buNone/>
+              <a:tabLst/>
+              <a:defRPr/>
+            </a:pPr>
+            <a:r>
+              <a:rPr lang="en-US" altLang="zh-CN" dirty="0" smtClean="0"/>
+              <a:t>http://my.oschina.net/jack230230/blog/153054 </a:t>
+            </a:r>
+          </a:p>
+          <a:p>
+            <a:endParaRPr lang="en-US" altLang="zh-CN" dirty="0" smtClean="0">
+              <a:hlinkClick r:id="rId3"/>
+            </a:endParaRPr>
+          </a:p>
+          <a:p>
             <a:r>
               <a:rPr lang="en-US" altLang="zh-CN" dirty="0" smtClean="0">
                 <a:hlinkClick r:id="rId3"/>
@@ -7437,12 +7944,6 @@
           </a:p>
           <a:p>
             <a:endParaRPr lang="en-US" altLang="zh-CN" dirty="0" smtClean="0"/>
-          </a:p>
-          <a:p>
-            <a:r>
-              <a:rPr lang="en-US" altLang="zh-CN" dirty="0" smtClean="0"/>
-              <a:t>http://my.oschina.net/jack230230/blog/153054 </a:t>
-            </a:r>
           </a:p>
           <a:p>
             <a:endParaRPr lang="zh-CN" altLang="en-US" dirty="0"/>
@@ -7476,6 +7977,412 @@
     <p:extLst>
       <p:ext uri="{BB962C8B-B14F-4D97-AF65-F5344CB8AC3E}">
         <p14:creationId xmlns:p14="http://schemas.microsoft.com/office/powerpoint/2010/main" val="1417356008"/>
+      </p:ext>
+    </p:extLst>
+  </p:cSld>
+  <p:clrMapOvr>
+    <a:masterClrMapping/>
+  </p:clrMapOvr>
+</p:notes>
+</file>
+
+<file path=ppt/notesSlides/notesSlide50.xml><?xml version="1.0" encoding="utf-8"?>
+<p:notes xmlns:a="http://schemas.openxmlformats.org/drawingml/2006/main" xmlns:r="http://schemas.openxmlformats.org/officeDocument/2006/relationships" xmlns:p="http://schemas.openxmlformats.org/presentationml/2006/main">
+  <p:cSld>
+    <p:spTree>
+      <p:nvGrpSpPr>
+        <p:cNvPr id="1" name=""/>
+        <p:cNvGrpSpPr/>
+        <p:nvPr/>
+      </p:nvGrpSpPr>
+      <p:grpSpPr>
+        <a:xfrm>
+          <a:off x="0" y="0"/>
+          <a:ext cx="0" cy="0"/>
+          <a:chOff x="0" y="0"/>
+          <a:chExt cx="0" cy="0"/>
+        </a:xfrm>
+      </p:grpSpPr>
+      <p:sp>
+        <p:nvSpPr>
+          <p:cNvPr id="2" name="幻灯片图像占位符 1"/>
+          <p:cNvSpPr>
+            <a:spLocks noGrp="1" noRot="1" noChangeAspect="1"/>
+          </p:cNvSpPr>
+          <p:nvPr>
+            <p:ph type="sldImg"/>
+          </p:nvPr>
+        </p:nvSpPr>
+        <p:spPr/>
+      </p:sp>
+      <p:sp>
+        <p:nvSpPr>
+          <p:cNvPr id="3" name="备注占位符 2"/>
+          <p:cNvSpPr>
+            <a:spLocks noGrp="1"/>
+          </p:cNvSpPr>
+          <p:nvPr>
+            <p:ph type="body" idx="1"/>
+          </p:nvPr>
+        </p:nvSpPr>
+        <p:spPr/>
+        <p:txBody>
+          <a:bodyPr/>
+          <a:lstStyle/>
+          <a:p>
+            <a:r>
+              <a:rPr lang="zh-CN" altLang="en-US" dirty="0" smtClean="0"/>
+              <a:t>只要有第一个响应回来了，我就函数返回。</a:t>
+            </a:r>
+            <a:endParaRPr lang="en-US" altLang="zh-CN" dirty="0" smtClean="0"/>
+          </a:p>
+          <a:p>
+            <a:endParaRPr lang="zh-CN" altLang="en-US" dirty="0"/>
+          </a:p>
+        </p:txBody>
+      </p:sp>
+      <p:sp>
+        <p:nvSpPr>
+          <p:cNvPr id="4" name="灯片编号占位符 3"/>
+          <p:cNvSpPr>
+            <a:spLocks noGrp="1"/>
+          </p:cNvSpPr>
+          <p:nvPr>
+            <p:ph type="sldNum" sz="quarter" idx="10"/>
+          </p:nvPr>
+        </p:nvSpPr>
+        <p:spPr/>
+        <p:txBody>
+          <a:bodyPr/>
+          <a:lstStyle/>
+          <a:p>
+            <a:fld id="{6A9BE142-2C03-4C6B-9003-2CFDE146FDF8}" type="slidenum">
+              <a:rPr lang="zh-CN" altLang="en-US" smtClean="0"/>
+              <a:t>60</a:t>
+            </a:fld>
+            <a:endParaRPr lang="zh-CN" altLang="en-US"/>
+          </a:p>
+        </p:txBody>
+      </p:sp>
+    </p:spTree>
+    <p:extLst>
+      <p:ext uri="{BB962C8B-B14F-4D97-AF65-F5344CB8AC3E}">
+        <p14:creationId xmlns:p14="http://schemas.microsoft.com/office/powerpoint/2010/main" val="3110739406"/>
+      </p:ext>
+    </p:extLst>
+  </p:cSld>
+  <p:clrMapOvr>
+    <a:masterClrMapping/>
+  </p:clrMapOvr>
+</p:notes>
+</file>
+
+<file path=ppt/notesSlides/notesSlide51.xml><?xml version="1.0" encoding="utf-8"?>
+<p:notes xmlns:a="http://schemas.openxmlformats.org/drawingml/2006/main" xmlns:r="http://schemas.openxmlformats.org/officeDocument/2006/relationships" xmlns:p="http://schemas.openxmlformats.org/presentationml/2006/main">
+  <p:cSld>
+    <p:spTree>
+      <p:nvGrpSpPr>
+        <p:cNvPr id="1" name=""/>
+        <p:cNvGrpSpPr/>
+        <p:nvPr/>
+      </p:nvGrpSpPr>
+      <p:grpSpPr>
+        <a:xfrm>
+          <a:off x="0" y="0"/>
+          <a:ext cx="0" cy="0"/>
+          <a:chOff x="0" y="0"/>
+          <a:chExt cx="0" cy="0"/>
+        </a:xfrm>
+      </p:grpSpPr>
+      <p:sp>
+        <p:nvSpPr>
+          <p:cNvPr id="2" name="幻灯片图像占位符 1"/>
+          <p:cNvSpPr>
+            <a:spLocks noGrp="1" noRot="1" noChangeAspect="1"/>
+          </p:cNvSpPr>
+          <p:nvPr>
+            <p:ph type="sldImg"/>
+          </p:nvPr>
+        </p:nvSpPr>
+        <p:spPr/>
+      </p:sp>
+      <p:sp>
+        <p:nvSpPr>
+          <p:cNvPr id="3" name="备注占位符 2"/>
+          <p:cNvSpPr>
+            <a:spLocks noGrp="1"/>
+          </p:cNvSpPr>
+          <p:nvPr>
+            <p:ph type="body" idx="1"/>
+          </p:nvPr>
+        </p:nvSpPr>
+        <p:spPr/>
+        <p:txBody>
+          <a:bodyPr/>
+          <a:lstStyle/>
+          <a:p>
+            <a:r>
+              <a:rPr lang="en-US" altLang="zh-CN" dirty="0" smtClean="0"/>
+              <a:t>conns </a:t>
+            </a:r>
+            <a:r>
+              <a:rPr lang="zh-CN" altLang="en-US" dirty="0" smtClean="0"/>
+              <a:t>多个数据库的连接字符串。</a:t>
+            </a:r>
+            <a:endParaRPr lang="en-US" altLang="zh-CN" dirty="0" smtClean="0"/>
+          </a:p>
+          <a:p>
+            <a:endParaRPr lang="en-US" altLang="zh-CN" dirty="0" smtClean="0"/>
+          </a:p>
+          <a:p>
+            <a:r>
+              <a:rPr lang="en-US" altLang="zh-CN" dirty="0" smtClean="0"/>
+              <a:t>for </a:t>
+            </a:r>
+            <a:r>
+              <a:rPr lang="en-US" altLang="zh-CN" dirty="0" err="1" smtClean="0"/>
+              <a:t>len</a:t>
+            </a:r>
+            <a:r>
+              <a:rPr lang="zh-CN" altLang="en-US" dirty="0" smtClean="0"/>
+              <a:t>（</a:t>
+            </a:r>
+            <a:r>
+              <a:rPr lang="en-US" altLang="zh-CN" dirty="0" smtClean="0"/>
+              <a:t>conns</a:t>
+            </a:r>
+            <a:r>
+              <a:rPr lang="zh-CN" altLang="en-US" dirty="0" smtClean="0"/>
+              <a:t>）</a:t>
+            </a:r>
+            <a:endParaRPr lang="en-US" altLang="zh-CN" dirty="0" smtClean="0"/>
+          </a:p>
+          <a:p>
+            <a:endParaRPr lang="zh-CN" altLang="en-US" dirty="0"/>
+          </a:p>
+        </p:txBody>
+      </p:sp>
+      <p:sp>
+        <p:nvSpPr>
+          <p:cNvPr id="4" name="灯片编号占位符 3"/>
+          <p:cNvSpPr>
+            <a:spLocks noGrp="1"/>
+          </p:cNvSpPr>
+          <p:nvPr>
+            <p:ph type="sldNum" sz="quarter" idx="10"/>
+          </p:nvPr>
+        </p:nvSpPr>
+        <p:spPr/>
+        <p:txBody>
+          <a:bodyPr/>
+          <a:lstStyle/>
+          <a:p>
+            <a:fld id="{6A9BE142-2C03-4C6B-9003-2CFDE146FDF8}" type="slidenum">
+              <a:rPr lang="zh-CN" altLang="en-US" smtClean="0"/>
+              <a:t>61</a:t>
+            </a:fld>
+            <a:endParaRPr lang="zh-CN" altLang="en-US"/>
+          </a:p>
+        </p:txBody>
+      </p:sp>
+    </p:spTree>
+    <p:extLst>
+      <p:ext uri="{BB962C8B-B14F-4D97-AF65-F5344CB8AC3E}">
+        <p14:creationId xmlns:p14="http://schemas.microsoft.com/office/powerpoint/2010/main" val="396602088"/>
+      </p:ext>
+    </p:extLst>
+  </p:cSld>
+  <p:clrMapOvr>
+    <a:masterClrMapping/>
+  </p:clrMapOvr>
+</p:notes>
+</file>
+
+<file path=ppt/notesSlides/notesSlide52.xml><?xml version="1.0" encoding="utf-8"?>
+<p:notes xmlns:a="http://schemas.openxmlformats.org/drawingml/2006/main" xmlns:r="http://schemas.openxmlformats.org/officeDocument/2006/relationships" xmlns:p="http://schemas.openxmlformats.org/presentationml/2006/main">
+  <p:cSld>
+    <p:spTree>
+      <p:nvGrpSpPr>
+        <p:cNvPr id="1" name=""/>
+        <p:cNvGrpSpPr/>
+        <p:nvPr/>
+      </p:nvGrpSpPr>
+      <p:grpSpPr>
+        <a:xfrm>
+          <a:off x="0" y="0"/>
+          <a:ext cx="0" cy="0"/>
+          <a:chOff x="0" y="0"/>
+          <a:chExt cx="0" cy="0"/>
+        </a:xfrm>
+      </p:grpSpPr>
+      <p:sp>
+        <p:nvSpPr>
+          <p:cNvPr id="2" name="幻灯片图像占位符 1"/>
+          <p:cNvSpPr>
+            <a:spLocks noGrp="1" noRot="1" noChangeAspect="1"/>
+          </p:cNvSpPr>
+          <p:nvPr>
+            <p:ph type="sldImg"/>
+          </p:nvPr>
+        </p:nvSpPr>
+        <p:spPr/>
+      </p:sp>
+      <p:sp>
+        <p:nvSpPr>
+          <p:cNvPr id="3" name="备注占位符 2"/>
+          <p:cNvSpPr>
+            <a:spLocks noGrp="1"/>
+          </p:cNvSpPr>
+          <p:nvPr>
+            <p:ph type="body" idx="1"/>
+          </p:nvPr>
+        </p:nvSpPr>
+        <p:spPr/>
+        <p:txBody>
+          <a:bodyPr/>
+          <a:lstStyle/>
+          <a:p>
+            <a:r>
+              <a:rPr lang="zh-CN" altLang="en-US" dirty="0" smtClean="0"/>
+              <a:t>先做到并发，其他都好说。</a:t>
+            </a:r>
+            <a:endParaRPr lang="en-US" altLang="zh-CN" dirty="0" smtClean="0"/>
+          </a:p>
+          <a:p>
+            <a:r>
+              <a:rPr lang="zh-CN" altLang="en-US" dirty="0" smtClean="0"/>
+              <a:t>拆分成轻量级可并发的函数（任务）</a:t>
+            </a:r>
+            <a:endParaRPr lang="en-US" altLang="zh-CN" dirty="0" smtClean="0"/>
+          </a:p>
+          <a:p>
+            <a:endParaRPr lang="zh-CN" altLang="en-US" dirty="0"/>
+          </a:p>
+        </p:txBody>
+      </p:sp>
+      <p:sp>
+        <p:nvSpPr>
+          <p:cNvPr id="4" name="灯片编号占位符 3"/>
+          <p:cNvSpPr>
+            <a:spLocks noGrp="1"/>
+          </p:cNvSpPr>
+          <p:nvPr>
+            <p:ph type="sldNum" sz="quarter" idx="10"/>
+          </p:nvPr>
+        </p:nvSpPr>
+        <p:spPr/>
+        <p:txBody>
+          <a:bodyPr/>
+          <a:lstStyle/>
+          <a:p>
+            <a:fld id="{6A9BE142-2C03-4C6B-9003-2CFDE146FDF8}" type="slidenum">
+              <a:rPr lang="zh-CN" altLang="en-US" smtClean="0"/>
+              <a:t>62</a:t>
+            </a:fld>
+            <a:endParaRPr lang="zh-CN" altLang="en-US"/>
+          </a:p>
+        </p:txBody>
+      </p:sp>
+    </p:spTree>
+    <p:extLst>
+      <p:ext uri="{BB962C8B-B14F-4D97-AF65-F5344CB8AC3E}">
+        <p14:creationId xmlns:p14="http://schemas.microsoft.com/office/powerpoint/2010/main" val="4023083797"/>
+      </p:ext>
+    </p:extLst>
+  </p:cSld>
+  <p:clrMapOvr>
+    <a:masterClrMapping/>
+  </p:clrMapOvr>
+</p:notes>
+</file>
+
+<file path=ppt/notesSlides/notesSlide53.xml><?xml version="1.0" encoding="utf-8"?>
+<p:notes xmlns:a="http://schemas.openxmlformats.org/drawingml/2006/main" xmlns:r="http://schemas.openxmlformats.org/officeDocument/2006/relationships" xmlns:p="http://schemas.openxmlformats.org/presentationml/2006/main">
+  <p:cSld>
+    <p:spTree>
+      <p:nvGrpSpPr>
+        <p:cNvPr id="1" name=""/>
+        <p:cNvGrpSpPr/>
+        <p:nvPr/>
+      </p:nvGrpSpPr>
+      <p:grpSpPr>
+        <a:xfrm>
+          <a:off x="0" y="0"/>
+          <a:ext cx="0" cy="0"/>
+          <a:chOff x="0" y="0"/>
+          <a:chExt cx="0" cy="0"/>
+        </a:xfrm>
+      </p:grpSpPr>
+      <p:sp>
+        <p:nvSpPr>
+          <p:cNvPr id="2" name="幻灯片图像占位符 1"/>
+          <p:cNvSpPr>
+            <a:spLocks noGrp="1" noRot="1" noChangeAspect="1"/>
+          </p:cNvSpPr>
+          <p:nvPr>
+            <p:ph type="sldImg"/>
+          </p:nvPr>
+        </p:nvSpPr>
+        <p:spPr/>
+      </p:sp>
+      <p:sp>
+        <p:nvSpPr>
+          <p:cNvPr id="3" name="备注占位符 2"/>
+          <p:cNvSpPr>
+            <a:spLocks noGrp="1"/>
+          </p:cNvSpPr>
+          <p:nvPr>
+            <p:ph type="body" idx="1"/>
+          </p:nvPr>
+        </p:nvSpPr>
+        <p:spPr/>
+        <p:txBody>
+          <a:bodyPr/>
+          <a:lstStyle/>
+          <a:p>
+            <a:r>
+              <a:rPr lang="en-US" altLang="zh-CN" dirty="0" smtClean="0">
+                <a:hlinkClick r:id="rId3"/>
+              </a:rPr>
+              <a:t>http://www.zhihu.com/question/20584476</a:t>
+            </a:r>
+            <a:endParaRPr lang="en-US" altLang="zh-CN" dirty="0" smtClean="0"/>
+          </a:p>
+          <a:p>
+            <a:endParaRPr lang="en-US" altLang="zh-CN" dirty="0" smtClean="0"/>
+          </a:p>
+          <a:p>
+            <a:endParaRPr lang="zh-CN" altLang="en-US" dirty="0"/>
+          </a:p>
+        </p:txBody>
+      </p:sp>
+      <p:sp>
+        <p:nvSpPr>
+          <p:cNvPr id="4" name="灯片编号占位符 3"/>
+          <p:cNvSpPr>
+            <a:spLocks noGrp="1"/>
+          </p:cNvSpPr>
+          <p:nvPr>
+            <p:ph type="sldNum" sz="quarter" idx="10"/>
+          </p:nvPr>
+        </p:nvSpPr>
+        <p:spPr/>
+        <p:txBody>
+          <a:bodyPr/>
+          <a:lstStyle/>
+          <a:p>
+            <a:fld id="{3CC2566A-E84E-420E-B996-FBD9ED0A4505}" type="slidenum">
+              <a:rPr lang="zh-CN" altLang="en-US" smtClean="0"/>
+              <a:t>64</a:t>
+            </a:fld>
+            <a:endParaRPr lang="zh-CN" altLang="en-US"/>
+          </a:p>
+        </p:txBody>
+      </p:sp>
+    </p:spTree>
+    <p:extLst>
+      <p:ext uri="{BB962C8B-B14F-4D97-AF65-F5344CB8AC3E}">
+        <p14:creationId xmlns:p14="http://schemas.microsoft.com/office/powerpoint/2010/main" val="533233286"/>
       </p:ext>
     </p:extLst>
   </p:cSld>
@@ -7590,11 +8497,7 @@
           <a:p>
             <a:r>
               <a:rPr lang="zh-CN" altLang="en-US" dirty="0" smtClean="0"/>
-              <a:t>职业规划， 面的很多事情时，如何才能提高效率。 尤其是技术人员头疼的不想思路被打断的问题</a:t>
-            </a:r>
-            <a:r>
-              <a:rPr lang="zh-CN" altLang="en-US" dirty="0" smtClean="0"/>
-              <a:t>。</a:t>
+              <a:t>职业规划， 面的很多事情时，如何才能提高效率。 尤其是技术人员头疼的不想思路被打断的问题。</a:t>
             </a:r>
             <a:endParaRPr lang="en-US" altLang="zh-CN" dirty="0" smtClean="0"/>
           </a:p>
@@ -7726,6 +8629,46 @@
             </a:r>
           </a:p>
           <a:p>
+            <a:r>
+              <a:rPr lang="en-US" altLang="zh-CN" dirty="0" smtClean="0"/>
+              <a:t>1</a:t>
+            </a:r>
+            <a:r>
+              <a:rPr lang="zh-CN" altLang="en-US" dirty="0" smtClean="0"/>
+              <a:t>、竞争资源、锁</a:t>
+            </a:r>
+            <a:endParaRPr lang="en-US" altLang="zh-CN" dirty="0" smtClean="0"/>
+          </a:p>
+          <a:p>
+            <a:r>
+              <a:rPr lang="en-US" altLang="zh-CN" dirty="0" smtClean="0"/>
+              <a:t>2</a:t>
+            </a:r>
+            <a:r>
+              <a:rPr lang="zh-CN" altLang="en-US" dirty="0" smtClean="0"/>
+              <a:t>、切换协程</a:t>
+            </a:r>
+            <a:endParaRPr lang="en-US" altLang="zh-CN" dirty="0" smtClean="0"/>
+          </a:p>
+          <a:p>
+            <a:endParaRPr lang="en-US" altLang="zh-CN" dirty="0" smtClean="0"/>
+          </a:p>
+          <a:p>
+            <a:r>
+              <a:rPr lang="en-US" altLang="zh-CN" dirty="0" smtClean="0"/>
+              <a:t>Go</a:t>
+            </a:r>
+            <a:r>
+              <a:rPr lang="zh-CN" altLang="en-US" dirty="0" smtClean="0"/>
+              <a:t>语言的协程并发很酷，</a:t>
+            </a:r>
+            <a:r>
+              <a:rPr lang="zh-CN" altLang="en-US" baseline="0" dirty="0" smtClean="0"/>
+              <a:t> 我程序并行了？</a:t>
+            </a:r>
+            <a:endParaRPr lang="en-US" altLang="zh-CN" dirty="0" smtClean="0"/>
+          </a:p>
+          <a:p>
             <a:endParaRPr lang="en-US" altLang="zh-CN" dirty="0" smtClean="0"/>
           </a:p>
           <a:p>
@@ -8084,37 +9027,8 @@
           <a:lstStyle/>
           <a:p>
             <a:r>
-              <a:rPr lang="en-US" altLang="zh-CN" dirty="0" smtClean="0">
-                <a:hlinkClick r:id="rId3"/>
-              </a:rPr>
-              <a:t>http://www.aqee.net/defining-concurrency-and-parallelism</a:t>
-            </a:r>
-            <a:r>
-              <a:rPr lang="en-US" altLang="zh-CN" dirty="0" smtClean="0">
-                <a:hlinkClick r:id="rId3"/>
-              </a:rPr>
-              <a:t>/</a:t>
-            </a:r>
-            <a:r>
-              <a:rPr lang="en-US" altLang="zh-CN" dirty="0" smtClean="0"/>
-              <a:t> </a:t>
-            </a:r>
-          </a:p>
-          <a:p>
-            <a:endParaRPr lang="en-US" altLang="zh-CN" dirty="0" smtClean="0"/>
-          </a:p>
-          <a:p>
-            <a:r>
               <a:rPr lang="zh-CN" altLang="en-US" dirty="0" smtClean="0"/>
-              <a:t>并行，比如同时监控 </a:t>
-            </a:r>
-            <a:r>
-              <a:rPr lang="en-US" altLang="zh-CN" dirty="0" smtClean="0"/>
-              <a:t>1</a:t>
-            </a:r>
-            <a:r>
-              <a:rPr lang="zh-CN" altLang="en-US" dirty="0" smtClean="0"/>
-              <a:t>万台服务器的状况。</a:t>
+              <a:t>你并发的干多件事情。</a:t>
             </a:r>
             <a:endParaRPr lang="zh-CN" altLang="en-US" dirty="0"/>
           </a:p>
@@ -8137,7 +9051,7 @@
           <a:p>
             <a:fld id="{6A9BE142-2C03-4C6B-9003-2CFDE146FDF8}" type="slidenum">
               <a:rPr lang="zh-CN" altLang="en-US" smtClean="0"/>
-              <a:t>12</a:t>
+              <a:t>8</a:t>
             </a:fld>
             <a:endParaRPr lang="zh-CN" altLang="en-US"/>
           </a:p>
@@ -8146,7 +9060,7 @@
     </p:spTree>
     <p:extLst>
       <p:ext uri="{BB962C8B-B14F-4D97-AF65-F5344CB8AC3E}">
-        <p14:creationId xmlns:p14="http://schemas.microsoft.com/office/powerpoint/2010/main" val="1776819385"/>
+        <p14:creationId xmlns:p14="http://schemas.microsoft.com/office/powerpoint/2010/main" val="4108450366"/>
       </p:ext>
     </p:extLst>
   </p:cSld>
@@ -8201,41 +9115,9 @@
           <a:lstStyle/>
           <a:p>
             <a:r>
-              <a:rPr lang="en-US" altLang="zh-CN" dirty="0" smtClean="0"/>
-              <a:t>Sequential Programs   </a:t>
-            </a:r>
-            <a:r>
               <a:rPr lang="zh-CN" altLang="en-US" dirty="0" smtClean="0"/>
-              <a:t>顺序执行</a:t>
-            </a:r>
-            <a:endParaRPr lang="en-US" altLang="zh-CN" dirty="0" smtClean="0"/>
-          </a:p>
-          <a:p>
-            <a:r>
-              <a:rPr lang="en-US" altLang="zh-CN" dirty="0" smtClean="0"/>
-              <a:t>Concurrent Programs  </a:t>
-            </a:r>
-            <a:r>
-              <a:rPr lang="zh-CN" altLang="en-US" dirty="0" smtClean="0"/>
-              <a:t>并发</a:t>
-            </a:r>
-            <a:endParaRPr lang="en-US" altLang="zh-CN" dirty="0" smtClean="0"/>
-          </a:p>
-          <a:p>
-            <a:r>
-              <a:rPr lang="en-US" altLang="zh-CN" dirty="0" smtClean="0"/>
-              <a:t>Parallel Programs         </a:t>
-            </a:r>
-            <a:r>
-              <a:rPr lang="zh-CN" altLang="en-US" dirty="0" smtClean="0"/>
-              <a:t>并行执行</a:t>
-            </a:r>
-            <a:r>
-              <a:rPr lang="en-US" altLang="zh-CN" dirty="0" smtClean="0"/>
-              <a:t> </a:t>
-            </a:r>
-          </a:p>
-          <a:p>
+              <a:t>多个人同时干某件相关的事情。</a:t>
+            </a:r>
             <a:endParaRPr lang="zh-CN" altLang="en-US" dirty="0"/>
           </a:p>
         </p:txBody>
@@ -8257,7 +9139,7 @@
           <a:p>
             <a:fld id="{6A9BE142-2C03-4C6B-9003-2CFDE146FDF8}" type="slidenum">
               <a:rPr lang="zh-CN" altLang="en-US" smtClean="0"/>
-              <a:t>13</a:t>
+              <a:t>9</a:t>
             </a:fld>
             <a:endParaRPr lang="zh-CN" altLang="en-US"/>
           </a:p>
@@ -8266,7 +9148,7 @@
     </p:spTree>
     <p:extLst>
       <p:ext uri="{BB962C8B-B14F-4D97-AF65-F5344CB8AC3E}">
-        <p14:creationId xmlns:p14="http://schemas.microsoft.com/office/powerpoint/2010/main" val="4275572592"/>
+        <p14:creationId xmlns:p14="http://schemas.microsoft.com/office/powerpoint/2010/main" val="719882069"/>
       </p:ext>
     </p:extLst>
   </p:cSld>
@@ -8483,7 +9365,7 @@
           <a:p>
             <a:fld id="{78EAE8B2-A1E4-4545-9667-1017E13BC612}" type="datetimeFigureOut">
               <a:rPr lang="zh-CN" altLang="en-US" smtClean="0"/>
-              <a:t>2014/1/24</a:t>
+              <a:t>2014/12/27</a:t>
             </a:fld>
             <a:endParaRPr lang="zh-CN" altLang="en-US"/>
           </a:p>
@@ -8677,7 +9559,7 @@
           <a:p>
             <a:fld id="{78EAE8B2-A1E4-4545-9667-1017E13BC612}" type="datetimeFigureOut">
               <a:rPr lang="zh-CN" altLang="en-US" smtClean="0"/>
-              <a:t>2014/1/24</a:t>
+              <a:t>2014/12/27</a:t>
             </a:fld>
             <a:endParaRPr lang="zh-CN" altLang="en-US"/>
           </a:p>
@@ -8865,7 +9747,7 @@
           <a:p>
             <a:fld id="{78EAE8B2-A1E4-4545-9667-1017E13BC612}" type="datetimeFigureOut">
               <a:rPr lang="zh-CN" altLang="en-US" smtClean="0"/>
-              <a:t>2014/1/24</a:t>
+              <a:t>2014/12/27</a:t>
             </a:fld>
             <a:endParaRPr lang="zh-CN" altLang="en-US"/>
           </a:p>
@@ -9094,7 +9976,7 @@
           <a:p>
             <a:fld id="{78EAE8B2-A1E4-4545-9667-1017E13BC612}" type="datetimeFigureOut">
               <a:rPr lang="zh-CN" altLang="en-US" smtClean="0"/>
-              <a:t>2014/1/24</a:t>
+              <a:t>2014/12/27</a:t>
             </a:fld>
             <a:endParaRPr lang="zh-CN" altLang="en-US"/>
           </a:p>
@@ -9375,7 +10257,7 @@
           <a:p>
             <a:fld id="{78EAE8B2-A1E4-4545-9667-1017E13BC612}" type="datetimeFigureOut">
               <a:rPr lang="zh-CN" altLang="en-US" smtClean="0"/>
-              <a:t>2014/1/24</a:t>
+              <a:t>2014/12/27</a:t>
             </a:fld>
             <a:endParaRPr lang="zh-CN" altLang="en-US"/>
           </a:p>
@@ -9663,7 +10545,7 @@
           <a:p>
             <a:fld id="{78EAE8B2-A1E4-4545-9667-1017E13BC612}" type="datetimeFigureOut">
               <a:rPr lang="zh-CN" altLang="en-US" smtClean="0"/>
-              <a:t>2014/1/24</a:t>
+              <a:t>2014/12/27</a:t>
             </a:fld>
             <a:endParaRPr lang="zh-CN" altLang="en-US"/>
           </a:p>
@@ -10217,7 +11099,7 @@
           <a:p>
             <a:fld id="{78EAE8B2-A1E4-4545-9667-1017E13BC612}" type="datetimeFigureOut">
               <a:rPr lang="zh-CN" altLang="en-US" smtClean="0"/>
-              <a:t>2014/1/24</a:t>
+              <a:t>2014/12/27</a:t>
             </a:fld>
             <a:endParaRPr lang="zh-CN" altLang="en-US"/>
           </a:p>
@@ -10348,7 +11230,7 @@
           <a:p>
             <a:fld id="{78EAE8B2-A1E4-4545-9667-1017E13BC612}" type="datetimeFigureOut">
               <a:rPr lang="zh-CN" altLang="en-US" smtClean="0"/>
-              <a:t>2014/1/24</a:t>
+              <a:t>2014/12/27</a:t>
             </a:fld>
             <a:endParaRPr lang="zh-CN" altLang="en-US"/>
           </a:p>
@@ -10498,7 +11380,7 @@
           <a:p>
             <a:fld id="{78EAE8B2-A1E4-4545-9667-1017E13BC612}" type="datetimeFigureOut">
               <a:rPr lang="zh-CN" altLang="en-US" smtClean="0"/>
-              <a:t>2014/1/24</a:t>
+              <a:t>2014/12/27</a:t>
             </a:fld>
             <a:endParaRPr lang="zh-CN" altLang="en-US"/>
           </a:p>
@@ -10819,7 +11701,7 @@
           <a:p>
             <a:fld id="{78EAE8B2-A1E4-4545-9667-1017E13BC612}" type="datetimeFigureOut">
               <a:rPr lang="zh-CN" altLang="en-US" smtClean="0"/>
-              <a:t>2014/1/24</a:t>
+              <a:t>2014/12/27</a:t>
             </a:fld>
             <a:endParaRPr lang="zh-CN" altLang="en-US"/>
           </a:p>
@@ -11116,7 +11998,7 @@
           <a:p>
             <a:fld id="{78EAE8B2-A1E4-4545-9667-1017E13BC612}" type="datetimeFigureOut">
               <a:rPr lang="zh-CN" altLang="en-US" smtClean="0"/>
-              <a:t>2014/1/24</a:t>
+              <a:t>2014/12/27</a:t>
             </a:fld>
             <a:endParaRPr lang="zh-CN" altLang="en-US"/>
           </a:p>
@@ -11361,7 +12243,7 @@
           <a:p>
             <a:fld id="{78EAE8B2-A1E4-4545-9667-1017E13BC612}" type="datetimeFigureOut">
               <a:rPr lang="zh-CN" altLang="en-US" smtClean="0"/>
-              <a:t>2014/1/24</a:t>
+              <a:t>2014/12/27</a:t>
             </a:fld>
             <a:endParaRPr lang="zh-CN" altLang="en-US"/>
           </a:p>
@@ -12311,7 +13193,47 @@
             </a:r>
             <a:r>
               <a:rPr lang="zh-CN" altLang="en-US" sz="1400" dirty="0"/>
-              <a:t>你（代表资源）在公司打工，老板为了最大化压榨你，会给你各种活儿干（代表任务），让你别闲下来；这时候你是在并发工作的，但你不可能同时做两个活儿，只能一个一个的干（早期的批处理系统），或者把每个活儿分解成一个一个关联度不高的小活儿，交替着干（现代的分时系统）</a:t>
+              <a:t>你（代表资源）在公司打工，老板为了最大化压榨你，会给你各种活儿干（代表任务），让你别闲下来；这时候你是在并发工作的，但你不可能同时做两个活儿</a:t>
+            </a:r>
+            <a:r>
+              <a:rPr lang="zh-CN" altLang="en-US" sz="1400" dirty="0" smtClean="0"/>
+              <a:t>，</a:t>
+            </a:r>
+            <a:endParaRPr lang="en-US" altLang="zh-CN" sz="1400" dirty="0" smtClean="0"/>
+          </a:p>
+          <a:p>
+            <a:pPr lvl="2" fontAlgn="base">
+              <a:lnSpc>
+                <a:spcPct val="170000"/>
+              </a:lnSpc>
+            </a:pPr>
+            <a:r>
+              <a:rPr lang="zh-CN" altLang="en-US" sz="1100" dirty="0" smtClean="0"/>
+              <a:t>只能</a:t>
+            </a:r>
+            <a:r>
+              <a:rPr lang="zh-CN" altLang="en-US" sz="1100" dirty="0"/>
+              <a:t>一个一个的干（早期的批处理系统</a:t>
+            </a:r>
+            <a:r>
+              <a:rPr lang="zh-CN" altLang="en-US" sz="1100" dirty="0" smtClean="0"/>
+              <a:t>），</a:t>
+            </a:r>
+            <a:endParaRPr lang="en-US" altLang="zh-CN" sz="1100" dirty="0" smtClean="0"/>
+          </a:p>
+          <a:p>
+            <a:pPr lvl="2" fontAlgn="base">
+              <a:lnSpc>
+                <a:spcPct val="170000"/>
+              </a:lnSpc>
+            </a:pPr>
+            <a:r>
+              <a:rPr lang="zh-CN" altLang="en-US" sz="1100" dirty="0" smtClean="0"/>
+              <a:t>或者</a:t>
+            </a:r>
+            <a:r>
+              <a:rPr lang="zh-CN" altLang="en-US" sz="1100" dirty="0"/>
+              <a:t>把每个活儿分解成一个一个关联度不高的小活儿，交替着干（现代的分时系统）</a:t>
             </a:r>
           </a:p>
           <a:p>
@@ -12330,7 +13252,7 @@
                   <a:srgbClr val="FFFF00"/>
                 </a:solidFill>
               </a:rPr>
-              <a:t>一个任务被分解给多个执行者同时做，缩短这个任务的完成</a:t>
+              <a:t>一个任务被分解给多个执行者同时</a:t>
             </a:r>
             <a:r>
               <a:rPr lang="zh-CN" altLang="en-US" sz="1600" dirty="0" smtClean="0">
@@ -12338,7 +13260,7 @@
                   <a:srgbClr val="FFFF00"/>
                 </a:solidFill>
               </a:rPr>
-              <a:t>时间（执行）</a:t>
+              <a:t>做（执行）</a:t>
             </a:r>
             <a:r>
               <a:rPr lang="zh-CN" altLang="en-US" sz="1600" dirty="0" smtClean="0"/>
@@ -13021,7 +13943,93 @@
             </a:pPr>
             <a:r>
               <a:rPr lang="zh-CN" altLang="en-US" dirty="0"/>
-              <a:t>概念太抽象。我们来点具体的。</a:t>
+              <a:t>概念太抽象。我们来点具体的</a:t>
+            </a:r>
+            <a:r>
+              <a:rPr lang="zh-CN" altLang="en-US" dirty="0" smtClean="0"/>
+              <a:t>。</a:t>
+            </a:r>
+            <a:endParaRPr lang="en-US" altLang="zh-CN" dirty="0" smtClean="0"/>
+          </a:p>
+          <a:p>
+            <a:pPr lvl="1">
+              <a:lnSpc>
+                <a:spcPct val="160000"/>
+              </a:lnSpc>
+            </a:pPr>
+            <a:r>
+              <a:rPr lang="zh-CN" altLang="en-US" dirty="0"/>
+              <a:t>书堆 </a:t>
+            </a:r>
+            <a:r>
+              <a:rPr lang="en-US" altLang="zh-CN" dirty="0"/>
+              <a:t>=&gt; Web</a:t>
+            </a:r>
+            <a:r>
+              <a:rPr lang="zh-CN" altLang="en-US" dirty="0"/>
+              <a:t>内容</a:t>
+            </a:r>
+          </a:p>
+          <a:p>
+            <a:pPr lvl="1">
+              <a:lnSpc>
+                <a:spcPct val="160000"/>
+              </a:lnSpc>
+            </a:pPr>
+            <a:r>
+              <a:rPr lang="zh-CN" altLang="en-US" dirty="0"/>
+              <a:t>地鼠 </a:t>
+            </a:r>
+            <a:r>
+              <a:rPr lang="en-US" altLang="zh-CN" dirty="0"/>
+              <a:t>=&gt; CPU</a:t>
+            </a:r>
+          </a:p>
+          <a:p>
+            <a:pPr lvl="1">
+              <a:lnSpc>
+                <a:spcPct val="160000"/>
+              </a:lnSpc>
+            </a:pPr>
+            <a:r>
+              <a:rPr lang="zh-CN" altLang="en-US" dirty="0"/>
+              <a:t>小推车 </a:t>
+            </a:r>
+            <a:r>
+              <a:rPr lang="en-US" altLang="zh-CN" dirty="0"/>
+              <a:t>=&gt; </a:t>
+            </a:r>
+            <a:r>
+              <a:rPr lang="zh-CN" altLang="en-US" dirty="0"/>
+              <a:t>调度，渲染或网络传输</a:t>
+            </a:r>
+          </a:p>
+          <a:p>
+            <a:pPr lvl="1">
+              <a:lnSpc>
+                <a:spcPct val="160000"/>
+              </a:lnSpc>
+            </a:pPr>
+            <a:r>
+              <a:rPr lang="zh-CN" altLang="en-US" dirty="0"/>
+              <a:t>焚烧炉 </a:t>
+            </a:r>
+            <a:r>
+              <a:rPr lang="en-US" altLang="zh-CN" dirty="0"/>
+              <a:t>=&gt; </a:t>
+            </a:r>
+            <a:r>
+              <a:rPr lang="zh-CN" altLang="en-US" dirty="0"/>
+              <a:t>代理，浏览器或其他消费源</a:t>
+            </a:r>
+          </a:p>
+          <a:p>
+            <a:pPr marL="0" indent="0">
+              <a:buNone/>
+            </a:pPr>
+            <a:r>
+              <a:rPr lang="zh-CN" altLang="en-US" dirty="0"/>
+              <a:t/>
             </a:r>
             <a:br>
               <a:rPr lang="zh-CN" altLang="en-US" dirty="0"/>
@@ -13919,7 +14927,7 @@
         <p:spPr>
           <a:xfrm>
             <a:off x="755576" y="6066744"/>
-            <a:ext cx="2723823" cy="369332"/>
+            <a:ext cx="2492990" cy="369332"/>
           </a:xfrm>
           <a:prstGeom prst="rect">
             <a:avLst/>
@@ -13933,11 +14941,19 @@
           <a:p>
             <a:r>
               <a:rPr lang="zh-CN" altLang="en-US" dirty="0"/>
-              <a:t>这样吞吐速度会快一倍</a:t>
+              <a:t>这样</a:t>
             </a:r>
             <a:r>
               <a:rPr lang="zh-CN" altLang="en-US" dirty="0" smtClean="0"/>
-              <a:t>。</a:t>
+              <a:t>吞吐量会</a:t>
+            </a:r>
+            <a:r>
+              <a:rPr lang="zh-CN" altLang="en-US" dirty="0"/>
+              <a:t>多</a:t>
+            </a:r>
+            <a:r>
+              <a:rPr lang="zh-CN" altLang="en-US" dirty="0" smtClean="0"/>
+              <a:t>一倍。</a:t>
             </a:r>
             <a:endParaRPr lang="en-US" altLang="zh-CN" dirty="0"/>
           </a:p>
@@ -14025,11 +15041,7 @@
             </a:pPr>
             <a:r>
               <a:rPr lang="zh-CN" altLang="en-US" dirty="0" smtClean="0"/>
-              <a:t>今天的</a:t>
-            </a:r>
-            <a:r>
-              <a:rPr lang="zh-CN" altLang="en-US" dirty="0" smtClean="0"/>
-              <a:t>情况（硬件）：</a:t>
+              <a:t>今天的情况（硬件）：</a:t>
             </a:r>
             <a:endParaRPr lang="en-US" altLang="zh-CN" dirty="0" smtClean="0"/>
           </a:p>
@@ -14040,12 +15052,12 @@
               </a:lnSpc>
             </a:pPr>
             <a:r>
-              <a:rPr lang="zh-CN" altLang="en-US" dirty="0"/>
-              <a:t>多</a:t>
+              <a:rPr lang="en-US" altLang="zh-CN" dirty="0" smtClean="0"/>
+              <a:t>CPU</a:t>
             </a:r>
             <a:r>
               <a:rPr lang="zh-CN" altLang="en-US" dirty="0" smtClean="0"/>
-              <a:t>核</a:t>
+              <a:t>从提升单核计算能力变成多核组合</a:t>
             </a:r>
             <a:endParaRPr lang="en-US" altLang="zh-CN" dirty="0" smtClean="0"/>
           </a:p>
@@ -14069,11 +15081,19 @@
             </a:pPr>
             <a:r>
               <a:rPr lang="zh-CN" altLang="en-US" dirty="0" smtClean="0"/>
-              <a:t>网络（移动网络）、</a:t>
-            </a:r>
-            <a:r>
-              <a:rPr lang="en-US" altLang="zh-CN" dirty="0" err="1" smtClean="0"/>
-              <a:t>io</a:t>
+              <a:t>网络（移动网络）</a:t>
+            </a:r>
+            <a:endParaRPr lang="en-US" altLang="zh-CN" dirty="0" smtClean="0"/>
+          </a:p>
+          <a:p>
+            <a:pPr lvl="1">
+              <a:lnSpc>
+                <a:spcPct val="150000"/>
+              </a:lnSpc>
+            </a:pPr>
+            <a:r>
+              <a:rPr lang="en-US" altLang="zh-CN" dirty="0" smtClean="0"/>
+              <a:t>IO</a:t>
             </a:r>
             <a:r>
               <a:rPr lang="zh-CN" altLang="en-US" dirty="0" smtClean="0"/>
@@ -14209,7 +15229,7 @@
         <p:spPr bwMode="auto">
           <a:xfrm>
             <a:off x="696416" y="1916833"/>
-            <a:ext cx="7620000" cy="3240360"/>
+            <a:ext cx="7620000" cy="2304255"/>
           </a:xfrm>
           <a:prstGeom prst="rect">
             <a:avLst/>
@@ -14234,8 +15254,8 @@
         </p:nvSpPr>
         <p:spPr>
           <a:xfrm>
-            <a:off x="683568" y="5157194"/>
-            <a:ext cx="7627214" cy="1343381"/>
+            <a:off x="683568" y="4365104"/>
+            <a:ext cx="7627214" cy="2169825"/>
           </a:xfrm>
           <a:prstGeom prst="rect">
             <a:avLst/>
@@ -14253,14 +15273,25 @@
               </a:lnSpc>
             </a:pPr>
             <a:r>
-              <a:rPr lang="zh-CN" altLang="en-US" sz="1400" dirty="0"/>
-              <a:t>现在的这种工作流程不能自动的实现并行</a:t>
-            </a:r>
-            <a:r>
-              <a:rPr lang="zh-CN" altLang="en-US" sz="1400" dirty="0" smtClean="0"/>
-              <a:t>！</a:t>
-            </a:r>
-            <a:endParaRPr lang="zh-CN" altLang="en-US" sz="1400" dirty="0"/>
+              <a:rPr lang="zh-CN" altLang="en-US" dirty="0"/>
+              <a:t>如果只有一只地鼠，这仍然是并发</a:t>
+            </a:r>
+            <a:r>
+              <a:rPr lang="en-US" altLang="zh-CN" dirty="0"/>
+              <a:t>(</a:t>
+            </a:r>
+            <a:r>
+              <a:rPr lang="zh-CN" altLang="en-US" dirty="0"/>
+              <a:t>就是目前的这种工作方式</a:t>
+            </a:r>
+            <a:r>
+              <a:rPr lang="en-US" altLang="zh-CN" dirty="0"/>
+              <a:t>)</a:t>
+            </a:r>
+            <a:r>
+              <a:rPr lang="zh-CN" altLang="en-US" dirty="0"/>
+              <a:t>，但它不是并行。</a:t>
+            </a:r>
           </a:p>
           <a:p>
             <a:pPr>
@@ -14269,38 +15300,42 @@
               </a:lnSpc>
             </a:pPr>
             <a:r>
-              <a:rPr lang="zh-CN" altLang="en-US" sz="1400" dirty="0"/>
-              <a:t>如果只有一只地</a:t>
-            </a:r>
-            <a:r>
-              <a:rPr lang="zh-CN" altLang="en-US" sz="1400" dirty="0" smtClean="0"/>
-              <a:t>鼠，这</a:t>
-            </a:r>
-            <a:r>
-              <a:rPr lang="zh-CN" altLang="en-US" sz="1400" dirty="0"/>
-              <a:t>仍然是并发</a:t>
-            </a:r>
-            <a:r>
-              <a:rPr lang="en-US" altLang="zh-CN" sz="1400" dirty="0"/>
+              <a:rPr lang="zh-CN" altLang="en-US" dirty="0" smtClean="0"/>
+              <a:t>现在</a:t>
+            </a:r>
+            <a:r>
+              <a:rPr lang="zh-CN" altLang="en-US" dirty="0"/>
+              <a:t>的这种工作</a:t>
+            </a:r>
+            <a:r>
+              <a:rPr lang="zh-CN" altLang="en-US" dirty="0" smtClean="0"/>
+              <a:t>流程</a:t>
+            </a:r>
+            <a:r>
+              <a:rPr lang="en-US" altLang="zh-CN" dirty="0" smtClean="0"/>
               <a:t>(</a:t>
             </a:r>
             <a:r>
-              <a:rPr lang="zh-CN" altLang="en-US" sz="1400" dirty="0"/>
-              <a:t>就是目前的这种工作方式</a:t>
-            </a:r>
-            <a:r>
-              <a:rPr lang="en-US" altLang="zh-CN" sz="1400" dirty="0"/>
+              <a:rPr lang="zh-CN" altLang="en-US" dirty="0" smtClean="0"/>
+              <a:t>全部扩容一倍</a:t>
+            </a:r>
+            <a:r>
+              <a:rPr lang="en-US" altLang="zh-CN" dirty="0" smtClean="0"/>
               <a:t>)</a:t>
             </a:r>
             <a:r>
-              <a:rPr lang="zh-CN" altLang="en-US" sz="1400" dirty="0"/>
-              <a:t>，但它不是并行</a:t>
-            </a:r>
-            <a:r>
-              <a:rPr lang="zh-CN" altLang="en-US" sz="1400" dirty="0" smtClean="0"/>
-              <a:t>。</a:t>
-            </a:r>
-            <a:endParaRPr lang="zh-CN" altLang="en-US" sz="1400" dirty="0"/>
+              <a:rPr lang="zh-CN" altLang="en-US" dirty="0" smtClean="0"/>
+              <a:t>不能</a:t>
+            </a:r>
+            <a:r>
+              <a:rPr lang="zh-CN" altLang="en-US" dirty="0"/>
+              <a:t>自动的实现并行</a:t>
+            </a:r>
+            <a:r>
+              <a:rPr lang="zh-CN" altLang="en-US" dirty="0" smtClean="0"/>
+              <a:t>！</a:t>
+            </a:r>
+            <a:endParaRPr lang="zh-CN" altLang="en-US" dirty="0"/>
           </a:p>
           <a:p>
             <a:pPr>
@@ -14309,14 +15344,18 @@
               </a:lnSpc>
             </a:pPr>
             <a:r>
-              <a:rPr lang="zh-CN" altLang="en-US" sz="1400" dirty="0"/>
-              <a:t>然而，它是可以并行的</a:t>
-            </a:r>
-            <a:r>
-              <a:rPr lang="zh-CN" altLang="en-US" sz="1400" dirty="0" smtClean="0"/>
+              <a:rPr lang="zh-CN" altLang="en-US" dirty="0" smtClean="0"/>
+              <a:t>然而</a:t>
+            </a:r>
+            <a:r>
+              <a:rPr lang="zh-CN" altLang="en-US" dirty="0"/>
+              <a:t>，它是可以并行的</a:t>
+            </a:r>
+            <a:r>
+              <a:rPr lang="zh-CN" altLang="en-US" dirty="0" smtClean="0"/>
               <a:t>！</a:t>
             </a:r>
-            <a:endParaRPr lang="zh-CN" altLang="en-US" sz="1400" dirty="0"/>
+            <a:endParaRPr lang="zh-CN" altLang="en-US" dirty="0"/>
           </a:p>
           <a:p>
             <a:pPr>
@@ -14325,7 +15364,7 @@
               </a:lnSpc>
             </a:pPr>
             <a:r>
-              <a:rPr lang="zh-CN" altLang="en-US" sz="1400" dirty="0"/>
+              <a:rPr lang="zh-CN" altLang="en-US" dirty="0"/>
               <a:t>需要设计出另外的工作流程来实现并发组合。</a:t>
             </a:r>
           </a:p>
@@ -14387,7 +15426,13 @@
               <a:rPr lang="zh-CN" altLang="en-US" dirty="0">
                 <a:effectLst/>
               </a:rPr>
-              <a:t>新的工作流程</a:t>
+              <a:t>新的工作</a:t>
+            </a:r>
+            <a:r>
+              <a:rPr lang="zh-CN" altLang="en-US" dirty="0" smtClean="0">
+                <a:effectLst/>
+              </a:rPr>
+              <a:t>流程（工作细分）</a:t>
             </a:r>
             <a:endParaRPr lang="zh-CN" altLang="en-US" dirty="0"/>
           </a:p>
@@ -15242,7 +16287,7 @@
         </p:blipFill>
         <p:spPr bwMode="auto">
           <a:xfrm>
-            <a:off x="539552" y="2348880"/>
+            <a:off x="696416" y="2276872"/>
             <a:ext cx="7620000" cy="4229101"/>
           </a:xfrm>
           <a:prstGeom prst="rect">
@@ -15515,7 +16560,7 @@
           <p:nvPr/>
         </p:nvPicPr>
         <p:blipFill>
-          <a:blip r:embed="rId2">
+          <a:blip r:embed="rId3">
             <a:extLst>
               <a:ext uri="{28A0092B-C50C-407E-A947-70E740481C1C}">
                 <a14:useLocalDpi xmlns:a14="http://schemas.microsoft.com/office/drawing/2010/main" val="0"/>
@@ -15764,7 +16809,7 @@
         </p:spPr>
         <p:txBody>
           <a:bodyPr>
-            <a:normAutofit fontScale="55000" lnSpcReduction="20000"/>
+            <a:normAutofit fontScale="47500" lnSpcReduction="20000"/>
           </a:bodyPr>
           <a:lstStyle/>
           <a:p>
@@ -15774,16 +16819,24 @@
               </a:lnSpc>
             </a:pPr>
             <a:r>
+              <a:rPr lang="en-US" altLang="zh-CN" dirty="0"/>
+              <a:t>c10k </a:t>
+            </a:r>
+            <a:r>
+              <a:rPr lang="zh-CN" altLang="en-US" dirty="0" smtClean="0"/>
+              <a:t>问题</a:t>
+            </a:r>
+            <a:endParaRPr lang="en-US" altLang="zh-CN" dirty="0" smtClean="0"/>
+          </a:p>
+          <a:p>
+            <a:pPr>
+              <a:lnSpc>
+                <a:spcPct val="150000"/>
+              </a:lnSpc>
+            </a:pPr>
+            <a:r>
               <a:rPr lang="zh-CN" altLang="en-US" dirty="0" smtClean="0"/>
               <a:t>线程和事件（同步和异步）之争，</a:t>
-            </a:r>
-            <a:r>
-              <a:rPr lang="en-US" altLang="zh-CN" dirty="0" smtClean="0"/>
-              <a:t>c10k </a:t>
-            </a:r>
-            <a:r>
-              <a:rPr lang="zh-CN" altLang="en-US" dirty="0" smtClean="0"/>
-              <a:t>问题</a:t>
             </a:r>
             <a:endParaRPr lang="en-US" altLang="zh-CN" dirty="0" smtClean="0"/>
           </a:p>
@@ -16256,7 +17309,19 @@
             </a:br>
             <a:r>
               <a:rPr lang="zh-CN" altLang="en-US" dirty="0"/>
-              <a:t>这都是并发设计。</a:t>
+              <a:t>这都是</a:t>
+            </a:r>
+            <a:r>
+              <a:rPr lang="zh-CN" altLang="en-US" dirty="0">
+                <a:solidFill>
+                  <a:srgbClr val="FFFF00"/>
+                </a:solidFill>
+              </a:rPr>
+              <a:t>并发设计</a:t>
+            </a:r>
+            <a:r>
+              <a:rPr lang="zh-CN" altLang="en-US" dirty="0"/>
+              <a:t>。</a:t>
             </a:r>
             <a:br>
               <a:rPr lang="zh-CN" altLang="en-US" dirty="0"/>
@@ -18289,7 +19354,15 @@
             </a:pPr>
             <a:r>
               <a:rPr lang="zh-CN" altLang="en-US" sz="2400" dirty="0"/>
-              <a:t>下面是一个非并发例子。</a:t>
+              <a:t>下面是一个非</a:t>
+            </a:r>
+            <a:r>
+              <a:rPr lang="zh-CN" altLang="en-US" sz="2400" dirty="0" smtClean="0"/>
+              <a:t>并发的闭包例子</a:t>
+            </a:r>
+            <a:r>
+              <a:rPr lang="zh-CN" altLang="en-US" sz="2400" dirty="0"/>
+              <a:t>。</a:t>
             </a:r>
           </a:p>
         </p:txBody>
@@ -18495,11 +19568,7 @@
             </a:pPr>
             <a:r>
               <a:rPr lang="zh-CN" altLang="en-US" dirty="0" smtClean="0"/>
-              <a:t>并发</a:t>
-            </a:r>
-            <a:r>
-              <a:rPr lang="zh-CN" altLang="en-US" dirty="0" smtClean="0"/>
-              <a:t>执行（轻量级线程） </a:t>
+              <a:t>并发执行（轻量级线程） </a:t>
             </a:r>
             <a:endParaRPr lang="en-US" altLang="zh-CN" dirty="0" smtClean="0"/>
           </a:p>
@@ -18511,11 +19580,7 @@
             </a:pPr>
             <a:r>
               <a:rPr lang="en-US" altLang="zh-CN" dirty="0" smtClean="0"/>
-              <a:t>concurrent </a:t>
-            </a:r>
-            <a:r>
-              <a:rPr lang="en-US" altLang="zh-CN" dirty="0"/>
-              <a:t>execution (</a:t>
+              <a:t>concurrent execution	 	      (</a:t>
             </a:r>
             <a:r>
               <a:rPr lang="en-US" altLang="zh-CN" dirty="0" err="1"/>
@@ -18550,7 +19615,15 @@
             </a:r>
             <a:r>
               <a:rPr lang="en-US" altLang="zh-CN" dirty="0"/>
-              <a:t>and messaging (channels)</a:t>
+              <a:t>and messaging </a:t>
+            </a:r>
+            <a:r>
+              <a:rPr lang="en-US" altLang="zh-CN" dirty="0" smtClean="0"/>
+              <a:t>	(</a:t>
+            </a:r>
+            <a:r>
+              <a:rPr lang="en-US" altLang="zh-CN" dirty="0"/>
+              <a:t>channels)</a:t>
             </a:r>
           </a:p>
           <a:p>
@@ -18577,7 +19650,15 @@
             </a:r>
             <a:r>
               <a:rPr lang="en-US" altLang="zh-CN" dirty="0"/>
-              <a:t>concurrent control (select)</a:t>
+              <a:t>concurrent control </a:t>
+            </a:r>
+            <a:r>
+              <a:rPr lang="en-US" altLang="zh-CN" dirty="0" smtClean="0"/>
+              <a:t>		(</a:t>
+            </a:r>
+            <a:r>
+              <a:rPr lang="en-US" altLang="zh-CN" dirty="0"/>
+              <a:t>select)</a:t>
             </a:r>
             <a:endParaRPr lang="zh-CN" altLang="en-US" dirty="0"/>
           </a:p>
@@ -24135,11 +25216,19 @@
               <a:buNone/>
             </a:pPr>
             <a:r>
-              <a:rPr lang="en-US" altLang="zh-CN" dirty="0"/>
+              <a:rPr lang="en-US" altLang="zh-CN" dirty="0">
+                <a:solidFill>
+                  <a:srgbClr val="FFFF00"/>
+                </a:solidFill>
+              </a:rPr>
               <a:t>CSP</a:t>
             </a:r>
             <a:r>
-              <a:rPr lang="zh-CN" altLang="en-US" dirty="0"/>
+              <a:rPr lang="zh-CN" altLang="en-US" dirty="0">
+                <a:solidFill>
+                  <a:srgbClr val="FFFF00"/>
+                </a:solidFill>
+              </a:rPr>
               <a:t>（“通过通信来共享内存，而非通过共享内存来通信”的原则）</a:t>
             </a:r>
           </a:p>

--- a/并发不等于并行/并发不等于并行.pptx
+++ b/并发不等于并行/并发不等于并行.pptx
@@ -172,7 +172,7 @@
   </p:defaultTextStyle>
   <p:extLst>
     <p:ext uri="{EFAFB233-063F-42B5-8137-9DF3F51BA10A}">
-      <p15:sldGuideLst xmlns="" xmlns:p15="http://schemas.microsoft.com/office/powerpoint/2012/main">
+      <p15:sldGuideLst xmlns:p15="http://schemas.microsoft.com/office/powerpoint/2012/main">
         <p15:guide id="1" orient="horz" pos="2160">
           <p15:clr>
             <a:srgbClr val="A4A3A4"/>
@@ -271,7 +271,7 @@
           <a:p>
             <a:fld id="{DA96316B-B2B6-45B9-9520-72FBFFB20CBA}" type="datetimeFigureOut">
               <a:rPr lang="zh-CN" altLang="en-US" smtClean="0"/>
-              <a:t>2014/12/27</a:t>
+              <a:t>15/12/25</a:t>
             </a:fld>
             <a:endParaRPr lang="zh-CN" altLang="en-US"/>
           </a:p>
@@ -7586,7 +7586,7 @@
               <a:defRPr/>
             </a:pPr>
             <a:r>
-              <a:rPr lang="zh-CN" altLang="en-US" sz="1200" smtClean="0">
+              <a:rPr lang="zh-CN" altLang="en-US" sz="1200" dirty="0" smtClean="0">
                 <a:latin typeface="Arial Black" panose="020B0A04020102020204" pitchFamily="34" charset="0"/>
               </a:rPr>
               <a:t>从队列中删掉它，并更新上去。确保它的信息被更新了。</a:t>
@@ -9365,7 +9365,7 @@
           <a:p>
             <a:fld id="{78EAE8B2-A1E4-4545-9667-1017E13BC612}" type="datetimeFigureOut">
               <a:rPr lang="zh-CN" altLang="en-US" smtClean="0"/>
-              <a:t>2014/12/27</a:t>
+              <a:t>15/12/25</a:t>
             </a:fld>
             <a:endParaRPr lang="zh-CN" altLang="en-US"/>
           </a:p>
@@ -9559,7 +9559,7 @@
           <a:p>
             <a:fld id="{78EAE8B2-A1E4-4545-9667-1017E13BC612}" type="datetimeFigureOut">
               <a:rPr lang="zh-CN" altLang="en-US" smtClean="0"/>
-              <a:t>2014/12/27</a:t>
+              <a:t>15/12/25</a:t>
             </a:fld>
             <a:endParaRPr lang="zh-CN" altLang="en-US"/>
           </a:p>
@@ -9747,7 +9747,7 @@
           <a:p>
             <a:fld id="{78EAE8B2-A1E4-4545-9667-1017E13BC612}" type="datetimeFigureOut">
               <a:rPr lang="zh-CN" altLang="en-US" smtClean="0"/>
-              <a:t>2014/12/27</a:t>
+              <a:t>15/12/25</a:t>
             </a:fld>
             <a:endParaRPr lang="zh-CN" altLang="en-US"/>
           </a:p>
@@ -9976,7 +9976,7 @@
           <a:p>
             <a:fld id="{78EAE8B2-A1E4-4545-9667-1017E13BC612}" type="datetimeFigureOut">
               <a:rPr lang="zh-CN" altLang="en-US" smtClean="0"/>
-              <a:t>2014/12/27</a:t>
+              <a:t>15/12/25</a:t>
             </a:fld>
             <a:endParaRPr lang="zh-CN" altLang="en-US"/>
           </a:p>
@@ -10257,7 +10257,7 @@
           <a:p>
             <a:fld id="{78EAE8B2-A1E4-4545-9667-1017E13BC612}" type="datetimeFigureOut">
               <a:rPr lang="zh-CN" altLang="en-US" smtClean="0"/>
-              <a:t>2014/12/27</a:t>
+              <a:t>15/12/25</a:t>
             </a:fld>
             <a:endParaRPr lang="zh-CN" altLang="en-US"/>
           </a:p>
@@ -10545,7 +10545,7 @@
           <a:p>
             <a:fld id="{78EAE8B2-A1E4-4545-9667-1017E13BC612}" type="datetimeFigureOut">
               <a:rPr lang="zh-CN" altLang="en-US" smtClean="0"/>
-              <a:t>2014/12/27</a:t>
+              <a:t>15/12/25</a:t>
             </a:fld>
             <a:endParaRPr lang="zh-CN" altLang="en-US"/>
           </a:p>
@@ -11099,7 +11099,7 @@
           <a:p>
             <a:fld id="{78EAE8B2-A1E4-4545-9667-1017E13BC612}" type="datetimeFigureOut">
               <a:rPr lang="zh-CN" altLang="en-US" smtClean="0"/>
-              <a:t>2014/12/27</a:t>
+              <a:t>15/12/25</a:t>
             </a:fld>
             <a:endParaRPr lang="zh-CN" altLang="en-US"/>
           </a:p>
@@ -11230,7 +11230,7 @@
           <a:p>
             <a:fld id="{78EAE8B2-A1E4-4545-9667-1017E13BC612}" type="datetimeFigureOut">
               <a:rPr lang="zh-CN" altLang="en-US" smtClean="0"/>
-              <a:t>2014/12/27</a:t>
+              <a:t>15/12/25</a:t>
             </a:fld>
             <a:endParaRPr lang="zh-CN" altLang="en-US"/>
           </a:p>
@@ -11380,7 +11380,7 @@
           <a:p>
             <a:fld id="{78EAE8B2-A1E4-4545-9667-1017E13BC612}" type="datetimeFigureOut">
               <a:rPr lang="zh-CN" altLang="en-US" smtClean="0"/>
-              <a:t>2014/12/27</a:t>
+              <a:t>15/12/25</a:t>
             </a:fld>
             <a:endParaRPr lang="zh-CN" altLang="en-US"/>
           </a:p>
@@ -11701,7 +11701,7 @@
           <a:p>
             <a:fld id="{78EAE8B2-A1E4-4545-9667-1017E13BC612}" type="datetimeFigureOut">
               <a:rPr lang="zh-CN" altLang="en-US" smtClean="0"/>
-              <a:t>2014/12/27</a:t>
+              <a:t>15/12/25</a:t>
             </a:fld>
             <a:endParaRPr lang="zh-CN" altLang="en-US"/>
           </a:p>
@@ -11998,7 +11998,7 @@
           <a:p>
             <a:fld id="{78EAE8B2-A1E4-4545-9667-1017E13BC612}" type="datetimeFigureOut">
               <a:rPr lang="zh-CN" altLang="en-US" smtClean="0"/>
-              <a:t>2014/12/27</a:t>
+              <a:t>15/12/25</a:t>
             </a:fld>
             <a:endParaRPr lang="zh-CN" altLang="en-US"/>
           </a:p>
@@ -12243,7 +12243,7 @@
           <a:p>
             <a:fld id="{78EAE8B2-A1E4-4545-9667-1017E13BC612}" type="datetimeFigureOut">
               <a:rPr lang="zh-CN" altLang="en-US" smtClean="0"/>
-              <a:t>2014/12/27</a:t>
+              <a:t>15/12/25</a:t>
             </a:fld>
             <a:endParaRPr lang="zh-CN" altLang="en-US"/>
           </a:p>
@@ -13694,7 +13694,7 @@
         </p:blipFill>
         <p:spPr bwMode="auto">
           <a:xfrm>
-            <a:off x="1835696" y="4005064"/>
+            <a:off x="2726090" y="3573016"/>
             <a:ext cx="5960710" cy="1944216"/>
           </a:xfrm>
           <a:prstGeom prst="rect">
@@ -13712,6 +13712,65 @@
           </a:extLst>
         </p:spPr>
       </p:pic>
+      <p:sp>
+        <p:nvSpPr>
+          <p:cNvPr id="4" name="矩形 3"/>
+          <p:cNvSpPr/>
+          <p:nvPr/>
+        </p:nvSpPr>
+        <p:spPr>
+          <a:xfrm>
+            <a:off x="611560" y="5611599"/>
+            <a:ext cx="4572000" cy="923330"/>
+          </a:xfrm>
+          <a:prstGeom prst="rect">
+            <a:avLst/>
+          </a:prstGeom>
+        </p:spPr>
+        <p:txBody>
+          <a:bodyPr>
+            <a:spAutoFit/>
+          </a:bodyPr>
+          <a:lstStyle/>
+          <a:p>
+            <a:r>
+              <a:rPr lang="en-US" altLang="zh-CN" dirty="0"/>
+              <a:t>Sequential Programs   </a:t>
+            </a:r>
+            <a:r>
+              <a:rPr lang="zh-CN" altLang="en-US" dirty="0"/>
+              <a:t>顺序执行</a:t>
+            </a:r>
+            <a:endParaRPr lang="en-US" altLang="zh-CN" dirty="0"/>
+          </a:p>
+          <a:p>
+            <a:r>
+              <a:rPr lang="en-US" altLang="zh-CN" dirty="0"/>
+              <a:t>Concurrent Programs  </a:t>
+            </a:r>
+            <a:r>
+              <a:rPr lang="zh-CN" altLang="en-US" dirty="0"/>
+              <a:t>并发</a:t>
+            </a:r>
+            <a:endParaRPr lang="en-US" altLang="zh-CN" dirty="0"/>
+          </a:p>
+          <a:p>
+            <a:r>
+              <a:rPr lang="en-US" altLang="zh-CN" dirty="0"/>
+              <a:t>Parallel Programs     </a:t>
+            </a:r>
+            <a:r>
+              <a:rPr lang="zh-CN" altLang="en-US" dirty="0"/>
+              <a:t>并行执行</a:t>
+            </a:r>
+            <a:r>
+              <a:rPr lang="en-US" altLang="zh-CN" dirty="0"/>
+              <a:t> </a:t>
+            </a:r>
+            <a:endParaRPr lang="zh-CN" altLang="en-US" dirty="0"/>
+          </a:p>
+        </p:txBody>
+      </p:sp>
     </p:spTree>
     <p:extLst>
       <p:ext uri="{BB962C8B-B14F-4D97-AF65-F5344CB8AC3E}">
@@ -13821,7 +13880,15 @@
             </a:pPr>
             <a:r>
               <a:rPr lang="zh-CN" altLang="en-US" dirty="0"/>
-              <a:t>并发就是一心二用</a:t>
+              <a:t>并发就是</a:t>
+            </a:r>
+            <a:r>
+              <a:rPr lang="zh-CN" altLang="en-US" dirty="0">
+                <a:solidFill>
+                  <a:srgbClr val="FFFF00"/>
+                </a:solidFill>
+              </a:rPr>
+              <a:t>一心二用</a:t>
             </a:r>
             <a:r>
               <a:rPr lang="en-US" altLang="zh-CN" dirty="0"/>
@@ -13848,7 +13915,19 @@
             </a:pPr>
             <a:r>
               <a:rPr lang="zh-CN" altLang="en-US" dirty="0"/>
-              <a:t>并行就是兵分几路干同一个事情。比如别人看小说只能一行一行的看，而你能一目十行，这就是并行。</a:t>
+              <a:t>并行就是</a:t>
+            </a:r>
+            <a:r>
+              <a:rPr lang="zh-CN" altLang="en-US" dirty="0">
+                <a:solidFill>
+                  <a:srgbClr val="FFFF00"/>
+                </a:solidFill>
+              </a:rPr>
+              <a:t>兵分几路</a:t>
+            </a:r>
+            <a:r>
+              <a:rPr lang="zh-CN" altLang="en-US" dirty="0"/>
+              <a:t>干同一个事情。比如别人看小说只能一行一行的看，而你能一目十行，这就是并行。</a:t>
             </a:r>
           </a:p>
         </p:txBody>
@@ -13863,11 +13942,11 @@
   <p:clrMapOvr>
     <a:masterClrMapping/>
   </p:clrMapOvr>
-  <mc:AlternateContent xmlns:mc="http://schemas.openxmlformats.org/markup-compatibility/2006" xmlns:p14="http://schemas.microsoft.com/office/powerpoint/2010/main">
-    <mc:Choice Requires="p14">
+  <mc:AlternateContent xmlns:mc="http://schemas.openxmlformats.org/markup-compatibility/2006">
+    <mc:Choice xmlns:p14="http://schemas.microsoft.com/office/powerpoint/2010/main" Requires="p14">
       <p:transition spd="slow" p14:dur="2000"/>
     </mc:Choice>
-    <mc:Fallback xmlns="">
+    <mc:Fallback>
       <p:transition spd="slow"/>
     </mc:Fallback>
   </mc:AlternateContent>
@@ -14295,7 +14374,7 @@
         </p:spPr>
         <p:txBody>
           <a:bodyPr>
-            <a:normAutofit/>
+            <a:normAutofit fontScale="92500" lnSpcReduction="20000"/>
           </a:bodyPr>
           <a:lstStyle/>
           <a:p>
@@ -14313,6 +14392,27 @@
               <a:rPr lang="zh-CN" altLang="en-US" sz="2000" dirty="0" smtClean="0"/>
               <a:t>。</a:t>
             </a:r>
+          </a:p>
+          <a:p>
+            <a:pPr marL="0" indent="0">
+              <a:lnSpc>
+                <a:spcPct val="170000"/>
+              </a:lnSpc>
+              <a:buNone/>
+            </a:pPr>
+            <a:r>
+              <a:rPr lang="zh-CN" altLang="en-US" sz="2000" dirty="0"/>
+              <a:t>服务器变成了多核，我们的速度就快了么？ 没有，还需要程序支持。</a:t>
+            </a:r>
+            <a:endParaRPr lang="en-US" altLang="zh-CN" sz="2000" dirty="0"/>
+          </a:p>
+          <a:p>
+            <a:pPr marL="0" indent="0">
+              <a:lnSpc>
+                <a:spcPct val="170000"/>
+              </a:lnSpc>
+              <a:buNone/>
+            </a:pPr>
             <a:endParaRPr lang="zh-CN" altLang="en-US" sz="2000" dirty="0"/>
           </a:p>
         </p:txBody>
@@ -14479,6 +14579,109 @@
                       </p:childTnLst>
                     </p:cTn>
                   </p:par>
+                  <p:par>
+                    <p:cTn id="9" fill="hold">
+                      <p:stCondLst>
+                        <p:cond delay="indefinite"/>
+                      </p:stCondLst>
+                      <p:childTnLst>
+                        <p:par>
+                          <p:cTn id="10" fill="hold">
+                            <p:stCondLst>
+                              <p:cond delay="0"/>
+                            </p:stCondLst>
+                            <p:childTnLst>
+                              <p:par>
+                                <p:cTn id="11" presetID="2" presetClass="entr" presetSubtype="4" fill="hold" nodeType="clickEffect">
+                                  <p:stCondLst>
+                                    <p:cond delay="0"/>
+                                  </p:stCondLst>
+                                  <p:childTnLst>
+                                    <p:set>
+                                      <p:cBhvr>
+                                        <p:cTn id="12" dur="1" fill="hold">
+                                          <p:stCondLst>
+                                            <p:cond delay="0"/>
+                                          </p:stCondLst>
+                                        </p:cTn>
+                                        <p:tgtEl>
+                                          <p:spTgt spid="3">
+                                            <p:txEl>
+                                              <p:pRg st="1" end="1"/>
+                                            </p:txEl>
+                                          </p:spTgt>
+                                        </p:tgtEl>
+                                        <p:attrNameLst>
+                                          <p:attrName>style.visibility</p:attrName>
+                                        </p:attrNameLst>
+                                      </p:cBhvr>
+                                      <p:to>
+                                        <p:strVal val="visible"/>
+                                      </p:to>
+                                    </p:set>
+                                    <p:anim calcmode="lin" valueType="num">
+                                      <p:cBhvr additive="base">
+                                        <p:cTn id="13" dur="500" fill="hold"/>
+                                        <p:tgtEl>
+                                          <p:spTgt spid="3">
+                                            <p:txEl>
+                                              <p:pRg st="1" end="1"/>
+                                            </p:txEl>
+                                          </p:spTgt>
+                                        </p:tgtEl>
+                                        <p:attrNameLst>
+                                          <p:attrName>ppt_x</p:attrName>
+                                        </p:attrNameLst>
+                                      </p:cBhvr>
+                                      <p:tavLst>
+                                        <p:tav tm="0">
+                                          <p:val>
+                                            <p:strVal val="#ppt_x"/>
+                                          </p:val>
+                                        </p:tav>
+                                        <p:tav tm="100000">
+                                          <p:val>
+                                            <p:strVal val="#ppt_x"/>
+                                          </p:val>
+                                        </p:tav>
+                                      </p:tavLst>
+                                    </p:anim>
+                                    <p:anim calcmode="lin" valueType="num">
+                                      <p:cBhvr additive="base">
+                                        <p:cTn id="14" dur="500" fill="hold"/>
+                                        <p:tgtEl>
+                                          <p:spTgt spid="3">
+                                            <p:txEl>
+                                              <p:pRg st="1" end="1"/>
+                                            </p:txEl>
+                                          </p:spTgt>
+                                        </p:tgtEl>
+                                        <p:attrNameLst>
+                                          <p:attrName>ppt_y</p:attrName>
+                                        </p:attrNameLst>
+                                      </p:cBhvr>
+                                      <p:tavLst>
+                                        <p:tav tm="0">
+                                          <p:val>
+                                            <p:strVal val="1+#ppt_h/2"/>
+                                          </p:val>
+                                        </p:tav>
+                                        <p:tav tm="100000">
+                                          <p:val>
+                                            <p:strVal val="#ppt_y"/>
+                                          </p:val>
+                                        </p:tav>
+                                      </p:tavLst>
+                                    </p:anim>
+                                  </p:childTnLst>
+                                </p:cTn>
+                              </p:par>
+                            </p:childTnLst>
+                          </p:cTn>
+                        </p:par>
+                      </p:childTnLst>
+                    </p:cTn>
+                  </p:par>
                 </p:childTnLst>
               </p:cTn>
               <p:prevCondLst>
@@ -14601,9 +14804,41 @@
               <a:t>这就是地鼠之间的通信</a:t>
             </a:r>
             <a:r>
-              <a:rPr lang="en-US" altLang="zh-CN" sz="1800" dirty="0"/>
+              <a:rPr lang="en-US" altLang="zh-CN" sz="1800" dirty="0" smtClean="0"/>
               <a:t>)</a:t>
             </a:r>
+            <a:r>
+              <a:rPr lang="zh-CN" altLang="en-US" sz="1800" dirty="0" smtClean="0"/>
+              <a:t/>
+            </a:r>
+            <a:br>
+              <a:rPr lang="zh-CN" altLang="en-US" sz="1800" dirty="0" smtClean="0"/>
+            </a:br>
+            <a:r>
+              <a:rPr lang="zh-CN" altLang="en-US" sz="1800" dirty="0" smtClean="0"/>
+              <a:t>并行</a:t>
+            </a:r>
+            <a:r>
+              <a:rPr lang="zh-CN" altLang="en-US" sz="1800" dirty="0"/>
+              <a:t>了，有啥问题？  瓶颈在哪里？</a:t>
+            </a:r>
+          </a:p>
+          <a:p>
+            <a:pPr marL="0" indent="0">
+              <a:lnSpc>
+                <a:spcPct val="170000"/>
+              </a:lnSpc>
+              <a:buNone/>
+            </a:pPr>
+            <a:endParaRPr lang="zh-CN" altLang="en-US" sz="1800" dirty="0"/>
+          </a:p>
+          <a:p>
+            <a:pPr marL="0" indent="0">
+              <a:lnSpc>
+                <a:spcPct val="170000"/>
+              </a:lnSpc>
+              <a:buNone/>
+            </a:pPr>
             <a:endParaRPr lang="zh-CN" altLang="en-US" sz="1800" dirty="0"/>
           </a:p>
         </p:txBody>
@@ -15254,8 +15489,8 @@
         </p:nvSpPr>
         <p:spPr>
           <a:xfrm>
-            <a:off x="683568" y="4365104"/>
-            <a:ext cx="7627214" cy="2169825"/>
+            <a:off x="251520" y="4346721"/>
+            <a:ext cx="7627214" cy="1384995"/>
           </a:xfrm>
           <a:prstGeom prst="rect">
             <a:avLst/>
@@ -15273,23 +15508,23 @@
               </a:lnSpc>
             </a:pPr>
             <a:r>
-              <a:rPr lang="zh-CN" altLang="en-US" dirty="0"/>
+              <a:rPr lang="zh-CN" altLang="en-US" sz="1400" dirty="0"/>
               <a:t>如果只有一只地鼠，这仍然是并发</a:t>
             </a:r>
             <a:r>
-              <a:rPr lang="en-US" altLang="zh-CN" dirty="0"/>
+              <a:rPr lang="en-US" altLang="zh-CN" sz="1400" dirty="0"/>
               <a:t>(</a:t>
             </a:r>
             <a:r>
-              <a:rPr lang="zh-CN" altLang="en-US" dirty="0"/>
+              <a:rPr lang="zh-CN" altLang="en-US" sz="1400" dirty="0"/>
               <a:t>就是目前的这种工作方式</a:t>
             </a:r>
             <a:r>
-              <a:rPr lang="en-US" altLang="zh-CN" dirty="0"/>
+              <a:rPr lang="en-US" altLang="zh-CN" sz="1400" dirty="0"/>
               <a:t>)</a:t>
             </a:r>
             <a:r>
-              <a:rPr lang="zh-CN" altLang="en-US" dirty="0"/>
+              <a:rPr lang="zh-CN" altLang="en-US" sz="1400" dirty="0"/>
               <a:t>，但它不是并行。</a:t>
             </a:r>
           </a:p>
@@ -15300,42 +15535,42 @@
               </a:lnSpc>
             </a:pPr>
             <a:r>
-              <a:rPr lang="zh-CN" altLang="en-US" dirty="0" smtClean="0"/>
+              <a:rPr lang="zh-CN" altLang="en-US" sz="1400" dirty="0" smtClean="0"/>
               <a:t>现在</a:t>
             </a:r>
             <a:r>
-              <a:rPr lang="zh-CN" altLang="en-US" dirty="0"/>
+              <a:rPr lang="zh-CN" altLang="en-US" sz="1400" dirty="0"/>
               <a:t>的这种工作</a:t>
             </a:r>
             <a:r>
-              <a:rPr lang="zh-CN" altLang="en-US" dirty="0" smtClean="0"/>
+              <a:rPr lang="zh-CN" altLang="en-US" sz="1400" dirty="0" smtClean="0"/>
               <a:t>流程</a:t>
             </a:r>
             <a:r>
-              <a:rPr lang="en-US" altLang="zh-CN" dirty="0" smtClean="0"/>
+              <a:rPr lang="en-US" altLang="zh-CN" sz="1400" dirty="0" smtClean="0"/>
               <a:t>(</a:t>
             </a:r>
             <a:r>
-              <a:rPr lang="zh-CN" altLang="en-US" dirty="0" smtClean="0"/>
+              <a:rPr lang="zh-CN" altLang="en-US" sz="1400" dirty="0" smtClean="0"/>
               <a:t>全部扩容一倍</a:t>
             </a:r>
             <a:r>
-              <a:rPr lang="en-US" altLang="zh-CN" dirty="0" smtClean="0"/>
+              <a:rPr lang="en-US" altLang="zh-CN" sz="1400" dirty="0" smtClean="0"/>
               <a:t>)</a:t>
             </a:r>
             <a:r>
-              <a:rPr lang="zh-CN" altLang="en-US" dirty="0" smtClean="0"/>
+              <a:rPr lang="zh-CN" altLang="en-US" sz="1400" dirty="0" smtClean="0"/>
               <a:t>不能</a:t>
             </a:r>
             <a:r>
-              <a:rPr lang="zh-CN" altLang="en-US" dirty="0"/>
+              <a:rPr lang="zh-CN" altLang="en-US" sz="1400" dirty="0"/>
               <a:t>自动的实现并行</a:t>
             </a:r>
             <a:r>
-              <a:rPr lang="zh-CN" altLang="en-US" dirty="0" smtClean="0"/>
+              <a:rPr lang="zh-CN" altLang="en-US" sz="1400" dirty="0" smtClean="0"/>
               <a:t>！</a:t>
             </a:r>
-            <a:endParaRPr lang="zh-CN" altLang="en-US" dirty="0"/>
+            <a:endParaRPr lang="zh-CN" altLang="en-US" sz="1400" dirty="0"/>
           </a:p>
           <a:p>
             <a:pPr>
@@ -15344,18 +15579,18 @@
               </a:lnSpc>
             </a:pPr>
             <a:r>
-              <a:rPr lang="zh-CN" altLang="en-US" dirty="0" smtClean="0"/>
+              <a:rPr lang="zh-CN" altLang="en-US" sz="1400" dirty="0" smtClean="0"/>
               <a:t>然而</a:t>
             </a:r>
             <a:r>
-              <a:rPr lang="zh-CN" altLang="en-US" dirty="0"/>
+              <a:rPr lang="zh-CN" altLang="en-US" sz="1400" dirty="0"/>
               <a:t>，它是可以并行的</a:t>
             </a:r>
             <a:r>
-              <a:rPr lang="zh-CN" altLang="en-US" dirty="0" smtClean="0"/>
+              <a:rPr lang="zh-CN" altLang="en-US" sz="1400" dirty="0" smtClean="0"/>
               <a:t>！</a:t>
             </a:r>
-            <a:endParaRPr lang="zh-CN" altLang="en-US" dirty="0"/>
+            <a:endParaRPr lang="zh-CN" altLang="en-US" sz="1400" dirty="0"/>
           </a:p>
           <a:p>
             <a:pPr>
@@ -15364,8 +15599,85 @@
               </a:lnSpc>
             </a:pPr>
             <a:r>
-              <a:rPr lang="zh-CN" altLang="en-US" dirty="0"/>
+              <a:rPr lang="zh-CN" altLang="en-US" sz="1400" dirty="0"/>
               <a:t>需要设计出另外的工作流程来实现并发组合。</a:t>
+            </a:r>
+          </a:p>
+        </p:txBody>
+      </p:sp>
+      <p:sp>
+        <p:nvSpPr>
+          <p:cNvPr id="5" name="矩形 4"/>
+          <p:cNvSpPr/>
+          <p:nvPr/>
+        </p:nvSpPr>
+        <p:spPr>
+          <a:xfrm>
+            <a:off x="4716016" y="5257562"/>
+            <a:ext cx="4572000" cy="1600438"/>
+          </a:xfrm>
+          <a:prstGeom prst="rect">
+            <a:avLst/>
+          </a:prstGeom>
+        </p:spPr>
+        <p:txBody>
+          <a:bodyPr>
+            <a:spAutoFit/>
+          </a:bodyPr>
+          <a:lstStyle/>
+          <a:p>
+            <a:r>
+              <a:rPr lang="zh-CN" altLang="en-US" sz="1400" dirty="0"/>
+              <a:t>并发组合不等于并行。</a:t>
+            </a:r>
+            <a:endParaRPr lang="en-US" altLang="zh-CN" sz="1400" dirty="0"/>
+          </a:p>
+          <a:p>
+            <a:endParaRPr lang="en-US" altLang="zh-CN" sz="1400" dirty="0"/>
+          </a:p>
+          <a:p>
+            <a:r>
+              <a:rPr lang="zh-CN" altLang="en-US" sz="1400" dirty="0"/>
+              <a:t>并发关注的是资源充分利用</a:t>
+            </a:r>
+            <a:r>
+              <a:rPr lang="en-US" altLang="zh-CN" sz="1400" dirty="0"/>
+              <a:t>(</a:t>
+            </a:r>
+            <a:r>
+              <a:rPr lang="zh-CN" altLang="en-US" sz="1400" dirty="0"/>
+              <a:t>组合</a:t>
+            </a:r>
+            <a:r>
+              <a:rPr lang="en-US" altLang="zh-CN" sz="1400" dirty="0"/>
+              <a:t>)</a:t>
+            </a:r>
+            <a:r>
+              <a:rPr lang="zh-CN" altLang="en-US" sz="1400" dirty="0"/>
+              <a:t>；</a:t>
+            </a:r>
+          </a:p>
+          <a:p>
+            <a:r>
+              <a:rPr lang="zh-CN" altLang="en-US" sz="1400" dirty="0"/>
+              <a:t>并行关注的是一个任务被分解给多个执行者同时做；</a:t>
+            </a:r>
+            <a:endParaRPr lang="en-US" altLang="zh-CN" sz="1400" dirty="0"/>
+          </a:p>
+          <a:p>
+            <a:r>
+              <a:rPr lang="zh-CN" altLang="en-US" sz="1400" dirty="0"/>
+              <a:t>简单的所有复制一份，是扩容。</a:t>
+            </a:r>
+            <a:endParaRPr lang="en-US" altLang="zh-CN" sz="1400" dirty="0"/>
+          </a:p>
+          <a:p>
+            <a:endParaRPr lang="en-US" altLang="zh-CN" sz="1400" dirty="0"/>
+          </a:p>
+          <a:p>
+            <a:r>
+              <a:rPr lang="zh-CN" altLang="en-US" sz="1400" dirty="0"/>
+              <a:t>要实现并发，需要对工作流程进行设计。</a:t>
             </a:r>
           </a:p>
         </p:txBody>
@@ -15544,6 +15856,35 @@
           </a:extLst>
         </p:spPr>
       </p:pic>
+      <p:sp>
+        <p:nvSpPr>
+          <p:cNvPr id="4" name="矩形 3"/>
+          <p:cNvSpPr/>
+          <p:nvPr/>
+        </p:nvSpPr>
+        <p:spPr>
+          <a:xfrm>
+            <a:off x="5727680" y="6177553"/>
+            <a:ext cx="3416320" cy="369332"/>
+          </a:xfrm>
+          <a:prstGeom prst="rect">
+            <a:avLst/>
+          </a:prstGeom>
+        </p:spPr>
+        <p:txBody>
+          <a:bodyPr wrap="none">
+            <a:spAutoFit/>
+          </a:bodyPr>
+          <a:lstStyle/>
+          <a:p>
+            <a:r>
+              <a:rPr lang="zh-CN" altLang="en-US"/>
+              <a:t>简化了对每个地鼠的职能要求。</a:t>
+            </a:r>
+            <a:endParaRPr lang="zh-CN" altLang="en-US" dirty="0"/>
+          </a:p>
+        </p:txBody>
+      </p:sp>
     </p:spTree>
     <p:extLst>
       <p:ext uri="{BB962C8B-B14F-4D97-AF65-F5344CB8AC3E}">
@@ -15846,6 +16187,50 @@
               <a:rPr lang="zh-CN" altLang="en-US" dirty="0"/>
               <a:t>这是一种比仅仅并行更深刻的认识。</a:t>
             </a:r>
+          </a:p>
+        </p:txBody>
+      </p:sp>
+      <p:sp>
+        <p:nvSpPr>
+          <p:cNvPr id="4" name="矩形 3"/>
+          <p:cNvSpPr/>
+          <p:nvPr/>
+        </p:nvSpPr>
+        <p:spPr>
+          <a:xfrm>
+            <a:off x="4147175" y="5547436"/>
+            <a:ext cx="4572000" cy="923330"/>
+          </a:xfrm>
+          <a:prstGeom prst="rect">
+            <a:avLst/>
+          </a:prstGeom>
+        </p:spPr>
+        <p:txBody>
+          <a:bodyPr>
+            <a:spAutoFit/>
+          </a:bodyPr>
+          <a:lstStyle/>
+          <a:p>
+            <a:r>
+              <a:rPr lang="zh-CN" altLang="en-US" dirty="0"/>
+              <a:t>好处</a:t>
+            </a:r>
+            <a:r>
+              <a:rPr lang="zh-CN" altLang="en-US" dirty="0" smtClean="0"/>
+              <a:t>？</a:t>
+            </a:r>
+            <a:br>
+              <a:rPr lang="zh-CN" altLang="en-US" dirty="0" smtClean="0"/>
+            </a:br>
+            <a:r>
+              <a:rPr lang="zh-CN" altLang="en-US" dirty="0" smtClean="0"/>
+              <a:t>职责</a:t>
+            </a:r>
+            <a:r>
+              <a:rPr lang="zh-CN" altLang="en-US" dirty="0"/>
+              <a:t>单一，每一个工序都是非常简单地，并发起来组合成一道复杂工序。</a:t>
+            </a:r>
+            <a:endParaRPr lang="en-US" altLang="zh-CN" dirty="0"/>
           </a:p>
         </p:txBody>
       </p:sp>
@@ -17340,6 +17725,42 @@
           </a:p>
         </p:txBody>
       </p:sp>
+      <p:sp>
+        <p:nvSpPr>
+          <p:cNvPr id="4" name="矩形 3"/>
+          <p:cNvSpPr/>
+          <p:nvPr/>
+        </p:nvSpPr>
+        <p:spPr>
+          <a:xfrm>
+            <a:off x="6804248" y="2420888"/>
+            <a:ext cx="2069976" cy="646331"/>
+          </a:xfrm>
+          <a:prstGeom prst="rect">
+            <a:avLst/>
+          </a:prstGeom>
+        </p:spPr>
+        <p:txBody>
+          <a:bodyPr wrap="square">
+            <a:spAutoFit/>
+          </a:bodyPr>
+          <a:lstStyle/>
+          <a:p>
+            <a:r>
+              <a:rPr lang="zh-CN" altLang="en-US" dirty="0"/>
+              <a:t>什么是并发设计：</a:t>
+            </a:r>
+            <a:endParaRPr lang="en-US" altLang="zh-CN" dirty="0"/>
+          </a:p>
+          <a:p>
+            <a:r>
+              <a:rPr lang="zh-CN" altLang="en-US" dirty="0"/>
+              <a:t>分解流程。</a:t>
+            </a:r>
+            <a:endParaRPr lang="en-US" altLang="zh-CN" dirty="0"/>
+          </a:p>
+        </p:txBody>
+      </p:sp>
     </p:spTree>
     <p:extLst>
       <p:ext uri="{BB962C8B-B14F-4D97-AF65-F5344CB8AC3E}">
@@ -17637,9 +18058,14 @@
         </p:nvSpPr>
         <p:spPr/>
         <p:txBody>
-          <a:bodyPr/>
+          <a:bodyPr anchor="ctr"/>
           <a:lstStyle/>
           <a:p>
+            <a:pPr>
+              <a:lnSpc>
+                <a:spcPct val="150000"/>
+              </a:lnSpc>
+            </a:pPr>
             <a:r>
               <a:rPr lang="zh-CN" altLang="en-US" dirty="0"/>
               <a:t>这里不是一个详细的教材，只是快速做一些重点介绍。</a:t>
@@ -20083,6 +20509,35 @@
           </a:p>
         </p:txBody>
       </p:sp>
+      <p:sp>
+        <p:nvSpPr>
+          <p:cNvPr id="5" name="矩形 4"/>
+          <p:cNvSpPr/>
+          <p:nvPr/>
+        </p:nvSpPr>
+        <p:spPr>
+          <a:xfrm>
+            <a:off x="5001721" y="4494604"/>
+            <a:ext cx="2954655" cy="369332"/>
+          </a:xfrm>
+          <a:prstGeom prst="rect">
+            <a:avLst/>
+          </a:prstGeom>
+        </p:spPr>
+        <p:txBody>
+          <a:bodyPr wrap="none">
+            <a:spAutoFit/>
+          </a:bodyPr>
+          <a:lstStyle/>
+          <a:p>
+            <a:r>
+              <a:rPr lang="zh-CN" altLang="en-US"/>
+              <a:t>开一个后台协程遍历处理。</a:t>
+            </a:r>
+            <a:endParaRPr lang="zh-CN" altLang="en-US" dirty="0"/>
+          </a:p>
+        </p:txBody>
+      </p:sp>
     </p:spTree>
     <p:extLst>
       <p:ext uri="{BB962C8B-B14F-4D97-AF65-F5344CB8AC3E}">
@@ -20257,6 +20712,56 @@
           </a:p>
         </p:txBody>
       </p:sp>
+      <p:sp>
+        <p:nvSpPr>
+          <p:cNvPr id="5" name="矩形 4"/>
+          <p:cNvSpPr/>
+          <p:nvPr/>
+        </p:nvSpPr>
+        <p:spPr>
+          <a:xfrm>
+            <a:off x="2286000" y="4838948"/>
+            <a:ext cx="4572000" cy="923330"/>
+          </a:xfrm>
+          <a:prstGeom prst="rect">
+            <a:avLst/>
+          </a:prstGeom>
+        </p:spPr>
+        <p:txBody>
+          <a:bodyPr>
+            <a:spAutoFit/>
+          </a:bodyPr>
+          <a:lstStyle/>
+          <a:p>
+            <a:pPr>
+              <a:lnSpc>
+                <a:spcPct val="150000"/>
+              </a:lnSpc>
+            </a:pPr>
+            <a:r>
+              <a:rPr lang="zh-CN" altLang="en-US" dirty="0"/>
+              <a:t>我们将做简单的负载均衡运算  </a:t>
+            </a:r>
+            <a:r>
+              <a:rPr lang="en-US" altLang="zh-CN" dirty="0"/>
+              <a:t>z=x*y </a:t>
+            </a:r>
+            <a:r>
+              <a:rPr lang="zh-CN" altLang="en-US" dirty="0"/>
+              <a:t>其中 </a:t>
+            </a:r>
+            <a:r>
+              <a:rPr lang="en-US" altLang="zh-CN" dirty="0"/>
+              <a:t>sleep </a:t>
+            </a:r>
+            <a:r>
+              <a:rPr lang="zh-CN" altLang="en-US" dirty="0"/>
+              <a:t>一段时间。</a:t>
+            </a:r>
+            <a:endParaRPr lang="zh-CN" altLang="en-US" dirty="0"/>
+          </a:p>
+        </p:txBody>
+      </p:sp>
     </p:spTree>
     <p:extLst>
       <p:ext uri="{BB962C8B-B14F-4D97-AF65-F5344CB8AC3E}">
@@ -20625,6 +21130,56 @@
             <a:endParaRPr lang="zh-CN" altLang="en-US" sz="2400" dirty="0">
               <a:latin typeface="Arial Black" panose="020B0A04020102020204" pitchFamily="34" charset="0"/>
             </a:endParaRPr>
+          </a:p>
+        </p:txBody>
+      </p:sp>
+      <p:sp>
+        <p:nvSpPr>
+          <p:cNvPr id="5" name="矩形 4"/>
+          <p:cNvSpPr/>
+          <p:nvPr/>
+        </p:nvSpPr>
+        <p:spPr>
+          <a:xfrm>
+            <a:off x="4186808" y="4221088"/>
+            <a:ext cx="4572000" cy="923330"/>
+          </a:xfrm>
+          <a:prstGeom prst="rect">
+            <a:avLst/>
+          </a:prstGeom>
+        </p:spPr>
+        <p:txBody>
+          <a:bodyPr>
+            <a:spAutoFit/>
+          </a:bodyPr>
+          <a:lstStyle/>
+          <a:p>
+            <a:pPr>
+              <a:lnSpc>
+                <a:spcPct val="150000"/>
+              </a:lnSpc>
+            </a:pPr>
+            <a:r>
+              <a:rPr lang="zh-CN" altLang="en-US" dirty="0"/>
+              <a:t>遍历 </a:t>
+            </a:r>
+            <a:r>
+              <a:rPr lang="en-US" altLang="zh-CN" dirty="0"/>
+              <a:t>in </a:t>
+            </a:r>
+            <a:r>
+              <a:rPr lang="zh-CN" altLang="en-US" dirty="0"/>
+              <a:t>通道，  每个做了运算后， 放入 </a:t>
+            </a:r>
+            <a:r>
+              <a:rPr lang="en-US" altLang="zh-CN" dirty="0"/>
+              <a:t>out </a:t>
+            </a:r>
+            <a:r>
+              <a:rPr lang="zh-CN" altLang="en-US" dirty="0"/>
+              <a:t>通道。</a:t>
+            </a:r>
+            <a:endParaRPr lang="zh-CN" altLang="en-US" dirty="0"/>
           </a:p>
         </p:txBody>
       </p:sp>
@@ -21775,6 +22330,54 @@
             <a:endParaRPr lang="zh-CN" altLang="en-US" sz="2400" dirty="0">
               <a:latin typeface="Arial Black" panose="020B0A04020102020204" pitchFamily="34" charset="0"/>
             </a:endParaRPr>
+          </a:p>
+        </p:txBody>
+      </p:sp>
+      <p:sp>
+        <p:nvSpPr>
+          <p:cNvPr id="5" name="矩形 4"/>
+          <p:cNvSpPr/>
+          <p:nvPr/>
+        </p:nvSpPr>
+        <p:spPr>
+          <a:xfrm>
+            <a:off x="6503640" y="5920425"/>
+            <a:ext cx="2316832" cy="646331"/>
+          </a:xfrm>
+          <a:prstGeom prst="rect">
+            <a:avLst/>
+          </a:prstGeom>
+        </p:spPr>
+        <p:txBody>
+          <a:bodyPr wrap="square">
+            <a:spAutoFit/>
+          </a:bodyPr>
+          <a:lstStyle/>
+          <a:p>
+            <a:r>
+              <a:rPr lang="en-US" altLang="zh-CN" dirty="0" err="1"/>
+              <a:t>Fn</a:t>
+            </a:r>
+            <a:r>
+              <a:rPr lang="en-US" altLang="zh-CN" dirty="0"/>
+              <a:t> </a:t>
+            </a:r>
+            <a:r>
+              <a:rPr lang="zh-CN" altLang="en-US" dirty="0"/>
+              <a:t>要干的事情；</a:t>
+            </a:r>
+            <a:endParaRPr lang="en-US" altLang="zh-CN" dirty="0"/>
+          </a:p>
+          <a:p>
+            <a:r>
+              <a:rPr lang="en-US" altLang="zh-CN" dirty="0"/>
+              <a:t>C </a:t>
+            </a:r>
+            <a:r>
+              <a:rPr lang="zh-CN" altLang="en-US" dirty="0"/>
+              <a:t>好了通知这个。</a:t>
+            </a:r>
+            <a:endParaRPr lang="zh-CN" altLang="en-US" dirty="0"/>
           </a:p>
         </p:txBody>
       </p:sp>
@@ -22629,6 +23232,97 @@
           </a:p>
         </p:txBody>
       </p:sp>
+      <p:sp>
+        <p:nvSpPr>
+          <p:cNvPr id="5" name="矩形 4"/>
+          <p:cNvSpPr/>
+          <p:nvPr/>
+        </p:nvSpPr>
+        <p:spPr>
+          <a:xfrm>
+            <a:off x="1187624" y="5301208"/>
+            <a:ext cx="7499176" cy="1338828"/>
+          </a:xfrm>
+          <a:prstGeom prst="rect">
+            <a:avLst/>
+          </a:prstGeom>
+        </p:spPr>
+        <p:txBody>
+          <a:bodyPr wrap="square">
+            <a:spAutoFit/>
+          </a:bodyPr>
+          <a:lstStyle/>
+          <a:p>
+            <a:pPr>
+              <a:lnSpc>
+                <a:spcPct val="150000"/>
+              </a:lnSpc>
+              <a:defRPr/>
+            </a:pPr>
+            <a:r>
+              <a:rPr lang="en-US" altLang="zh-CN" dirty="0">
+                <a:latin typeface="Arial Black" panose="020B0A04020102020204" pitchFamily="34" charset="0"/>
+              </a:rPr>
+              <a:t>work to do (buffered channel) </a:t>
+            </a:r>
+            <a:r>
+              <a:rPr lang="zh-CN" altLang="en-US" dirty="0">
+                <a:latin typeface="Arial Black" panose="020B0A04020102020204" pitchFamily="34" charset="0"/>
+              </a:rPr>
+              <a:t>要做的工作（缓冲通道）只有一个。</a:t>
+            </a:r>
+            <a:endParaRPr lang="en-US" altLang="zh-CN" dirty="0">
+              <a:latin typeface="Arial Black" panose="020B0A04020102020204" pitchFamily="34" charset="0"/>
+            </a:endParaRPr>
+          </a:p>
+          <a:p>
+            <a:pPr>
+              <a:lnSpc>
+                <a:spcPct val="150000"/>
+              </a:lnSpc>
+              <a:defRPr/>
+            </a:pPr>
+            <a:r>
+              <a:rPr lang="en-US" altLang="zh-CN" dirty="0">
+                <a:latin typeface="Arial Black" panose="020B0A04020102020204" pitchFamily="34" charset="0"/>
+              </a:rPr>
+              <a:t>count of pending tasks    </a:t>
+            </a:r>
+            <a:r>
+              <a:rPr lang="zh-CN" altLang="en-US" dirty="0">
+                <a:latin typeface="Arial Black" panose="020B0A04020102020204" pitchFamily="34" charset="0"/>
+              </a:rPr>
+              <a:t>待处理任务数</a:t>
+            </a:r>
+            <a:endParaRPr lang="en-US" altLang="zh-CN" dirty="0">
+              <a:latin typeface="Arial Black" panose="020B0A04020102020204" pitchFamily="34" charset="0"/>
+            </a:endParaRPr>
+          </a:p>
+          <a:p>
+            <a:pPr>
+              <a:lnSpc>
+                <a:spcPct val="150000"/>
+              </a:lnSpc>
+              <a:defRPr/>
+            </a:pPr>
+            <a:r>
+              <a:rPr lang="en-US" altLang="zh-CN" dirty="0">
+                <a:latin typeface="Arial Black" panose="020B0A04020102020204" pitchFamily="34" charset="0"/>
+              </a:rPr>
+              <a:t>index in the heap    </a:t>
+            </a:r>
+            <a:r>
+              <a:rPr lang="zh-CN" altLang="en-US" dirty="0">
+                <a:latin typeface="Arial Black" panose="020B0A04020102020204" pitchFamily="34" charset="0"/>
+              </a:rPr>
+              <a:t>堆中的索引</a:t>
+            </a:r>
+            <a:endParaRPr lang="en-US" altLang="zh-CN" dirty="0">
+              <a:latin typeface="Arial Black" panose="020B0A04020102020204" pitchFamily="34" charset="0"/>
+            </a:endParaRPr>
+          </a:p>
+        </p:txBody>
+      </p:sp>
     </p:spTree>
     <p:extLst>
       <p:ext uri="{BB962C8B-B14F-4D97-AF65-F5344CB8AC3E}">
@@ -23703,6 +24397,50 @@
           </a:p>
         </p:txBody>
       </p:sp>
+      <p:sp>
+        <p:nvSpPr>
+          <p:cNvPr id="5" name="矩形 4"/>
+          <p:cNvSpPr/>
+          <p:nvPr/>
+        </p:nvSpPr>
+        <p:spPr>
+          <a:xfrm>
+            <a:off x="6516216" y="1649706"/>
+            <a:ext cx="2170584" cy="646331"/>
+          </a:xfrm>
+          <a:prstGeom prst="rect">
+            <a:avLst/>
+          </a:prstGeom>
+        </p:spPr>
+        <p:txBody>
+          <a:bodyPr wrap="square">
+            <a:spAutoFit/>
+          </a:bodyPr>
+          <a:lstStyle/>
+          <a:p>
+            <a:r>
+              <a:rPr lang="en-US" altLang="zh-CN" dirty="0"/>
+              <a:t>Dispatch </a:t>
+            </a:r>
+            <a:r>
+              <a:rPr lang="zh-CN" altLang="en-US" dirty="0"/>
+              <a:t>调度</a:t>
+            </a:r>
+            <a:endParaRPr lang="en-US" altLang="zh-CN" dirty="0"/>
+          </a:p>
+          <a:p>
+            <a:r>
+              <a:rPr lang="en-US" altLang="zh-CN" dirty="0"/>
+              <a:t>Completed </a:t>
+            </a:r>
+            <a:r>
+              <a:rPr lang="zh-CN" altLang="en-US" dirty="0"/>
+              <a:t>完成</a:t>
+            </a:r>
+            <a:endParaRPr lang="zh-CN" altLang="en-US" dirty="0"/>
+          </a:p>
+        </p:txBody>
+      </p:sp>
     </p:spTree>
     <p:extLst>
       <p:ext uri="{BB962C8B-B14F-4D97-AF65-F5344CB8AC3E}">
@@ -24233,6 +24971,55 @@
           </a:p>
         </p:txBody>
       </p:sp>
+      <p:sp>
+        <p:nvSpPr>
+          <p:cNvPr id="5" name="矩形 4"/>
+          <p:cNvSpPr/>
+          <p:nvPr/>
+        </p:nvSpPr>
+        <p:spPr>
+          <a:xfrm>
+            <a:off x="3058634" y="2843644"/>
+            <a:ext cx="5616624" cy="369332"/>
+          </a:xfrm>
+          <a:prstGeom prst="rect">
+            <a:avLst/>
+          </a:prstGeom>
+        </p:spPr>
+        <p:txBody>
+          <a:bodyPr wrap="square">
+            <a:spAutoFit/>
+          </a:bodyPr>
+          <a:lstStyle/>
+          <a:p>
+            <a:r>
+              <a:rPr lang="en-US" altLang="zh-CN" dirty="0"/>
+              <a:t>Less </a:t>
+            </a:r>
+            <a:r>
+              <a:rPr lang="zh-CN" altLang="en-US" dirty="0"/>
+              <a:t>比较堆中，两个</a:t>
+            </a:r>
+            <a:r>
+              <a:rPr lang="en-US" altLang="zh-CN" dirty="0"/>
+              <a:t>worker</a:t>
+            </a:r>
+            <a:r>
+              <a:rPr lang="zh-CN" altLang="en-US" dirty="0"/>
+              <a:t>的 </a:t>
+            </a:r>
+            <a:r>
+              <a:rPr lang="en-US" altLang="zh-CN" dirty="0"/>
+              <a:t>pending</a:t>
+            </a:r>
+            <a:r>
+              <a:rPr lang="zh-CN" altLang="en-US" dirty="0"/>
+              <a:t>值谁更小。</a:t>
+            </a:r>
+            <a:endParaRPr lang="en-US" altLang="zh-CN" dirty="0"/>
+          </a:p>
+        </p:txBody>
+      </p:sp>
     </p:spTree>
     <p:extLst>
       <p:ext uri="{BB962C8B-B14F-4D97-AF65-F5344CB8AC3E}">
@@ -24897,7 +25684,15 @@
               <a:rPr lang="zh-CN" altLang="en-US" dirty="0" smtClean="0">
                 <a:effectLst/>
               </a:rPr>
-              <a:t>习得</a:t>
+              <a:t>习得  </a:t>
+            </a:r>
+            <a:r>
+              <a:rPr lang="zh-CN" altLang="en-US" dirty="0" smtClean="0"/>
+              <a:t>拆分</a:t>
+            </a:r>
+            <a:r>
+              <a:rPr lang="zh-CN" altLang="en-US" dirty="0"/>
+              <a:t>、解耦</a:t>
             </a:r>
             <a:endParaRPr lang="zh-CN" altLang="en-US" dirty="0"/>
           </a:p>
@@ -25325,8 +26120,38 @@
             </a:pPr>
             <a:r>
               <a:rPr lang="zh-CN" altLang="en-US" dirty="0"/>
-              <a:t>我们有几个相同的数据库，我们想最小化延迟，分别询问他们，挑选第一个响应的。</a:t>
-            </a:r>
+              <a:t>我们有几个相同的数据库，我们想最小化延迟，分别询问他们，挑选第一个响应的</a:t>
+            </a:r>
+            <a:r>
+              <a:rPr lang="zh-CN" altLang="en-US" dirty="0" smtClean="0"/>
+              <a:t>。</a:t>
+            </a:r>
+          </a:p>
+          <a:p>
+            <a:pPr marL="0" indent="0">
+              <a:lnSpc>
+                <a:spcPct val="150000"/>
+              </a:lnSpc>
+              <a:buNone/>
+            </a:pPr>
+            <a:endParaRPr lang="zh-CN" altLang="en-US" dirty="0"/>
+          </a:p>
+          <a:p>
+            <a:pPr marL="0" indent="0">
+              <a:lnSpc>
+                <a:spcPct val="150000"/>
+              </a:lnSpc>
+              <a:buNone/>
+            </a:pPr>
+            <a:r>
+              <a:rPr lang="zh-CN" altLang="en-US" dirty="0"/>
+              <a:t>只要有第一个响应回来了，我就函数返回</a:t>
+            </a:r>
+            <a:r>
+              <a:rPr lang="zh-CN" altLang="en-US" dirty="0" smtClean="0"/>
+              <a:t>。</a:t>
+            </a:r>
+            <a:endParaRPr lang="en-US" altLang="zh-CN" dirty="0"/>
           </a:p>
         </p:txBody>
       </p:sp>
